--- a/少改几版吧/插图.pptx
+++ b/少改几版吧/插图.pptx
@@ -6,6 +6,7 @@
   </p:sldMasterIdLst>
   <p:sldIdLst>
     <p:sldId id="256" r:id="rId2"/>
+    <p:sldId id="257" r:id="rId3"/>
   </p:sldIdLst>
   <p:sldSz cx="12192000" cy="6858000"/>
   <p:notesSz cx="6858000" cy="9144000"/>
@@ -104,6 +105,11 @@
       </a:defRPr>
     </a:lvl9pPr>
   </p:defaultTextStyle>
+  <p:extLst>
+    <p:ext uri="{EFAFB233-063F-42B5-8137-9DF3F51BA10A}">
+      <p15:sldGuideLst xmlns:p15="http://schemas.microsoft.com/office/powerpoint/2012/main"/>
+    </p:ext>
+  </p:extLst>
 </p:presentation>
 </file>
 
@@ -254,7 +260,7 @@
           <a:p>
             <a:fld id="{AC1DC9CC-61D3-4AD0-8A6B-AA4C898DCF5B}" type="datetimeFigureOut">
               <a:rPr lang="zh-CN" altLang="en-US" smtClean="0"/>
-              <a:t>2022/3/13</a:t>
+              <a:t>2022/3/19</a:t>
             </a:fld>
             <a:endParaRPr lang="zh-CN" altLang="en-US"/>
           </a:p>
@@ -452,7 +458,7 @@
           <a:p>
             <a:fld id="{AC1DC9CC-61D3-4AD0-8A6B-AA4C898DCF5B}" type="datetimeFigureOut">
               <a:rPr lang="zh-CN" altLang="en-US" smtClean="0"/>
-              <a:t>2022/3/13</a:t>
+              <a:t>2022/3/19</a:t>
             </a:fld>
             <a:endParaRPr lang="zh-CN" altLang="en-US"/>
           </a:p>
@@ -660,7 +666,7 @@
           <a:p>
             <a:fld id="{AC1DC9CC-61D3-4AD0-8A6B-AA4C898DCF5B}" type="datetimeFigureOut">
               <a:rPr lang="zh-CN" altLang="en-US" smtClean="0"/>
-              <a:t>2022/3/13</a:t>
+              <a:t>2022/3/19</a:t>
             </a:fld>
             <a:endParaRPr lang="zh-CN" altLang="en-US"/>
           </a:p>
@@ -858,7 +864,7 @@
           <a:p>
             <a:fld id="{AC1DC9CC-61D3-4AD0-8A6B-AA4C898DCF5B}" type="datetimeFigureOut">
               <a:rPr lang="zh-CN" altLang="en-US" smtClean="0"/>
-              <a:t>2022/3/13</a:t>
+              <a:t>2022/3/19</a:t>
             </a:fld>
             <a:endParaRPr lang="zh-CN" altLang="en-US"/>
           </a:p>
@@ -1133,7 +1139,7 @@
           <a:p>
             <a:fld id="{AC1DC9CC-61D3-4AD0-8A6B-AA4C898DCF5B}" type="datetimeFigureOut">
               <a:rPr lang="zh-CN" altLang="en-US" smtClean="0"/>
-              <a:t>2022/3/13</a:t>
+              <a:t>2022/3/19</a:t>
             </a:fld>
             <a:endParaRPr lang="zh-CN" altLang="en-US"/>
           </a:p>
@@ -1398,7 +1404,7 @@
           <a:p>
             <a:fld id="{AC1DC9CC-61D3-4AD0-8A6B-AA4C898DCF5B}" type="datetimeFigureOut">
               <a:rPr lang="zh-CN" altLang="en-US" smtClean="0"/>
-              <a:t>2022/3/13</a:t>
+              <a:t>2022/3/19</a:t>
             </a:fld>
             <a:endParaRPr lang="zh-CN" altLang="en-US"/>
           </a:p>
@@ -1810,7 +1816,7 @@
           <a:p>
             <a:fld id="{AC1DC9CC-61D3-4AD0-8A6B-AA4C898DCF5B}" type="datetimeFigureOut">
               <a:rPr lang="zh-CN" altLang="en-US" smtClean="0"/>
-              <a:t>2022/3/13</a:t>
+              <a:t>2022/3/19</a:t>
             </a:fld>
             <a:endParaRPr lang="zh-CN" altLang="en-US"/>
           </a:p>
@@ -1951,7 +1957,7 @@
           <a:p>
             <a:fld id="{AC1DC9CC-61D3-4AD0-8A6B-AA4C898DCF5B}" type="datetimeFigureOut">
               <a:rPr lang="zh-CN" altLang="en-US" smtClean="0"/>
-              <a:t>2022/3/13</a:t>
+              <a:t>2022/3/19</a:t>
             </a:fld>
             <a:endParaRPr lang="zh-CN" altLang="en-US"/>
           </a:p>
@@ -2064,7 +2070,7 @@
           <a:p>
             <a:fld id="{AC1DC9CC-61D3-4AD0-8A6B-AA4C898DCF5B}" type="datetimeFigureOut">
               <a:rPr lang="zh-CN" altLang="en-US" smtClean="0"/>
-              <a:t>2022/3/13</a:t>
+              <a:t>2022/3/19</a:t>
             </a:fld>
             <a:endParaRPr lang="zh-CN" altLang="en-US"/>
           </a:p>
@@ -2375,7 +2381,7 @@
           <a:p>
             <a:fld id="{AC1DC9CC-61D3-4AD0-8A6B-AA4C898DCF5B}" type="datetimeFigureOut">
               <a:rPr lang="zh-CN" altLang="en-US" smtClean="0"/>
-              <a:t>2022/3/13</a:t>
+              <a:t>2022/3/19</a:t>
             </a:fld>
             <a:endParaRPr lang="zh-CN" altLang="en-US"/>
           </a:p>
@@ -2663,7 +2669,7 @@
           <a:p>
             <a:fld id="{AC1DC9CC-61D3-4AD0-8A6B-AA4C898DCF5B}" type="datetimeFigureOut">
               <a:rPr lang="zh-CN" altLang="en-US" smtClean="0"/>
-              <a:t>2022/3/13</a:t>
+              <a:t>2022/3/19</a:t>
             </a:fld>
             <a:endParaRPr lang="zh-CN" altLang="en-US"/>
           </a:p>
@@ -2904,7 +2910,7 @@
           <a:p>
             <a:fld id="{AC1DC9CC-61D3-4AD0-8A6B-AA4C898DCF5B}" type="datetimeFigureOut">
               <a:rPr lang="zh-CN" altLang="en-US" smtClean="0"/>
-              <a:t>2022/3/13</a:t>
+              <a:t>2022/3/19</a:t>
             </a:fld>
             <a:endParaRPr lang="zh-CN" altLang="en-US"/>
           </a:p>
@@ -3321,10 +3327,5367 @@
           <a:chExt cx="0" cy="0"/>
         </a:xfrm>
       </p:grpSpPr>
+      <p:grpSp>
+        <p:nvGrpSpPr>
+          <p:cNvPr id="3" name="组合 2">
+            <a:extLst>
+              <a:ext uri="{FF2B5EF4-FFF2-40B4-BE49-F238E27FC236}">
+                <a16:creationId xmlns:a16="http://schemas.microsoft.com/office/drawing/2014/main" id="{8A800EC9-F58B-45B6-82B8-7E68BC9C8708}"/>
+              </a:ext>
+            </a:extLst>
+          </p:cNvPr>
+          <p:cNvGrpSpPr/>
+          <p:nvPr/>
+        </p:nvGrpSpPr>
+        <p:grpSpPr>
+          <a:xfrm>
+            <a:off x="114123" y="431266"/>
+            <a:ext cx="11963753" cy="6144790"/>
+            <a:chOff x="100096" y="450516"/>
+            <a:chExt cx="11963753" cy="6144790"/>
+          </a:xfrm>
+        </p:grpSpPr>
+        <p:sp>
+          <p:nvSpPr>
+            <p:cNvPr id="4" name="矩形 3">
+              <a:extLst>
+                <a:ext uri="{FF2B5EF4-FFF2-40B4-BE49-F238E27FC236}">
+                  <a16:creationId xmlns:a16="http://schemas.microsoft.com/office/drawing/2014/main" id="{ACAA8132-A253-4F22-86BB-A060DB1879CA}"/>
+                </a:ext>
+              </a:extLst>
+            </p:cNvPr>
+            <p:cNvSpPr/>
+            <p:nvPr/>
+          </p:nvSpPr>
+          <p:spPr>
+            <a:xfrm>
+              <a:off x="8707907" y="1106939"/>
+              <a:ext cx="3355942" cy="5472094"/>
+            </a:xfrm>
+            <a:prstGeom prst="rect">
+              <a:avLst/>
+            </a:prstGeom>
+            <a:solidFill>
+              <a:schemeClr val="bg1">
+                <a:lumMod val="85000"/>
+              </a:schemeClr>
+            </a:solidFill>
+            <a:ln>
+              <a:solidFill>
+                <a:schemeClr val="tx1"/>
+              </a:solidFill>
+            </a:ln>
+          </p:spPr>
+          <p:style>
+            <a:lnRef idx="2">
+              <a:schemeClr val="accent1">
+                <a:shade val="50000"/>
+              </a:schemeClr>
+            </a:lnRef>
+            <a:fillRef idx="1">
+              <a:schemeClr val="accent1"/>
+            </a:fillRef>
+            <a:effectRef idx="0">
+              <a:schemeClr val="accent1"/>
+            </a:effectRef>
+            <a:fontRef idx="minor">
+              <a:schemeClr val="lt1"/>
+            </a:fontRef>
+          </p:style>
+          <p:txBody>
+            <a:bodyPr rtlCol="0" anchor="ctr"/>
+            <a:lstStyle/>
+            <a:p>
+              <a:pPr algn="ctr"/>
+              <a:endParaRPr lang="zh-CN" altLang="en-US" dirty="0"/>
+            </a:p>
+          </p:txBody>
+        </p:sp>
+        <p:sp>
+          <p:nvSpPr>
+            <p:cNvPr id="5" name="矩形 4">
+              <a:extLst>
+                <a:ext uri="{FF2B5EF4-FFF2-40B4-BE49-F238E27FC236}">
+                  <a16:creationId xmlns:a16="http://schemas.microsoft.com/office/drawing/2014/main" id="{968CF2C6-3E3E-4443-809A-6ADF3AAAD3AB}"/>
+                </a:ext>
+              </a:extLst>
+            </p:cNvPr>
+            <p:cNvSpPr/>
+            <p:nvPr/>
+          </p:nvSpPr>
+          <p:spPr>
+            <a:xfrm>
+              <a:off x="3227288" y="1106939"/>
+              <a:ext cx="5475223" cy="5471010"/>
+            </a:xfrm>
+            <a:prstGeom prst="rect">
+              <a:avLst/>
+            </a:prstGeom>
+            <a:solidFill>
+              <a:schemeClr val="bg1"/>
+            </a:solidFill>
+            <a:ln>
+              <a:solidFill>
+                <a:schemeClr val="tx1"/>
+              </a:solidFill>
+            </a:ln>
+          </p:spPr>
+          <p:style>
+            <a:lnRef idx="2">
+              <a:schemeClr val="accent1">
+                <a:shade val="50000"/>
+              </a:schemeClr>
+            </a:lnRef>
+            <a:fillRef idx="1">
+              <a:schemeClr val="accent1"/>
+            </a:fillRef>
+            <a:effectRef idx="0">
+              <a:schemeClr val="accent1"/>
+            </a:effectRef>
+            <a:fontRef idx="minor">
+              <a:schemeClr val="lt1"/>
+            </a:fontRef>
+          </p:style>
+          <p:txBody>
+            <a:bodyPr rtlCol="0" anchor="ctr"/>
+            <a:lstStyle/>
+            <a:p>
+              <a:pPr algn="ctr"/>
+              <a:endParaRPr lang="zh-CN" altLang="en-US" dirty="0"/>
+            </a:p>
+          </p:txBody>
+        </p:sp>
+        <p:grpSp>
+          <p:nvGrpSpPr>
+            <p:cNvPr id="6" name="组合 5">
+              <a:extLst>
+                <a:ext uri="{FF2B5EF4-FFF2-40B4-BE49-F238E27FC236}">
+                  <a16:creationId xmlns:a16="http://schemas.microsoft.com/office/drawing/2014/main" id="{FB3CECFA-F314-4F91-B0E0-3A7DFCF736B9}"/>
+                </a:ext>
+              </a:extLst>
+            </p:cNvPr>
+            <p:cNvGrpSpPr/>
+            <p:nvPr/>
+          </p:nvGrpSpPr>
+          <p:grpSpPr>
+            <a:xfrm>
+              <a:off x="3500788" y="3369023"/>
+              <a:ext cx="4772273" cy="1081734"/>
+              <a:chOff x="3500788" y="3369023"/>
+              <a:chExt cx="4772273" cy="1081734"/>
+            </a:xfrm>
+          </p:grpSpPr>
+          <p:sp>
+            <p:nvSpPr>
+              <p:cNvPr id="103" name="矩形: 圆角 102">
+                <a:extLst>
+                  <a:ext uri="{FF2B5EF4-FFF2-40B4-BE49-F238E27FC236}">
+                    <a16:creationId xmlns:a16="http://schemas.microsoft.com/office/drawing/2014/main" id="{E8C12156-2481-450A-AEE7-9813B56BB45A}"/>
+                  </a:ext>
+                </a:extLst>
+              </p:cNvPr>
+              <p:cNvSpPr/>
+              <p:nvPr/>
+            </p:nvSpPr>
+            <p:spPr>
+              <a:xfrm>
+                <a:off x="3510405" y="3387025"/>
+                <a:ext cx="4762656" cy="1063732"/>
+              </a:xfrm>
+              <a:prstGeom prst="roundRect">
+                <a:avLst/>
+              </a:prstGeom>
+              <a:solidFill>
+                <a:schemeClr val="bg1"/>
+              </a:solidFill>
+              <a:ln w="28575">
+                <a:solidFill>
+                  <a:schemeClr val="bg1">
+                    <a:lumMod val="50000"/>
+                  </a:schemeClr>
+                </a:solidFill>
+                <a:prstDash val="sysDash"/>
+              </a:ln>
+            </p:spPr>
+            <p:style>
+              <a:lnRef idx="2">
+                <a:schemeClr val="accent1">
+                  <a:shade val="50000"/>
+                </a:schemeClr>
+              </a:lnRef>
+              <a:fillRef idx="1">
+                <a:schemeClr val="accent1"/>
+              </a:fillRef>
+              <a:effectRef idx="0">
+                <a:schemeClr val="accent1"/>
+              </a:effectRef>
+              <a:fontRef idx="minor">
+                <a:schemeClr val="lt1"/>
+              </a:fontRef>
+            </p:style>
+            <p:txBody>
+              <a:bodyPr rtlCol="0" anchor="ctr"/>
+              <a:lstStyle/>
+              <a:p>
+                <a:pPr algn="ctr"/>
+                <a:endParaRPr lang="zh-CN" altLang="en-US" b="1" dirty="0">
+                  <a:solidFill>
+                    <a:schemeClr val="tx1"/>
+                  </a:solidFill>
+                  <a:latin typeface="微软雅黑" panose="020B0503020204020204" pitchFamily="34" charset="-122"/>
+                  <a:ea typeface="微软雅黑" panose="020B0503020204020204" pitchFamily="34" charset="-122"/>
+                </a:endParaRPr>
+              </a:p>
+            </p:txBody>
+          </p:sp>
+          <p:sp>
+            <p:nvSpPr>
+              <p:cNvPr id="104" name="文本框 103">
+                <a:extLst>
+                  <a:ext uri="{FF2B5EF4-FFF2-40B4-BE49-F238E27FC236}">
+                    <a16:creationId xmlns:a16="http://schemas.microsoft.com/office/drawing/2014/main" id="{03E3D6AC-9A22-4DB4-BB60-06F46A6F92AB}"/>
+                  </a:ext>
+                </a:extLst>
+              </p:cNvPr>
+              <p:cNvSpPr txBox="1"/>
+              <p:nvPr/>
+            </p:nvSpPr>
+            <p:spPr>
+              <a:xfrm>
+                <a:off x="3500788" y="3369023"/>
+                <a:ext cx="2745063" cy="307777"/>
+              </a:xfrm>
+              <a:prstGeom prst="rect">
+                <a:avLst/>
+              </a:prstGeom>
+              <a:solidFill>
+                <a:schemeClr val="bg1">
+                  <a:lumMod val="50000"/>
+                </a:schemeClr>
+              </a:solidFill>
+              <a:ln>
+                <a:solidFill>
+                  <a:schemeClr val="bg1">
+                    <a:lumMod val="50000"/>
+                  </a:schemeClr>
+                </a:solidFill>
+              </a:ln>
+            </p:spPr>
+            <p:txBody>
+              <a:bodyPr wrap="square">
+                <a:spAutoFit/>
+              </a:bodyPr>
+              <a:lstStyle/>
+              <a:p>
+                <a:r>
+                  <a:rPr lang="zh-CN" altLang="en-US" sz="1400" b="1" dirty="0">
+                    <a:solidFill>
+                      <a:schemeClr val="bg1"/>
+                    </a:solidFill>
+                    <a:latin typeface="黑体" panose="02010609060101010101" pitchFamily="49" charset="-122"/>
+                    <a:ea typeface="黑体" panose="02010609060101010101" pitchFamily="49" charset="-122"/>
+                  </a:rPr>
+                  <a:t>基于容器的可移植性优化</a:t>
+                </a:r>
+              </a:p>
+            </p:txBody>
+          </p:sp>
+          <p:sp>
+            <p:nvSpPr>
+              <p:cNvPr id="105" name="矩形 104">
+                <a:extLst>
+                  <a:ext uri="{FF2B5EF4-FFF2-40B4-BE49-F238E27FC236}">
+                    <a16:creationId xmlns:a16="http://schemas.microsoft.com/office/drawing/2014/main" id="{BA944A16-AC86-4FA9-8138-D2189C079F28}"/>
+                  </a:ext>
+                </a:extLst>
+              </p:cNvPr>
+              <p:cNvSpPr/>
+              <p:nvPr/>
+            </p:nvSpPr>
+            <p:spPr>
+              <a:xfrm>
+                <a:off x="3596260" y="3930806"/>
+                <a:ext cx="1338145" cy="372046"/>
+              </a:xfrm>
+              <a:prstGeom prst="rect">
+                <a:avLst/>
+              </a:prstGeom>
+              <a:solidFill>
+                <a:schemeClr val="bg1"/>
+              </a:solidFill>
+              <a:ln w="28575">
+                <a:solidFill>
+                  <a:schemeClr val="bg1">
+                    <a:lumMod val="50000"/>
+                  </a:schemeClr>
+                </a:solidFill>
+              </a:ln>
+            </p:spPr>
+            <p:style>
+              <a:lnRef idx="2">
+                <a:schemeClr val="accent1">
+                  <a:shade val="50000"/>
+                </a:schemeClr>
+              </a:lnRef>
+              <a:fillRef idx="1">
+                <a:schemeClr val="accent1"/>
+              </a:fillRef>
+              <a:effectRef idx="0">
+                <a:schemeClr val="accent1"/>
+              </a:effectRef>
+              <a:fontRef idx="minor">
+                <a:schemeClr val="lt1"/>
+              </a:fontRef>
+            </p:style>
+            <p:txBody>
+              <a:bodyPr rtlCol="0" anchor="ctr"/>
+              <a:lstStyle/>
+              <a:p>
+                <a:pPr algn="ctr"/>
+                <a:r>
+                  <a:rPr lang="zh-CN" altLang="en-US" sz="1400" dirty="0">
+                    <a:solidFill>
+                      <a:schemeClr val="tx1"/>
+                    </a:solidFill>
+                    <a:latin typeface="仿宋_GB2312" panose="02010609030101010101" pitchFamily="49" charset="-122"/>
+                    <a:ea typeface="仿宋_GB2312" panose="02010609030101010101" pitchFamily="49" charset="-122"/>
+                  </a:rPr>
+                  <a:t>弱一致性协议</a:t>
+                </a:r>
+              </a:p>
+            </p:txBody>
+          </p:sp>
+          <p:sp>
+            <p:nvSpPr>
+              <p:cNvPr id="106" name="矩形 105">
+                <a:extLst>
+                  <a:ext uri="{FF2B5EF4-FFF2-40B4-BE49-F238E27FC236}">
+                    <a16:creationId xmlns:a16="http://schemas.microsoft.com/office/drawing/2014/main" id="{B06D74EA-FDF2-43AA-8A2B-6C58BC077CEC}"/>
+                  </a:ext>
+                </a:extLst>
+              </p:cNvPr>
+              <p:cNvSpPr/>
+              <p:nvPr/>
+            </p:nvSpPr>
+            <p:spPr>
+              <a:xfrm>
+                <a:off x="5174663" y="3930762"/>
+                <a:ext cx="1338145" cy="372046"/>
+              </a:xfrm>
+              <a:prstGeom prst="rect">
+                <a:avLst/>
+              </a:prstGeom>
+              <a:solidFill>
+                <a:schemeClr val="bg1"/>
+              </a:solidFill>
+              <a:ln w="28575">
+                <a:solidFill>
+                  <a:schemeClr val="bg1">
+                    <a:lumMod val="50000"/>
+                  </a:schemeClr>
+                </a:solidFill>
+              </a:ln>
+            </p:spPr>
+            <p:style>
+              <a:lnRef idx="2">
+                <a:schemeClr val="accent1">
+                  <a:shade val="50000"/>
+                </a:schemeClr>
+              </a:lnRef>
+              <a:fillRef idx="1">
+                <a:schemeClr val="accent1"/>
+              </a:fillRef>
+              <a:effectRef idx="0">
+                <a:schemeClr val="accent1"/>
+              </a:effectRef>
+              <a:fontRef idx="minor">
+                <a:schemeClr val="lt1"/>
+              </a:fontRef>
+            </p:style>
+            <p:txBody>
+              <a:bodyPr rtlCol="0" anchor="ctr"/>
+              <a:lstStyle/>
+              <a:p>
+                <a:pPr algn="ctr"/>
+                <a:r>
+                  <a:rPr lang="zh-CN" altLang="en-US" sz="1400" dirty="0">
+                    <a:solidFill>
+                      <a:schemeClr val="tx1"/>
+                    </a:solidFill>
+                    <a:latin typeface="仿宋_GB2312" panose="02010609030101010101" pitchFamily="49" charset="-122"/>
+                    <a:ea typeface="仿宋_GB2312" panose="02010609030101010101" pitchFamily="49" charset="-122"/>
+                  </a:rPr>
+                  <a:t>强一致性协议</a:t>
+                </a:r>
+              </a:p>
+            </p:txBody>
+          </p:sp>
+          <p:sp>
+            <p:nvSpPr>
+              <p:cNvPr id="107" name="矩形 106">
+                <a:extLst>
+                  <a:ext uri="{FF2B5EF4-FFF2-40B4-BE49-F238E27FC236}">
+                    <a16:creationId xmlns:a16="http://schemas.microsoft.com/office/drawing/2014/main" id="{56B40D45-7DF0-4702-82B4-1EDD8E248025}"/>
+                  </a:ext>
+                </a:extLst>
+              </p:cNvPr>
+              <p:cNvSpPr/>
+              <p:nvPr/>
+            </p:nvSpPr>
+            <p:spPr>
+              <a:xfrm>
+                <a:off x="6753066" y="3927085"/>
+                <a:ext cx="1443801" cy="372046"/>
+              </a:xfrm>
+              <a:prstGeom prst="rect">
+                <a:avLst/>
+              </a:prstGeom>
+              <a:solidFill>
+                <a:schemeClr val="bg1"/>
+              </a:solidFill>
+              <a:ln w="28575">
+                <a:solidFill>
+                  <a:schemeClr val="bg1">
+                    <a:lumMod val="50000"/>
+                  </a:schemeClr>
+                </a:solidFill>
+              </a:ln>
+            </p:spPr>
+            <p:style>
+              <a:lnRef idx="2">
+                <a:schemeClr val="accent1">
+                  <a:shade val="50000"/>
+                </a:schemeClr>
+              </a:lnRef>
+              <a:fillRef idx="1">
+                <a:schemeClr val="accent1"/>
+              </a:fillRef>
+              <a:effectRef idx="0">
+                <a:schemeClr val="accent1"/>
+              </a:effectRef>
+              <a:fontRef idx="minor">
+                <a:schemeClr val="lt1"/>
+              </a:fontRef>
+            </p:style>
+            <p:txBody>
+              <a:bodyPr rtlCol="0" anchor="ctr"/>
+              <a:lstStyle/>
+              <a:p>
+                <a:pPr algn="ctr"/>
+                <a:r>
+                  <a:rPr lang="zh-CN" altLang="en-US" sz="1400" dirty="0">
+                    <a:solidFill>
+                      <a:schemeClr val="tx1"/>
+                    </a:solidFill>
+                    <a:latin typeface="仿宋_GB2312" panose="02010609030101010101" pitchFamily="49" charset="-122"/>
+                    <a:ea typeface="仿宋_GB2312" panose="02010609030101010101" pitchFamily="49" charset="-122"/>
+                  </a:rPr>
+                  <a:t>弹性一致性数据</a:t>
+                </a:r>
+              </a:p>
+            </p:txBody>
+          </p:sp>
+          <p:cxnSp>
+            <p:nvCxnSpPr>
+              <p:cNvPr id="108" name="直接连接符 107">
+                <a:extLst>
+                  <a:ext uri="{FF2B5EF4-FFF2-40B4-BE49-F238E27FC236}">
+                    <a16:creationId xmlns:a16="http://schemas.microsoft.com/office/drawing/2014/main" id="{B63725B6-02A6-4221-A8DA-E5BB72523DD6}"/>
+                  </a:ext>
+                </a:extLst>
+              </p:cNvPr>
+              <p:cNvCxnSpPr>
+                <a:cxnSpLocks/>
+                <a:stCxn id="105" idx="3"/>
+                <a:endCxn id="106" idx="1"/>
+              </p:cNvCxnSpPr>
+              <p:nvPr/>
+            </p:nvCxnSpPr>
+            <p:spPr>
+              <a:xfrm flipV="1">
+                <a:off x="4934405" y="4116785"/>
+                <a:ext cx="240258" cy="44"/>
+              </a:xfrm>
+              <a:prstGeom prst="line">
+                <a:avLst/>
+              </a:prstGeom>
+              <a:solidFill>
+                <a:schemeClr val="bg1"/>
+              </a:solidFill>
+              <a:ln w="38100">
+                <a:solidFill>
+                  <a:schemeClr val="bg1">
+                    <a:lumMod val="50000"/>
+                  </a:schemeClr>
+                </a:solidFill>
+                <a:tailEnd type="none"/>
+              </a:ln>
+            </p:spPr>
+            <p:style>
+              <a:lnRef idx="1">
+                <a:schemeClr val="accent1"/>
+              </a:lnRef>
+              <a:fillRef idx="0">
+                <a:schemeClr val="accent1"/>
+              </a:fillRef>
+              <a:effectRef idx="0">
+                <a:schemeClr val="accent1"/>
+              </a:effectRef>
+              <a:fontRef idx="minor">
+                <a:schemeClr val="tx1"/>
+              </a:fontRef>
+            </p:style>
+          </p:cxnSp>
+          <p:cxnSp>
+            <p:nvCxnSpPr>
+              <p:cNvPr id="109" name="直接连接符 108">
+                <a:extLst>
+                  <a:ext uri="{FF2B5EF4-FFF2-40B4-BE49-F238E27FC236}">
+                    <a16:creationId xmlns:a16="http://schemas.microsoft.com/office/drawing/2014/main" id="{C0BB5BDE-593A-4A7A-A76C-4B2517C4963F}"/>
+                  </a:ext>
+                </a:extLst>
+              </p:cNvPr>
+              <p:cNvCxnSpPr>
+                <a:cxnSpLocks/>
+                <a:stCxn id="106" idx="3"/>
+                <a:endCxn id="107" idx="1"/>
+              </p:cNvCxnSpPr>
+              <p:nvPr/>
+            </p:nvCxnSpPr>
+            <p:spPr>
+              <a:xfrm flipV="1">
+                <a:off x="6512808" y="4113108"/>
+                <a:ext cx="240258" cy="3677"/>
+              </a:xfrm>
+              <a:prstGeom prst="line">
+                <a:avLst/>
+              </a:prstGeom>
+              <a:solidFill>
+                <a:schemeClr val="bg1"/>
+              </a:solidFill>
+              <a:ln w="38100">
+                <a:solidFill>
+                  <a:schemeClr val="bg1">
+                    <a:lumMod val="50000"/>
+                  </a:schemeClr>
+                </a:solidFill>
+                <a:tailEnd type="none"/>
+              </a:ln>
+            </p:spPr>
+            <p:style>
+              <a:lnRef idx="1">
+                <a:schemeClr val="accent1"/>
+              </a:lnRef>
+              <a:fillRef idx="0">
+                <a:schemeClr val="accent1"/>
+              </a:fillRef>
+              <a:effectRef idx="0">
+                <a:schemeClr val="accent1"/>
+              </a:effectRef>
+              <a:fontRef idx="minor">
+                <a:schemeClr val="tx1"/>
+              </a:fontRef>
+            </p:style>
+          </p:cxnSp>
+        </p:grpSp>
+        <p:grpSp>
+          <p:nvGrpSpPr>
+            <p:cNvPr id="7" name="组合 6">
+              <a:extLst>
+                <a:ext uri="{FF2B5EF4-FFF2-40B4-BE49-F238E27FC236}">
+                  <a16:creationId xmlns:a16="http://schemas.microsoft.com/office/drawing/2014/main" id="{3DB731C9-8F6F-47E0-A5B8-68AC1460678B}"/>
+                </a:ext>
+              </a:extLst>
+            </p:cNvPr>
+            <p:cNvGrpSpPr/>
+            <p:nvPr/>
+          </p:nvGrpSpPr>
+          <p:grpSpPr>
+            <a:xfrm>
+              <a:off x="3559344" y="5131723"/>
+              <a:ext cx="4776477" cy="1068496"/>
+              <a:chOff x="3744690" y="983886"/>
+              <a:chExt cx="5065014" cy="1060702"/>
+            </a:xfrm>
+            <a:solidFill>
+              <a:schemeClr val="bg1"/>
+            </a:solidFill>
+          </p:grpSpPr>
+          <p:sp>
+            <p:nvSpPr>
+              <p:cNvPr id="96" name="矩形: 圆角 95">
+                <a:extLst>
+                  <a:ext uri="{FF2B5EF4-FFF2-40B4-BE49-F238E27FC236}">
+                    <a16:creationId xmlns:a16="http://schemas.microsoft.com/office/drawing/2014/main" id="{B14FCE6C-28D2-4323-B29E-45C21D8DC4B6}"/>
+                  </a:ext>
+                </a:extLst>
+              </p:cNvPr>
+              <p:cNvSpPr/>
+              <p:nvPr/>
+            </p:nvSpPr>
+            <p:spPr>
+              <a:xfrm>
+                <a:off x="3759346" y="988615"/>
+                <a:ext cx="5050358" cy="1055973"/>
+              </a:xfrm>
+              <a:prstGeom prst="roundRect">
+                <a:avLst/>
+              </a:prstGeom>
+              <a:grpFill/>
+              <a:ln w="28575">
+                <a:solidFill>
+                  <a:schemeClr val="tx1"/>
+                </a:solidFill>
+                <a:prstDash val="sysDash"/>
+              </a:ln>
+            </p:spPr>
+            <p:style>
+              <a:lnRef idx="2">
+                <a:schemeClr val="accent1">
+                  <a:shade val="50000"/>
+                </a:schemeClr>
+              </a:lnRef>
+              <a:fillRef idx="1">
+                <a:schemeClr val="accent1"/>
+              </a:fillRef>
+              <a:effectRef idx="0">
+                <a:schemeClr val="accent1"/>
+              </a:effectRef>
+              <a:fontRef idx="minor">
+                <a:schemeClr val="lt1"/>
+              </a:fontRef>
+            </p:style>
+            <p:txBody>
+              <a:bodyPr rtlCol="0" anchor="ctr"/>
+              <a:lstStyle/>
+              <a:p>
+                <a:pPr algn="ctr"/>
+                <a:endParaRPr lang="zh-CN" altLang="en-US" b="1" dirty="0">
+                  <a:solidFill>
+                    <a:schemeClr val="tx1"/>
+                  </a:solidFill>
+                  <a:latin typeface="微软雅黑" panose="020B0503020204020204" pitchFamily="34" charset="-122"/>
+                  <a:ea typeface="微软雅黑" panose="020B0503020204020204" pitchFamily="34" charset="-122"/>
+                </a:endParaRPr>
+              </a:p>
+            </p:txBody>
+          </p:sp>
+          <p:sp>
+            <p:nvSpPr>
+              <p:cNvPr id="97" name="文本框 96">
+                <a:extLst>
+                  <a:ext uri="{FF2B5EF4-FFF2-40B4-BE49-F238E27FC236}">
+                    <a16:creationId xmlns:a16="http://schemas.microsoft.com/office/drawing/2014/main" id="{2F9AB269-46EA-4BF7-B578-30162B51FD7C}"/>
+                  </a:ext>
+                </a:extLst>
+              </p:cNvPr>
+              <p:cNvSpPr txBox="1"/>
+              <p:nvPr/>
+            </p:nvSpPr>
+            <p:spPr>
+              <a:xfrm>
+                <a:off x="3744690" y="983886"/>
+                <a:ext cx="2848793" cy="305532"/>
+              </a:xfrm>
+              <a:prstGeom prst="rect">
+                <a:avLst/>
+              </a:prstGeom>
+              <a:solidFill>
+                <a:schemeClr val="tx1"/>
+              </a:solidFill>
+              <a:ln>
+                <a:solidFill>
+                  <a:schemeClr val="tx1"/>
+                </a:solidFill>
+              </a:ln>
+            </p:spPr>
+            <p:txBody>
+              <a:bodyPr wrap="square">
+                <a:spAutoFit/>
+              </a:bodyPr>
+              <a:lstStyle/>
+              <a:p>
+                <a:r>
+                  <a:rPr lang="en-US" altLang="zh-CN" sz="1400" b="1" dirty="0">
+                    <a:solidFill>
+                      <a:schemeClr val="bg1"/>
+                    </a:solidFill>
+                    <a:latin typeface="黑体" panose="02010609060101010101" pitchFamily="49" charset="-122"/>
+                    <a:ea typeface="黑体" panose="02010609060101010101" pitchFamily="49" charset="-122"/>
+                  </a:rPr>
+                  <a:t>RISC-V</a:t>
+                </a:r>
+                <a:r>
+                  <a:rPr lang="zh-CN" altLang="en-US" sz="1400" b="1" dirty="0">
+                    <a:solidFill>
+                      <a:schemeClr val="bg1"/>
+                    </a:solidFill>
+                    <a:latin typeface="黑体" panose="02010609060101010101" pitchFamily="49" charset="-122"/>
+                    <a:ea typeface="黑体" panose="02010609060101010101" pitchFamily="49" charset="-122"/>
+                  </a:rPr>
+                  <a:t>架构上的性能评价评估</a:t>
+                </a:r>
+              </a:p>
+            </p:txBody>
+          </p:sp>
+          <p:sp>
+            <p:nvSpPr>
+              <p:cNvPr id="98" name="矩形 97">
+                <a:extLst>
+                  <a:ext uri="{FF2B5EF4-FFF2-40B4-BE49-F238E27FC236}">
+                    <a16:creationId xmlns:a16="http://schemas.microsoft.com/office/drawing/2014/main" id="{67094F65-7FA1-4453-96F4-0A0F148E5103}"/>
+                  </a:ext>
+                </a:extLst>
+              </p:cNvPr>
+              <p:cNvSpPr/>
+              <p:nvPr/>
+            </p:nvSpPr>
+            <p:spPr>
+              <a:xfrm>
+                <a:off x="3850386" y="1463666"/>
+                <a:ext cx="1520121" cy="434096"/>
+              </a:xfrm>
+              <a:prstGeom prst="rect">
+                <a:avLst/>
+              </a:prstGeom>
+              <a:grpFill/>
+              <a:ln w="28575">
+                <a:solidFill>
+                  <a:schemeClr val="tx1"/>
+                </a:solidFill>
+              </a:ln>
+            </p:spPr>
+            <p:style>
+              <a:lnRef idx="2">
+                <a:schemeClr val="accent1">
+                  <a:shade val="50000"/>
+                </a:schemeClr>
+              </a:lnRef>
+              <a:fillRef idx="1">
+                <a:schemeClr val="accent1"/>
+              </a:fillRef>
+              <a:effectRef idx="0">
+                <a:schemeClr val="accent1"/>
+              </a:effectRef>
+              <a:fontRef idx="minor">
+                <a:schemeClr val="lt1"/>
+              </a:fontRef>
+            </p:style>
+            <p:txBody>
+              <a:bodyPr rtlCol="0" anchor="ctr"/>
+              <a:lstStyle/>
+              <a:p>
+                <a:pPr algn="ctr"/>
+                <a:r>
+                  <a:rPr lang="zh-CN" altLang="en-US" sz="1400" dirty="0">
+                    <a:solidFill>
+                      <a:schemeClr val="tx1"/>
+                    </a:solidFill>
+                    <a:latin typeface="仿宋_GB2312" panose="02010609030101010101" pitchFamily="49" charset="-122"/>
+                    <a:ea typeface="仿宋_GB2312" panose="02010609030101010101" pitchFamily="49" charset="-122"/>
+                  </a:rPr>
+                  <a:t>新硬件特征</a:t>
+                </a:r>
+              </a:p>
+            </p:txBody>
+          </p:sp>
+          <p:sp>
+            <p:nvSpPr>
+              <p:cNvPr id="99" name="矩形 98">
+                <a:extLst>
+                  <a:ext uri="{FF2B5EF4-FFF2-40B4-BE49-F238E27FC236}">
+                    <a16:creationId xmlns:a16="http://schemas.microsoft.com/office/drawing/2014/main" id="{275F9063-077C-4D6D-85E3-F4EB190D062E}"/>
+                  </a:ext>
+                </a:extLst>
+              </p:cNvPr>
+              <p:cNvSpPr/>
+              <p:nvPr/>
+            </p:nvSpPr>
+            <p:spPr>
+              <a:xfrm>
+                <a:off x="5491254" y="1463666"/>
+                <a:ext cx="1526404" cy="434096"/>
+              </a:xfrm>
+              <a:prstGeom prst="rect">
+                <a:avLst/>
+              </a:prstGeom>
+              <a:grpFill/>
+              <a:ln w="28575">
+                <a:solidFill>
+                  <a:schemeClr val="tx1"/>
+                </a:solidFill>
+              </a:ln>
+            </p:spPr>
+            <p:style>
+              <a:lnRef idx="2">
+                <a:schemeClr val="accent1">
+                  <a:shade val="50000"/>
+                </a:schemeClr>
+              </a:lnRef>
+              <a:fillRef idx="1">
+                <a:schemeClr val="accent1"/>
+              </a:fillRef>
+              <a:effectRef idx="0">
+                <a:schemeClr val="accent1"/>
+              </a:effectRef>
+              <a:fontRef idx="minor">
+                <a:schemeClr val="lt1"/>
+              </a:fontRef>
+            </p:style>
+            <p:txBody>
+              <a:bodyPr rtlCol="0" anchor="ctr"/>
+              <a:lstStyle/>
+              <a:p>
+                <a:pPr algn="ctr"/>
+                <a:r>
+                  <a:rPr lang="zh-CN" altLang="en-US" sz="1400" dirty="0">
+                    <a:solidFill>
+                      <a:schemeClr val="tx1"/>
+                    </a:solidFill>
+                    <a:latin typeface="仿宋_GB2312" panose="02010609030101010101" pitchFamily="49" charset="-122"/>
+                    <a:ea typeface="仿宋_GB2312" panose="02010609030101010101" pitchFamily="49" charset="-122"/>
+                  </a:rPr>
+                  <a:t>多维度多尺度</a:t>
+                </a:r>
+                <a:endParaRPr lang="en-US" altLang="zh-CN" sz="1400" dirty="0">
+                  <a:solidFill>
+                    <a:schemeClr val="tx1"/>
+                  </a:solidFill>
+                  <a:latin typeface="仿宋_GB2312" panose="02010609030101010101" pitchFamily="49" charset="-122"/>
+                  <a:ea typeface="仿宋_GB2312" panose="02010609030101010101" pitchFamily="49" charset="-122"/>
+                </a:endParaRPr>
+              </a:p>
+              <a:p>
+                <a:pPr algn="ctr"/>
+                <a:r>
+                  <a:rPr lang="zh-CN" altLang="en-US" sz="1400" dirty="0">
+                    <a:solidFill>
+                      <a:schemeClr val="tx1"/>
+                    </a:solidFill>
+                    <a:latin typeface="仿宋_GB2312" panose="02010609030101010101" pitchFamily="49" charset="-122"/>
+                    <a:ea typeface="仿宋_GB2312" panose="02010609030101010101" pitchFamily="49" charset="-122"/>
+                  </a:rPr>
+                  <a:t>系统性能指标</a:t>
+                </a:r>
+              </a:p>
+            </p:txBody>
+          </p:sp>
+          <p:sp>
+            <p:nvSpPr>
+              <p:cNvPr id="100" name="矩形 99">
+                <a:extLst>
+                  <a:ext uri="{FF2B5EF4-FFF2-40B4-BE49-F238E27FC236}">
+                    <a16:creationId xmlns:a16="http://schemas.microsoft.com/office/drawing/2014/main" id="{B2BDD9FD-4E16-4133-AB5E-270AA6279FED}"/>
+                  </a:ext>
+                </a:extLst>
+              </p:cNvPr>
+              <p:cNvSpPr/>
+              <p:nvPr/>
+            </p:nvSpPr>
+            <p:spPr>
+              <a:xfrm>
+                <a:off x="7131338" y="1463193"/>
+                <a:ext cx="1531018" cy="434096"/>
+              </a:xfrm>
+              <a:prstGeom prst="rect">
+                <a:avLst/>
+              </a:prstGeom>
+              <a:grpFill/>
+              <a:ln w="28575">
+                <a:solidFill>
+                  <a:schemeClr val="tx1"/>
+                </a:solidFill>
+              </a:ln>
+            </p:spPr>
+            <p:style>
+              <a:lnRef idx="2">
+                <a:schemeClr val="accent1">
+                  <a:shade val="50000"/>
+                </a:schemeClr>
+              </a:lnRef>
+              <a:fillRef idx="1">
+                <a:schemeClr val="accent1"/>
+              </a:fillRef>
+              <a:effectRef idx="0">
+                <a:schemeClr val="accent1"/>
+              </a:effectRef>
+              <a:fontRef idx="minor">
+                <a:schemeClr val="lt1"/>
+              </a:fontRef>
+            </p:style>
+            <p:txBody>
+              <a:bodyPr rtlCol="0" anchor="ctr"/>
+              <a:lstStyle/>
+              <a:p>
+                <a:pPr algn="ctr"/>
+                <a:r>
+                  <a:rPr lang="zh-CN" altLang="en-US" sz="1400" dirty="0">
+                    <a:solidFill>
+                      <a:schemeClr val="tx1"/>
+                    </a:solidFill>
+                    <a:latin typeface="仿宋_GB2312" panose="02010609030101010101" pitchFamily="49" charset="-122"/>
+                    <a:ea typeface="仿宋_GB2312" panose="02010609030101010101" pitchFamily="49" charset="-122"/>
+                  </a:rPr>
+                  <a:t>量化评价体系</a:t>
+                </a:r>
+              </a:p>
+            </p:txBody>
+          </p:sp>
+          <p:cxnSp>
+            <p:nvCxnSpPr>
+              <p:cNvPr id="101" name="直接连接符 100">
+                <a:extLst>
+                  <a:ext uri="{FF2B5EF4-FFF2-40B4-BE49-F238E27FC236}">
+                    <a16:creationId xmlns:a16="http://schemas.microsoft.com/office/drawing/2014/main" id="{B1ADE599-48B6-49A9-8FB7-1A13B067B966}"/>
+                  </a:ext>
+                </a:extLst>
+              </p:cNvPr>
+              <p:cNvCxnSpPr>
+                <a:cxnSpLocks/>
+                <a:stCxn id="98" idx="3"/>
+                <a:endCxn id="99" idx="1"/>
+              </p:cNvCxnSpPr>
+              <p:nvPr/>
+            </p:nvCxnSpPr>
+            <p:spPr>
+              <a:xfrm>
+                <a:off x="5370507" y="1680714"/>
+                <a:ext cx="120747" cy="0"/>
+              </a:xfrm>
+              <a:prstGeom prst="line">
+                <a:avLst/>
+              </a:prstGeom>
+              <a:grpFill/>
+              <a:ln w="38100">
+                <a:solidFill>
+                  <a:schemeClr val="tx1"/>
+                </a:solidFill>
+                <a:tailEnd type="none"/>
+              </a:ln>
+            </p:spPr>
+            <p:style>
+              <a:lnRef idx="1">
+                <a:schemeClr val="accent1"/>
+              </a:lnRef>
+              <a:fillRef idx="0">
+                <a:schemeClr val="accent1"/>
+              </a:fillRef>
+              <a:effectRef idx="0">
+                <a:schemeClr val="accent1"/>
+              </a:effectRef>
+              <a:fontRef idx="minor">
+                <a:schemeClr val="tx1"/>
+              </a:fontRef>
+            </p:style>
+          </p:cxnSp>
+          <p:cxnSp>
+            <p:nvCxnSpPr>
+              <p:cNvPr id="102" name="直接连接符 101">
+                <a:extLst>
+                  <a:ext uri="{FF2B5EF4-FFF2-40B4-BE49-F238E27FC236}">
+                    <a16:creationId xmlns:a16="http://schemas.microsoft.com/office/drawing/2014/main" id="{2C0F39C0-E96A-4B90-A04D-6CB952D2489C}"/>
+                  </a:ext>
+                </a:extLst>
+              </p:cNvPr>
+              <p:cNvCxnSpPr>
+                <a:cxnSpLocks/>
+                <a:stCxn id="99" idx="3"/>
+                <a:endCxn id="100" idx="1"/>
+              </p:cNvCxnSpPr>
+              <p:nvPr/>
+            </p:nvCxnSpPr>
+            <p:spPr>
+              <a:xfrm flipV="1">
+                <a:off x="7017658" y="1680241"/>
+                <a:ext cx="113680" cy="473"/>
+              </a:xfrm>
+              <a:prstGeom prst="line">
+                <a:avLst/>
+              </a:prstGeom>
+              <a:grpFill/>
+              <a:ln w="38100">
+                <a:solidFill>
+                  <a:schemeClr val="tx1"/>
+                </a:solidFill>
+                <a:tailEnd type="none"/>
+              </a:ln>
+            </p:spPr>
+            <p:style>
+              <a:lnRef idx="1">
+                <a:schemeClr val="accent1"/>
+              </a:lnRef>
+              <a:fillRef idx="0">
+                <a:schemeClr val="accent1"/>
+              </a:fillRef>
+              <a:effectRef idx="0">
+                <a:schemeClr val="accent1"/>
+              </a:effectRef>
+              <a:fontRef idx="minor">
+                <a:schemeClr val="tx1"/>
+              </a:fontRef>
+            </p:style>
+          </p:cxnSp>
+        </p:grpSp>
+        <p:sp>
+          <p:nvSpPr>
+            <p:cNvPr id="8" name="矩形 7">
+              <a:extLst>
+                <a:ext uri="{FF2B5EF4-FFF2-40B4-BE49-F238E27FC236}">
+                  <a16:creationId xmlns:a16="http://schemas.microsoft.com/office/drawing/2014/main" id="{32AB69C2-1565-4570-B2E9-6A46DD1B5815}"/>
+                </a:ext>
+              </a:extLst>
+            </p:cNvPr>
+            <p:cNvSpPr/>
+            <p:nvPr/>
+          </p:nvSpPr>
+          <p:spPr>
+            <a:xfrm>
+              <a:off x="199819" y="450516"/>
+              <a:ext cx="11861005" cy="6144790"/>
+            </a:xfrm>
+            <a:prstGeom prst="rect">
+              <a:avLst/>
+            </a:prstGeom>
+            <a:noFill/>
+            <a:ln w="28575">
+              <a:solidFill>
+                <a:schemeClr val="tx1"/>
+              </a:solidFill>
+            </a:ln>
+          </p:spPr>
+          <p:style>
+            <a:lnRef idx="2">
+              <a:schemeClr val="accent1">
+                <a:shade val="50000"/>
+              </a:schemeClr>
+            </a:lnRef>
+            <a:fillRef idx="1">
+              <a:schemeClr val="accent1"/>
+            </a:fillRef>
+            <a:effectRef idx="0">
+              <a:schemeClr val="accent1"/>
+            </a:effectRef>
+            <a:fontRef idx="minor">
+              <a:schemeClr val="lt1"/>
+            </a:fontRef>
+          </p:style>
+          <p:txBody>
+            <a:bodyPr rtlCol="0" anchor="ctr"/>
+            <a:lstStyle/>
+            <a:p>
+              <a:pPr algn="ctr"/>
+              <a:endParaRPr lang="zh-CN" altLang="en-US" b="1" dirty="0">
+                <a:solidFill>
+                  <a:schemeClr val="tx1"/>
+                </a:solidFill>
+                <a:latin typeface="微软雅黑" panose="020B0503020204020204" pitchFamily="34" charset="-122"/>
+                <a:ea typeface="微软雅黑" panose="020B0503020204020204" pitchFamily="34" charset="-122"/>
+              </a:endParaRPr>
+            </a:p>
+          </p:txBody>
+        </p:sp>
+        <p:sp>
+          <p:nvSpPr>
+            <p:cNvPr id="9" name="文本框 8">
+              <a:extLst>
+                <a:ext uri="{FF2B5EF4-FFF2-40B4-BE49-F238E27FC236}">
+                  <a16:creationId xmlns:a16="http://schemas.microsoft.com/office/drawing/2014/main" id="{2D6EE8E4-2274-40DC-BDCA-14DB9EC1909F}"/>
+                </a:ext>
+              </a:extLst>
+            </p:cNvPr>
+            <p:cNvSpPr txBox="1"/>
+            <p:nvPr/>
+          </p:nvSpPr>
+          <p:spPr>
+            <a:xfrm>
+              <a:off x="199820" y="592819"/>
+              <a:ext cx="11861005" cy="400110"/>
+            </a:xfrm>
+            <a:prstGeom prst="rect">
+              <a:avLst/>
+            </a:prstGeom>
+            <a:noFill/>
+          </p:spPr>
+          <p:txBody>
+            <a:bodyPr wrap="square">
+              <a:spAutoFit/>
+            </a:bodyPr>
+            <a:lstStyle/>
+            <a:p>
+              <a:pPr algn="ctr"/>
+              <a:r>
+                <a:rPr lang="zh-CN" altLang="en-US" sz="2000" b="1" dirty="0">
+                  <a:latin typeface="黑体" panose="02010609060101010101" pitchFamily="49" charset="-122"/>
+                  <a:ea typeface="黑体" panose="02010609060101010101" pitchFamily="49" charset="-122"/>
+                </a:rPr>
+                <a:t>问题：</a:t>
+              </a:r>
+              <a:r>
+                <a:rPr lang="en-US" altLang="zh-CN" sz="2000" b="1" dirty="0">
+                  <a:solidFill>
+                    <a:srgbClr val="B60005"/>
+                  </a:solidFill>
+                  <a:latin typeface="黑体" panose="02010609060101010101" pitchFamily="49" charset="-122"/>
+                  <a:ea typeface="黑体" panose="02010609060101010101" pitchFamily="49" charset="-122"/>
+                </a:rPr>
+                <a:t>RISC-V</a:t>
+              </a:r>
+              <a:r>
+                <a:rPr lang="zh-CN" altLang="en-US" sz="2000" b="1" dirty="0">
+                  <a:solidFill>
+                    <a:srgbClr val="B60005"/>
+                  </a:solidFill>
+                  <a:latin typeface="黑体" panose="02010609060101010101" pitchFamily="49" charset="-122"/>
+                  <a:ea typeface="黑体" panose="02010609060101010101" pitchFamily="49" charset="-122"/>
+                </a:rPr>
+                <a:t>架构上程序执行的可重现性问题</a:t>
+              </a:r>
+            </a:p>
+          </p:txBody>
+        </p:sp>
+        <p:sp>
+          <p:nvSpPr>
+            <p:cNvPr id="10" name="文本框 9">
+              <a:extLst>
+                <a:ext uri="{FF2B5EF4-FFF2-40B4-BE49-F238E27FC236}">
+                  <a16:creationId xmlns:a16="http://schemas.microsoft.com/office/drawing/2014/main" id="{B3B92B28-256D-477B-8871-E12005102459}"/>
+                </a:ext>
+              </a:extLst>
+            </p:cNvPr>
+            <p:cNvSpPr txBox="1"/>
+            <p:nvPr/>
+          </p:nvSpPr>
+          <p:spPr>
+            <a:xfrm>
+              <a:off x="3380173" y="2945285"/>
+              <a:ext cx="1435827" cy="276999"/>
+            </a:xfrm>
+            <a:prstGeom prst="rect">
+              <a:avLst/>
+            </a:prstGeom>
+            <a:noFill/>
+            <a:ln w="19050">
+              <a:solidFill>
+                <a:schemeClr val="bg1">
+                  <a:lumMod val="75000"/>
+                </a:schemeClr>
+              </a:solidFill>
+              <a:prstDash val="sysDot"/>
+            </a:ln>
+          </p:spPr>
+          <p:txBody>
+            <a:bodyPr wrap="square" rtlCol="0">
+              <a:spAutoFit/>
+            </a:bodyPr>
+            <a:lstStyle/>
+            <a:p>
+              <a:pPr algn="ctr"/>
+              <a:r>
+                <a:rPr lang="zh-CN" altLang="en-US" sz="1200" dirty="0">
+                  <a:latin typeface="仿宋_GB2312" panose="02010609030101010101" pitchFamily="49" charset="-122"/>
+                  <a:ea typeface="仿宋_GB2312" panose="02010609030101010101" pitchFamily="49" charset="-122"/>
+                </a:rPr>
+                <a:t>多层结构在线优化</a:t>
+              </a:r>
+            </a:p>
+          </p:txBody>
+        </p:sp>
+        <p:cxnSp>
+          <p:nvCxnSpPr>
+            <p:cNvPr id="11" name="连接符: 肘形 10">
+              <a:extLst>
+                <a:ext uri="{FF2B5EF4-FFF2-40B4-BE49-F238E27FC236}">
+                  <a16:creationId xmlns:a16="http://schemas.microsoft.com/office/drawing/2014/main" id="{0F9053F3-F50D-4F42-9F34-66A04D822FF4}"/>
+                </a:ext>
+              </a:extLst>
+            </p:cNvPr>
+            <p:cNvCxnSpPr>
+              <a:cxnSpLocks/>
+              <a:stCxn id="56" idx="1"/>
+              <a:endCxn id="103" idx="1"/>
+            </p:cNvCxnSpPr>
+            <p:nvPr/>
+          </p:nvCxnSpPr>
+          <p:spPr>
+            <a:xfrm rot="10800000" flipV="1">
+              <a:off x="3510406" y="2205091"/>
+              <a:ext cx="17701" cy="1713799"/>
+            </a:xfrm>
+            <a:prstGeom prst="bentConnector3">
+              <a:avLst>
+                <a:gd name="adj1" fmla="val 1068589"/>
+              </a:avLst>
+            </a:prstGeom>
+            <a:ln w="28575">
+              <a:solidFill>
+                <a:schemeClr val="bg1">
+                  <a:lumMod val="75000"/>
+                </a:schemeClr>
+              </a:solidFill>
+              <a:tailEnd type="triangle"/>
+            </a:ln>
+          </p:spPr>
+          <p:style>
+            <a:lnRef idx="1">
+              <a:schemeClr val="accent1"/>
+            </a:lnRef>
+            <a:fillRef idx="0">
+              <a:schemeClr val="accent1"/>
+            </a:fillRef>
+            <a:effectRef idx="0">
+              <a:schemeClr val="accent1"/>
+            </a:effectRef>
+            <a:fontRef idx="minor">
+              <a:schemeClr val="tx1"/>
+            </a:fontRef>
+          </p:style>
+        </p:cxnSp>
+        <p:cxnSp>
+          <p:nvCxnSpPr>
+            <p:cNvPr id="12" name="连接符: 肘形 11">
+              <a:extLst>
+                <a:ext uri="{FF2B5EF4-FFF2-40B4-BE49-F238E27FC236}">
+                  <a16:creationId xmlns:a16="http://schemas.microsoft.com/office/drawing/2014/main" id="{2C7C36B5-6744-4101-9C88-52E15381D963}"/>
+                </a:ext>
+              </a:extLst>
+            </p:cNvPr>
+            <p:cNvCxnSpPr>
+              <a:cxnSpLocks/>
+              <a:stCxn id="96" idx="3"/>
+              <a:endCxn id="56" idx="3"/>
+            </p:cNvCxnSpPr>
+            <p:nvPr/>
+          </p:nvCxnSpPr>
+          <p:spPr>
+            <a:xfrm flipH="1" flipV="1">
+              <a:off x="8290762" y="2205092"/>
+              <a:ext cx="45059" cy="3463261"/>
+            </a:xfrm>
+            <a:prstGeom prst="bentConnector3">
+              <a:avLst>
+                <a:gd name="adj1" fmla="val -507335"/>
+              </a:avLst>
+            </a:prstGeom>
+            <a:ln w="28575">
+              <a:solidFill>
+                <a:schemeClr val="tx1"/>
+              </a:solidFill>
+              <a:tailEnd type="triangle"/>
+            </a:ln>
+          </p:spPr>
+          <p:style>
+            <a:lnRef idx="1">
+              <a:schemeClr val="accent1"/>
+            </a:lnRef>
+            <a:fillRef idx="0">
+              <a:schemeClr val="accent1"/>
+            </a:fillRef>
+            <a:effectRef idx="0">
+              <a:schemeClr val="accent1"/>
+            </a:effectRef>
+            <a:fontRef idx="minor">
+              <a:schemeClr val="tx1"/>
+            </a:fontRef>
+          </p:style>
+        </p:cxnSp>
+        <p:grpSp>
+          <p:nvGrpSpPr>
+            <p:cNvPr id="13" name="组合 12">
+              <a:extLst>
+                <a:ext uri="{FF2B5EF4-FFF2-40B4-BE49-F238E27FC236}">
+                  <a16:creationId xmlns:a16="http://schemas.microsoft.com/office/drawing/2014/main" id="{626A9A2D-4500-4B03-9378-E34BDAAEEEFA}"/>
+                </a:ext>
+              </a:extLst>
+            </p:cNvPr>
+            <p:cNvGrpSpPr/>
+            <p:nvPr/>
+          </p:nvGrpSpPr>
+          <p:grpSpPr>
+            <a:xfrm>
+              <a:off x="8655487" y="1665253"/>
+              <a:ext cx="3348679" cy="974304"/>
+              <a:chOff x="8658864" y="1690413"/>
+              <a:chExt cx="3220326" cy="974304"/>
+            </a:xfrm>
+          </p:grpSpPr>
+          <p:grpSp>
+            <p:nvGrpSpPr>
+              <p:cNvPr id="92" name="组合 91">
+                <a:extLst>
+                  <a:ext uri="{FF2B5EF4-FFF2-40B4-BE49-F238E27FC236}">
+                    <a16:creationId xmlns:a16="http://schemas.microsoft.com/office/drawing/2014/main" id="{1CF4BC5B-2925-479F-981C-E3252953574A}"/>
+                  </a:ext>
+                </a:extLst>
+              </p:cNvPr>
+              <p:cNvGrpSpPr/>
+              <p:nvPr/>
+            </p:nvGrpSpPr>
+            <p:grpSpPr>
+              <a:xfrm>
+                <a:off x="8792901" y="1690413"/>
+                <a:ext cx="3060566" cy="960256"/>
+                <a:chOff x="6853809" y="3262107"/>
+                <a:chExt cx="2961532" cy="960256"/>
+              </a:xfrm>
+            </p:grpSpPr>
+            <p:sp>
+              <p:nvSpPr>
+                <p:cNvPr id="94" name="矩形: 圆角 93">
+                  <a:extLst>
+                    <a:ext uri="{FF2B5EF4-FFF2-40B4-BE49-F238E27FC236}">
+                      <a16:creationId xmlns:a16="http://schemas.microsoft.com/office/drawing/2014/main" id="{FD269551-0691-4DDE-92B7-FF16E63591DF}"/>
+                    </a:ext>
+                  </a:extLst>
+                </p:cNvPr>
+                <p:cNvSpPr/>
+                <p:nvPr/>
+              </p:nvSpPr>
+              <p:spPr>
+                <a:xfrm>
+                  <a:off x="6863172" y="3283159"/>
+                  <a:ext cx="2942071" cy="939204"/>
+                </a:xfrm>
+                <a:prstGeom prst="roundRect">
+                  <a:avLst/>
+                </a:prstGeom>
+                <a:solidFill>
+                  <a:schemeClr val="bg1"/>
+                </a:solidFill>
+                <a:ln w="28575">
+                  <a:solidFill>
+                    <a:schemeClr val="tx1"/>
+                  </a:solidFill>
+                  <a:prstDash val="solid"/>
+                </a:ln>
+              </p:spPr>
+              <p:style>
+                <a:lnRef idx="2">
+                  <a:schemeClr val="accent1">
+                    <a:shade val="50000"/>
+                  </a:schemeClr>
+                </a:lnRef>
+                <a:fillRef idx="1">
+                  <a:schemeClr val="accent1"/>
+                </a:fillRef>
+                <a:effectRef idx="0">
+                  <a:schemeClr val="accent1"/>
+                </a:effectRef>
+                <a:fontRef idx="minor">
+                  <a:schemeClr val="lt1"/>
+                </a:fontRef>
+              </p:style>
+              <p:txBody>
+                <a:bodyPr rtlCol="0" anchor="ctr"/>
+                <a:lstStyle/>
+                <a:p>
+                  <a:pPr algn="ctr"/>
+                  <a:endParaRPr lang="zh-CN" altLang="en-US" b="1" dirty="0">
+                    <a:solidFill>
+                      <a:schemeClr val="tx1"/>
+                    </a:solidFill>
+                    <a:latin typeface="微软雅黑" panose="020B0503020204020204" pitchFamily="34" charset="-122"/>
+                    <a:ea typeface="微软雅黑" panose="020B0503020204020204" pitchFamily="34" charset="-122"/>
+                  </a:endParaRPr>
+                </a:p>
+              </p:txBody>
+            </p:sp>
+            <p:sp>
+              <p:nvSpPr>
+                <p:cNvPr id="95" name="文本框 94">
+                  <a:extLst>
+                    <a:ext uri="{FF2B5EF4-FFF2-40B4-BE49-F238E27FC236}">
+                      <a16:creationId xmlns:a16="http://schemas.microsoft.com/office/drawing/2014/main" id="{BED62987-BEE0-4954-80B2-88B9A88F3332}"/>
+                    </a:ext>
+                  </a:extLst>
+                </p:cNvPr>
+                <p:cNvSpPr txBox="1"/>
+                <p:nvPr/>
+              </p:nvSpPr>
+              <p:spPr>
+                <a:xfrm>
+                  <a:off x="6853809" y="3262107"/>
+                  <a:ext cx="2961532" cy="307777"/>
+                </a:xfrm>
+                <a:prstGeom prst="rect">
+                  <a:avLst/>
+                </a:prstGeom>
+                <a:solidFill>
+                  <a:schemeClr val="tx1"/>
+                </a:solidFill>
+                <a:ln>
+                  <a:solidFill>
+                    <a:schemeClr val="tx1"/>
+                  </a:solidFill>
+                </a:ln>
+              </p:spPr>
+              <p:txBody>
+                <a:bodyPr wrap="square">
+                  <a:spAutoFit/>
+                </a:bodyPr>
+                <a:lstStyle/>
+                <a:p>
+                  <a:pPr algn="ctr"/>
+                  <a:r>
+                    <a:rPr lang="zh-CN" altLang="en-US" sz="1400" b="1" dirty="0">
+                      <a:solidFill>
+                        <a:schemeClr val="bg1"/>
+                      </a:solidFill>
+                      <a:latin typeface="黑体" panose="02010609060101010101" pitchFamily="49" charset="-122"/>
+                      <a:ea typeface="黑体" panose="02010609060101010101" pitchFamily="49" charset="-122"/>
+                    </a:rPr>
+                    <a:t>区域脱贫、乡村振兴</a:t>
+                  </a:r>
+                </a:p>
+              </p:txBody>
+            </p:sp>
+          </p:grpSp>
+          <p:sp>
+            <p:nvSpPr>
+              <p:cNvPr id="93" name="文本框 92">
+                <a:extLst>
+                  <a:ext uri="{FF2B5EF4-FFF2-40B4-BE49-F238E27FC236}">
+                    <a16:creationId xmlns:a16="http://schemas.microsoft.com/office/drawing/2014/main" id="{0E45266F-C3AB-419A-8F3C-90DAF1A0F61E}"/>
+                  </a:ext>
+                </a:extLst>
+              </p:cNvPr>
+              <p:cNvSpPr txBox="1"/>
+              <p:nvPr/>
+            </p:nvSpPr>
+            <p:spPr>
+              <a:xfrm>
+                <a:off x="8658864" y="2018386"/>
+                <a:ext cx="3220326" cy="646331"/>
+              </a:xfrm>
+              <a:prstGeom prst="rect">
+                <a:avLst/>
+              </a:prstGeom>
+              <a:noFill/>
+            </p:spPr>
+            <p:txBody>
+              <a:bodyPr wrap="square">
+                <a:spAutoFit/>
+              </a:bodyPr>
+              <a:lstStyle/>
+              <a:p>
+                <a:pPr marL="285750" indent="-144000">
+                  <a:buFont typeface="Arial" panose="020B0604020202020204" pitchFamily="34" charset="0"/>
+                  <a:buChar char="•"/>
+                </a:pPr>
+                <a:r>
+                  <a:rPr lang="zh-CN" altLang="en-US" sz="1200" dirty="0">
+                    <a:latin typeface="仿宋_GB2312" panose="02010609030101010101" pitchFamily="49" charset="-122"/>
+                    <a:ea typeface="仿宋_GB2312" panose="02010609030101010101" pitchFamily="49" charset="-122"/>
+                  </a:rPr>
+                  <a:t>支撑江西省井冈山市碧溪镇</a:t>
+                </a:r>
+                <a:r>
+                  <a:rPr lang="en-US" altLang="zh-CN" sz="1200" dirty="0">
+                    <a:solidFill>
+                      <a:srgbClr val="C00000"/>
+                    </a:solidFill>
+                    <a:latin typeface="仿宋_GB2312" panose="02010609030101010101" pitchFamily="49" charset="-122"/>
+                    <a:ea typeface="仿宋_GB2312" panose="02010609030101010101" pitchFamily="49" charset="-122"/>
+                  </a:rPr>
+                  <a:t>1.3</a:t>
+                </a:r>
+                <a:r>
+                  <a:rPr lang="zh-CN" altLang="en-US" sz="1200" dirty="0">
+                    <a:solidFill>
+                      <a:srgbClr val="C00000"/>
+                    </a:solidFill>
+                    <a:latin typeface="仿宋_GB2312" panose="02010609030101010101" pitchFamily="49" charset="-122"/>
+                    <a:ea typeface="仿宋_GB2312" panose="02010609030101010101" pitchFamily="49" charset="-122"/>
+                  </a:rPr>
+                  <a:t>万余</a:t>
+                </a:r>
+                <a:r>
+                  <a:rPr lang="zh-CN" altLang="en-US" sz="1200" dirty="0">
+                    <a:solidFill>
+                      <a:schemeClr val="tx1"/>
+                    </a:solidFill>
+                    <a:latin typeface="仿宋_GB2312" panose="02010609030101010101" pitchFamily="49" charset="-122"/>
+                    <a:ea typeface="仿宋_GB2312" panose="02010609030101010101" pitchFamily="49" charset="-122"/>
+                  </a:rPr>
+                  <a:t>农业人口基本实现全面脱贫，</a:t>
+                </a:r>
+                <a:r>
+                  <a:rPr lang="zh-CN" altLang="en-US" sz="1200" dirty="0">
+                    <a:latin typeface="仿宋_GB2312" panose="02010609030101010101" pitchFamily="49" charset="-122"/>
+                    <a:ea typeface="仿宋_GB2312" panose="02010609030101010101" pitchFamily="49" charset="-122"/>
+                  </a:rPr>
+                  <a:t>人均增收</a:t>
+                </a:r>
+                <a:r>
+                  <a:rPr lang="en-US" altLang="zh-CN" sz="1200" dirty="0">
+                    <a:solidFill>
+                      <a:srgbClr val="C00000"/>
+                    </a:solidFill>
+                    <a:latin typeface="仿宋_GB2312" panose="02010609030101010101" pitchFamily="49" charset="-122"/>
+                    <a:ea typeface="仿宋_GB2312" panose="02010609030101010101" pitchFamily="49" charset="-122"/>
+                  </a:rPr>
+                  <a:t>1300</a:t>
+                </a:r>
+                <a:r>
+                  <a:rPr lang="zh-CN" altLang="en-US" sz="1200" dirty="0">
+                    <a:solidFill>
+                      <a:srgbClr val="C00000"/>
+                    </a:solidFill>
+                    <a:latin typeface="仿宋_GB2312" panose="02010609030101010101" pitchFamily="49" charset="-122"/>
+                    <a:ea typeface="仿宋_GB2312" panose="02010609030101010101" pitchFamily="49" charset="-122"/>
+                  </a:rPr>
+                  <a:t>余元</a:t>
+                </a:r>
+                <a:r>
+                  <a:rPr lang="zh-CN" altLang="en-US" sz="1200" dirty="0">
+                    <a:latin typeface="仿宋_GB2312" panose="02010609030101010101" pitchFamily="49" charset="-122"/>
+                    <a:ea typeface="仿宋_GB2312" panose="02010609030101010101" pitchFamily="49" charset="-122"/>
+                  </a:rPr>
+                  <a:t>，共计</a:t>
+                </a:r>
+                <a:r>
+                  <a:rPr lang="en-US" altLang="zh-CN" sz="1200" dirty="0">
+                    <a:solidFill>
+                      <a:srgbClr val="C00000"/>
+                    </a:solidFill>
+                    <a:latin typeface="仿宋_GB2312" panose="02010609030101010101" pitchFamily="49" charset="-122"/>
+                    <a:ea typeface="仿宋_GB2312" panose="02010609030101010101" pitchFamily="49" charset="-122"/>
+                  </a:rPr>
+                  <a:t>1380</a:t>
+                </a:r>
+                <a:r>
+                  <a:rPr lang="zh-CN" altLang="en-US" sz="1200" dirty="0">
+                    <a:solidFill>
+                      <a:srgbClr val="C00000"/>
+                    </a:solidFill>
+                    <a:latin typeface="仿宋_GB2312" panose="02010609030101010101" pitchFamily="49" charset="-122"/>
+                    <a:ea typeface="仿宋_GB2312" panose="02010609030101010101" pitchFamily="49" charset="-122"/>
+                  </a:rPr>
+                  <a:t>万元</a:t>
+                </a:r>
+                <a:endParaRPr lang="en-US" altLang="zh-CN" sz="1200" dirty="0">
+                  <a:solidFill>
+                    <a:srgbClr val="C00000"/>
+                  </a:solidFill>
+                  <a:latin typeface="仿宋_GB2312" panose="02010609030101010101" pitchFamily="49" charset="-122"/>
+                  <a:ea typeface="仿宋_GB2312" panose="02010609030101010101" pitchFamily="49" charset="-122"/>
+                </a:endParaRPr>
+              </a:p>
+            </p:txBody>
+          </p:sp>
+        </p:grpSp>
+        <p:sp>
+          <p:nvSpPr>
+            <p:cNvPr id="14" name="文本框 13">
+              <a:extLst>
+                <a:ext uri="{FF2B5EF4-FFF2-40B4-BE49-F238E27FC236}">
+                  <a16:creationId xmlns:a16="http://schemas.microsoft.com/office/drawing/2014/main" id="{4C543974-0FE7-4B8D-95C2-529FAFA836AC}"/>
+                </a:ext>
+              </a:extLst>
+            </p:cNvPr>
+            <p:cNvSpPr txBox="1"/>
+            <p:nvPr/>
+          </p:nvSpPr>
+          <p:spPr>
+            <a:xfrm>
+              <a:off x="3211703" y="1225809"/>
+              <a:ext cx="5495607" cy="338554"/>
+            </a:xfrm>
+            <a:prstGeom prst="rect">
+              <a:avLst/>
+            </a:prstGeom>
+            <a:noFill/>
+          </p:spPr>
+          <p:txBody>
+            <a:bodyPr wrap="square">
+              <a:spAutoFit/>
+            </a:bodyPr>
+            <a:lstStyle/>
+            <a:p>
+              <a:pPr algn="ctr"/>
+              <a:r>
+                <a:rPr lang="zh-CN" altLang="en-US" sz="1600" b="1" dirty="0">
+                  <a:latin typeface="黑体" panose="02010609060101010101" pitchFamily="49" charset="-122"/>
+                  <a:ea typeface="黑体" panose="02010609060101010101" pitchFamily="49" charset="-122"/>
+                </a:rPr>
+                <a:t>研究方案设计</a:t>
+              </a:r>
+            </a:p>
+          </p:txBody>
+        </p:sp>
+        <p:grpSp>
+          <p:nvGrpSpPr>
+            <p:cNvPr id="15" name="组合 14">
+              <a:extLst>
+                <a:ext uri="{FF2B5EF4-FFF2-40B4-BE49-F238E27FC236}">
+                  <a16:creationId xmlns:a16="http://schemas.microsoft.com/office/drawing/2014/main" id="{C71868B4-7B5D-41F5-BE5B-D93B6F549269}"/>
+                </a:ext>
+              </a:extLst>
+            </p:cNvPr>
+            <p:cNvGrpSpPr/>
+            <p:nvPr/>
+          </p:nvGrpSpPr>
+          <p:grpSpPr>
+            <a:xfrm>
+              <a:off x="8655487" y="5196038"/>
+              <a:ext cx="3290071" cy="1142236"/>
+              <a:chOff x="8763084" y="4793625"/>
+              <a:chExt cx="3108926" cy="1142236"/>
+            </a:xfrm>
+          </p:grpSpPr>
+          <p:grpSp>
+            <p:nvGrpSpPr>
+              <p:cNvPr id="88" name="组合 87">
+                <a:extLst>
+                  <a:ext uri="{FF2B5EF4-FFF2-40B4-BE49-F238E27FC236}">
+                    <a16:creationId xmlns:a16="http://schemas.microsoft.com/office/drawing/2014/main" id="{FC3FE923-0BE6-4DC2-9C21-0E817BC2C7F0}"/>
+                  </a:ext>
+                </a:extLst>
+              </p:cNvPr>
+              <p:cNvGrpSpPr/>
+              <p:nvPr/>
+            </p:nvGrpSpPr>
+            <p:grpSpPr>
+              <a:xfrm>
+                <a:off x="8910478" y="4793625"/>
+                <a:ext cx="2961532" cy="1114057"/>
+                <a:chOff x="6856763" y="3262107"/>
+                <a:chExt cx="2961532" cy="1001709"/>
+              </a:xfrm>
+            </p:grpSpPr>
+            <p:sp>
+              <p:nvSpPr>
+                <p:cNvPr id="90" name="矩形: 圆角 89">
+                  <a:extLst>
+                    <a:ext uri="{FF2B5EF4-FFF2-40B4-BE49-F238E27FC236}">
+                      <a16:creationId xmlns:a16="http://schemas.microsoft.com/office/drawing/2014/main" id="{C6C6CD0B-774C-4E5A-A048-60422515D3B4}"/>
+                    </a:ext>
+                  </a:extLst>
+                </p:cNvPr>
+                <p:cNvSpPr/>
+                <p:nvPr/>
+              </p:nvSpPr>
+              <p:spPr>
+                <a:xfrm>
+                  <a:off x="6866081" y="3283158"/>
+                  <a:ext cx="2942071" cy="980658"/>
+                </a:xfrm>
+                <a:prstGeom prst="roundRect">
+                  <a:avLst/>
+                </a:prstGeom>
+                <a:solidFill>
+                  <a:schemeClr val="bg1"/>
+                </a:solidFill>
+                <a:ln w="28575">
+                  <a:solidFill>
+                    <a:schemeClr val="tx1"/>
+                  </a:solidFill>
+                  <a:prstDash val="solid"/>
+                </a:ln>
+              </p:spPr>
+              <p:style>
+                <a:lnRef idx="2">
+                  <a:schemeClr val="accent1">
+                    <a:shade val="50000"/>
+                  </a:schemeClr>
+                </a:lnRef>
+                <a:fillRef idx="1">
+                  <a:schemeClr val="accent1"/>
+                </a:fillRef>
+                <a:effectRef idx="0">
+                  <a:schemeClr val="accent1"/>
+                </a:effectRef>
+                <a:fontRef idx="minor">
+                  <a:schemeClr val="lt1"/>
+                </a:fontRef>
+              </p:style>
+              <p:txBody>
+                <a:bodyPr rtlCol="0" anchor="ctr"/>
+                <a:lstStyle/>
+                <a:p>
+                  <a:pPr algn="ctr"/>
+                  <a:endParaRPr lang="zh-CN" altLang="en-US" b="1" dirty="0">
+                    <a:solidFill>
+                      <a:schemeClr val="tx1"/>
+                    </a:solidFill>
+                    <a:latin typeface="微软雅黑" panose="020B0503020204020204" pitchFamily="34" charset="-122"/>
+                    <a:ea typeface="微软雅黑" panose="020B0503020204020204" pitchFamily="34" charset="-122"/>
+                  </a:endParaRPr>
+                </a:p>
+              </p:txBody>
+            </p:sp>
+            <p:sp>
+              <p:nvSpPr>
+                <p:cNvPr id="91" name="文本框 90">
+                  <a:extLst>
+                    <a:ext uri="{FF2B5EF4-FFF2-40B4-BE49-F238E27FC236}">
+                      <a16:creationId xmlns:a16="http://schemas.microsoft.com/office/drawing/2014/main" id="{99F88613-F194-4EB3-A155-D9241F7E7BE3}"/>
+                    </a:ext>
+                  </a:extLst>
+                </p:cNvPr>
+                <p:cNvSpPr txBox="1"/>
+                <p:nvPr/>
+              </p:nvSpPr>
+              <p:spPr>
+                <a:xfrm>
+                  <a:off x="6856763" y="3262107"/>
+                  <a:ext cx="2961532" cy="276739"/>
+                </a:xfrm>
+                <a:prstGeom prst="rect">
+                  <a:avLst/>
+                </a:prstGeom>
+                <a:solidFill>
+                  <a:schemeClr val="tx1"/>
+                </a:solidFill>
+                <a:ln>
+                  <a:solidFill>
+                    <a:schemeClr val="tx1"/>
+                  </a:solidFill>
+                </a:ln>
+              </p:spPr>
+              <p:txBody>
+                <a:bodyPr wrap="square">
+                  <a:spAutoFit/>
+                </a:bodyPr>
+                <a:lstStyle/>
+                <a:p>
+                  <a:pPr algn="ctr"/>
+                  <a:r>
+                    <a:rPr lang="zh-CN" altLang="en-US" sz="1400" b="1" dirty="0">
+                      <a:solidFill>
+                        <a:schemeClr val="bg1"/>
+                      </a:solidFill>
+                      <a:latin typeface="黑体" panose="02010609060101010101" pitchFamily="49" charset="-122"/>
+                      <a:ea typeface="黑体" panose="02010609060101010101" pitchFamily="49" charset="-122"/>
+                    </a:rPr>
+                    <a:t>军民融合、技术攻关</a:t>
+                  </a:r>
+                </a:p>
+              </p:txBody>
+            </p:sp>
+          </p:grpSp>
+          <p:sp>
+            <p:nvSpPr>
+              <p:cNvPr id="89" name="文本框 88">
+                <a:extLst>
+                  <a:ext uri="{FF2B5EF4-FFF2-40B4-BE49-F238E27FC236}">
+                    <a16:creationId xmlns:a16="http://schemas.microsoft.com/office/drawing/2014/main" id="{77D50A6E-99D4-406B-8771-83E6C872F6CA}"/>
+                  </a:ext>
+                </a:extLst>
+              </p:cNvPr>
+              <p:cNvSpPr txBox="1"/>
+              <p:nvPr/>
+            </p:nvSpPr>
+            <p:spPr>
+              <a:xfrm>
+                <a:off x="8763084" y="5104864"/>
+                <a:ext cx="3064897" cy="830997"/>
+              </a:xfrm>
+              <a:prstGeom prst="rect">
+                <a:avLst/>
+              </a:prstGeom>
+              <a:noFill/>
+            </p:spPr>
+            <p:txBody>
+              <a:bodyPr wrap="square">
+                <a:spAutoFit/>
+              </a:bodyPr>
+              <a:lstStyle/>
+              <a:p>
+                <a:pPr marL="285750" indent="-144000">
+                  <a:buFont typeface="Arial" panose="020B0604020202020204" pitchFamily="34" charset="0"/>
+                  <a:buChar char="•"/>
+                </a:pPr>
+                <a:r>
+                  <a:rPr lang="zh-CN" altLang="en-US" sz="1200" dirty="0">
+                    <a:latin typeface="仿宋_GB2312" panose="02010609030101010101" pitchFamily="49" charset="-122"/>
+                    <a:ea typeface="仿宋_GB2312" panose="02010609030101010101" pitchFamily="49" charset="-122"/>
+                  </a:rPr>
+                  <a:t>与军委科技委、国防科技大学、中国科学院等单位紧密合作</a:t>
+                </a:r>
+                <a:endParaRPr lang="en-US" altLang="zh-CN" sz="1200" dirty="0">
+                  <a:latin typeface="仿宋_GB2312" panose="02010609030101010101" pitchFamily="49" charset="-122"/>
+                  <a:ea typeface="仿宋_GB2312" panose="02010609030101010101" pitchFamily="49" charset="-122"/>
+                </a:endParaRPr>
+              </a:p>
+              <a:p>
+                <a:pPr marL="285750" indent="-144000">
+                  <a:buFont typeface="Arial" panose="020B0604020202020204" pitchFamily="34" charset="0"/>
+                  <a:buChar char="•"/>
+                </a:pPr>
+                <a:r>
+                  <a:rPr lang="zh-CN" altLang="en-US" sz="1200" dirty="0">
+                    <a:latin typeface="仿宋_GB2312" panose="02010609030101010101" pitchFamily="49" charset="-122"/>
+                    <a:ea typeface="仿宋_GB2312" panose="02010609030101010101" pitchFamily="49" charset="-122"/>
+                  </a:rPr>
+                  <a:t>完成海洋等流体数据数据处理关键技术研究，已应用于多个关键场景</a:t>
+                </a:r>
+                <a:endParaRPr lang="en-US" altLang="zh-CN" sz="1200" b="1" dirty="0">
+                  <a:solidFill>
+                    <a:srgbClr val="FF0000"/>
+                  </a:solidFill>
+                  <a:latin typeface="仿宋_GB2312" panose="02010609030101010101" pitchFamily="49" charset="-122"/>
+                  <a:ea typeface="仿宋_GB2312" panose="02010609030101010101" pitchFamily="49" charset="-122"/>
+                </a:endParaRPr>
+              </a:p>
+            </p:txBody>
+          </p:sp>
+        </p:grpSp>
+        <p:sp>
+          <p:nvSpPr>
+            <p:cNvPr id="16" name="矩形 15">
+              <a:extLst>
+                <a:ext uri="{FF2B5EF4-FFF2-40B4-BE49-F238E27FC236}">
+                  <a16:creationId xmlns:a16="http://schemas.microsoft.com/office/drawing/2014/main" id="{B72B991F-C0C1-45B2-B831-C8BA54C3411D}"/>
+                </a:ext>
+              </a:extLst>
+            </p:cNvPr>
+            <p:cNvSpPr/>
+            <p:nvPr/>
+          </p:nvSpPr>
+          <p:spPr>
+            <a:xfrm>
+              <a:off x="209753" y="1107590"/>
+              <a:ext cx="3008629" cy="5471010"/>
+            </a:xfrm>
+            <a:prstGeom prst="rect">
+              <a:avLst/>
+            </a:prstGeom>
+            <a:solidFill>
+              <a:schemeClr val="bg1">
+                <a:lumMod val="85000"/>
+              </a:schemeClr>
+            </a:solidFill>
+            <a:ln>
+              <a:solidFill>
+                <a:schemeClr val="tx1"/>
+              </a:solidFill>
+            </a:ln>
+          </p:spPr>
+          <p:style>
+            <a:lnRef idx="2">
+              <a:schemeClr val="accent1">
+                <a:shade val="50000"/>
+              </a:schemeClr>
+            </a:lnRef>
+            <a:fillRef idx="1">
+              <a:schemeClr val="accent1"/>
+            </a:fillRef>
+            <a:effectRef idx="0">
+              <a:schemeClr val="accent1"/>
+            </a:effectRef>
+            <a:fontRef idx="minor">
+              <a:schemeClr val="lt1"/>
+            </a:fontRef>
+          </p:style>
+          <p:txBody>
+            <a:bodyPr rtlCol="0" anchor="ctr"/>
+            <a:lstStyle/>
+            <a:p>
+              <a:pPr algn="ctr"/>
+              <a:endParaRPr lang="zh-CN" altLang="en-US" dirty="0"/>
+            </a:p>
+          </p:txBody>
+        </p:sp>
+        <p:grpSp>
+          <p:nvGrpSpPr>
+            <p:cNvPr id="17" name="组合 16">
+              <a:extLst>
+                <a:ext uri="{FF2B5EF4-FFF2-40B4-BE49-F238E27FC236}">
+                  <a16:creationId xmlns:a16="http://schemas.microsoft.com/office/drawing/2014/main" id="{855EB347-FA7B-4133-9AA2-CB39C05B1EDD}"/>
+                </a:ext>
+              </a:extLst>
+            </p:cNvPr>
+            <p:cNvGrpSpPr/>
+            <p:nvPr/>
+          </p:nvGrpSpPr>
+          <p:grpSpPr>
+            <a:xfrm flipH="1">
+              <a:off x="641012" y="1699329"/>
+              <a:ext cx="2482311" cy="4742771"/>
+              <a:chOff x="630594" y="1699329"/>
+              <a:chExt cx="2482311" cy="4742771"/>
+            </a:xfrm>
+          </p:grpSpPr>
+          <p:sp>
+            <p:nvSpPr>
+              <p:cNvPr id="70" name="矩形 69">
+                <a:extLst>
+                  <a:ext uri="{FF2B5EF4-FFF2-40B4-BE49-F238E27FC236}">
+                    <a16:creationId xmlns:a16="http://schemas.microsoft.com/office/drawing/2014/main" id="{48EBF6CC-8EE5-4573-A9E3-493033A94881}"/>
+                  </a:ext>
+                </a:extLst>
+              </p:cNvPr>
+              <p:cNvSpPr/>
+              <p:nvPr/>
+            </p:nvSpPr>
+            <p:spPr>
+              <a:xfrm>
+                <a:off x="630594" y="2077459"/>
+                <a:ext cx="2482311" cy="3964197"/>
+              </a:xfrm>
+              <a:prstGeom prst="rect">
+                <a:avLst/>
+              </a:prstGeom>
+              <a:solidFill>
+                <a:schemeClr val="bg1"/>
+              </a:solidFill>
+              <a:ln w="19050">
+                <a:solidFill>
+                  <a:schemeClr val="tx1"/>
+                </a:solidFill>
+              </a:ln>
+            </p:spPr>
+            <p:style>
+              <a:lnRef idx="2">
+                <a:schemeClr val="accent1">
+                  <a:shade val="50000"/>
+                </a:schemeClr>
+              </a:lnRef>
+              <a:fillRef idx="1">
+                <a:schemeClr val="accent1"/>
+              </a:fillRef>
+              <a:effectRef idx="0">
+                <a:schemeClr val="accent1"/>
+              </a:effectRef>
+              <a:fontRef idx="minor">
+                <a:schemeClr val="lt1"/>
+              </a:fontRef>
+            </p:style>
+            <p:txBody>
+              <a:bodyPr rtlCol="0" anchor="ctr"/>
+              <a:lstStyle/>
+              <a:p>
+                <a:pPr algn="ctr"/>
+                <a:endParaRPr lang="zh-CN" altLang="en-US" b="1" dirty="0">
+                  <a:solidFill>
+                    <a:schemeClr val="tx1"/>
+                  </a:solidFill>
+                  <a:latin typeface="微软雅黑" panose="020B0503020204020204" pitchFamily="34" charset="-122"/>
+                  <a:ea typeface="微软雅黑" panose="020B0503020204020204" pitchFamily="34" charset="-122"/>
+                </a:endParaRPr>
+              </a:p>
+            </p:txBody>
+          </p:sp>
+          <p:cxnSp>
+            <p:nvCxnSpPr>
+              <p:cNvPr id="71" name="直接连接符 70">
+                <a:extLst>
+                  <a:ext uri="{FF2B5EF4-FFF2-40B4-BE49-F238E27FC236}">
+                    <a16:creationId xmlns:a16="http://schemas.microsoft.com/office/drawing/2014/main" id="{85DEACCD-8CD5-4D53-9531-75595B07AEAB}"/>
+                  </a:ext>
+                </a:extLst>
+              </p:cNvPr>
+              <p:cNvCxnSpPr>
+                <a:cxnSpLocks/>
+              </p:cNvCxnSpPr>
+              <p:nvPr/>
+            </p:nvCxnSpPr>
+            <p:spPr>
+              <a:xfrm>
+                <a:off x="1841274" y="2061122"/>
+                <a:ext cx="0" cy="3991176"/>
+              </a:xfrm>
+              <a:prstGeom prst="line">
+                <a:avLst/>
+              </a:prstGeom>
+              <a:ln w="19050">
+                <a:solidFill>
+                  <a:schemeClr val="tx1"/>
+                </a:solidFill>
+              </a:ln>
+            </p:spPr>
+            <p:style>
+              <a:lnRef idx="1">
+                <a:schemeClr val="accent1"/>
+              </a:lnRef>
+              <a:fillRef idx="0">
+                <a:schemeClr val="accent1"/>
+              </a:fillRef>
+              <a:effectRef idx="0">
+                <a:schemeClr val="accent1"/>
+              </a:effectRef>
+              <a:fontRef idx="minor">
+                <a:schemeClr val="tx1"/>
+              </a:fontRef>
+            </p:style>
+          </p:cxnSp>
+          <p:sp>
+            <p:nvSpPr>
+              <p:cNvPr id="72" name="矩形 71">
+                <a:extLst>
+                  <a:ext uri="{FF2B5EF4-FFF2-40B4-BE49-F238E27FC236}">
+                    <a16:creationId xmlns:a16="http://schemas.microsoft.com/office/drawing/2014/main" id="{0C1BFA6B-FD44-4D1B-BDE7-4D0C99E0F2A5}"/>
+                  </a:ext>
+                </a:extLst>
+              </p:cNvPr>
+              <p:cNvSpPr/>
+              <p:nvPr/>
+            </p:nvSpPr>
+            <p:spPr>
+              <a:xfrm>
+                <a:off x="2104928" y="2625509"/>
+                <a:ext cx="936000" cy="463781"/>
+              </a:xfrm>
+              <a:prstGeom prst="rect">
+                <a:avLst/>
+              </a:prstGeom>
+              <a:noFill/>
+              <a:ln w="28575">
+                <a:solidFill>
+                  <a:schemeClr val="bg2">
+                    <a:lumMod val="75000"/>
+                  </a:schemeClr>
+                </a:solidFill>
+              </a:ln>
+            </p:spPr>
+            <p:style>
+              <a:lnRef idx="2">
+                <a:schemeClr val="accent1">
+                  <a:shade val="50000"/>
+                </a:schemeClr>
+              </a:lnRef>
+              <a:fillRef idx="1">
+                <a:schemeClr val="accent1"/>
+              </a:fillRef>
+              <a:effectRef idx="0">
+                <a:schemeClr val="accent1"/>
+              </a:effectRef>
+              <a:fontRef idx="minor">
+                <a:schemeClr val="lt1"/>
+              </a:fontRef>
+            </p:style>
+            <p:txBody>
+              <a:bodyPr rtlCol="0" anchor="ctr"/>
+              <a:lstStyle/>
+              <a:p>
+                <a:pPr algn="ctr"/>
+                <a:endParaRPr lang="zh-CN" altLang="en-US" sz="1100" dirty="0">
+                  <a:solidFill>
+                    <a:schemeClr val="tx1"/>
+                  </a:solidFill>
+                  <a:latin typeface="仿宋_GB2312" panose="02010609030101010101" pitchFamily="49" charset="-122"/>
+                  <a:ea typeface="仿宋_GB2312" panose="02010609030101010101" pitchFamily="49" charset="-122"/>
+                </a:endParaRPr>
+              </a:p>
+            </p:txBody>
+          </p:sp>
+          <p:sp>
+            <p:nvSpPr>
+              <p:cNvPr id="73" name="矩形 72">
+                <a:extLst>
+                  <a:ext uri="{FF2B5EF4-FFF2-40B4-BE49-F238E27FC236}">
+                    <a16:creationId xmlns:a16="http://schemas.microsoft.com/office/drawing/2014/main" id="{69096A9D-B45D-4746-9A2D-31CF4EEA5864}"/>
+                  </a:ext>
+                </a:extLst>
+              </p:cNvPr>
+              <p:cNvSpPr/>
+              <p:nvPr/>
+            </p:nvSpPr>
+            <p:spPr>
+              <a:xfrm>
+                <a:off x="728175" y="2614230"/>
+                <a:ext cx="936000" cy="465411"/>
+              </a:xfrm>
+              <a:prstGeom prst="rect">
+                <a:avLst/>
+              </a:prstGeom>
+              <a:noFill/>
+              <a:ln w="28575">
+                <a:solidFill>
+                  <a:schemeClr val="tx1"/>
+                </a:solidFill>
+              </a:ln>
+            </p:spPr>
+            <p:style>
+              <a:lnRef idx="2">
+                <a:schemeClr val="accent1">
+                  <a:shade val="50000"/>
+                </a:schemeClr>
+              </a:lnRef>
+              <a:fillRef idx="1">
+                <a:schemeClr val="accent1"/>
+              </a:fillRef>
+              <a:effectRef idx="0">
+                <a:schemeClr val="accent1"/>
+              </a:effectRef>
+              <a:fontRef idx="minor">
+                <a:schemeClr val="lt1"/>
+              </a:fontRef>
+            </p:style>
+            <p:txBody>
+              <a:bodyPr rtlCol="0" anchor="ctr"/>
+              <a:lstStyle/>
+              <a:p>
+                <a:pPr algn="ctr"/>
+                <a:r>
+                  <a:rPr lang="zh-CN" altLang="en-US" sz="1400" dirty="0">
+                    <a:solidFill>
+                      <a:schemeClr val="tx1"/>
+                    </a:solidFill>
+                    <a:latin typeface="仿宋_GB2312" panose="02010609030101010101" pitchFamily="49" charset="-122"/>
+                    <a:ea typeface="仿宋_GB2312" panose="02010609030101010101" pitchFamily="49" charset="-122"/>
+                  </a:rPr>
+                  <a:t>关系算子</a:t>
+                </a:r>
+                <a:endParaRPr lang="en-US" altLang="zh-CN" sz="1400" dirty="0">
+                  <a:solidFill>
+                    <a:schemeClr val="tx1"/>
+                  </a:solidFill>
+                  <a:latin typeface="仿宋_GB2312" panose="02010609030101010101" pitchFamily="49" charset="-122"/>
+                  <a:ea typeface="仿宋_GB2312" panose="02010609030101010101" pitchFamily="49" charset="-122"/>
+                </a:endParaRPr>
+              </a:p>
+              <a:p>
+                <a:pPr algn="ctr"/>
+                <a:r>
+                  <a:rPr lang="zh-CN" altLang="en-US" sz="1400" dirty="0">
+                    <a:solidFill>
+                      <a:schemeClr val="tx1"/>
+                    </a:solidFill>
+                    <a:latin typeface="仿宋_GB2312" panose="02010609030101010101" pitchFamily="49" charset="-122"/>
+                    <a:ea typeface="仿宋_GB2312" panose="02010609030101010101" pitchFamily="49" charset="-122"/>
+                  </a:rPr>
+                  <a:t>优化</a:t>
+                </a:r>
+              </a:p>
+            </p:txBody>
+          </p:sp>
+          <p:sp>
+            <p:nvSpPr>
+              <p:cNvPr id="74" name="矩形 73">
+                <a:extLst>
+                  <a:ext uri="{FF2B5EF4-FFF2-40B4-BE49-F238E27FC236}">
+                    <a16:creationId xmlns:a16="http://schemas.microsoft.com/office/drawing/2014/main" id="{DC462DF1-F10F-4D75-961C-D3C30DE04D27}"/>
+                  </a:ext>
+                </a:extLst>
+              </p:cNvPr>
+              <p:cNvSpPr/>
+              <p:nvPr/>
+            </p:nvSpPr>
+            <p:spPr>
+              <a:xfrm>
+                <a:off x="736427" y="3835807"/>
+                <a:ext cx="936000" cy="465411"/>
+              </a:xfrm>
+              <a:prstGeom prst="rect">
+                <a:avLst/>
+              </a:prstGeom>
+              <a:noFill/>
+              <a:ln w="28575">
+                <a:solidFill>
+                  <a:schemeClr val="bg2">
+                    <a:lumMod val="75000"/>
+                  </a:schemeClr>
+                </a:solidFill>
+              </a:ln>
+            </p:spPr>
+            <p:style>
+              <a:lnRef idx="2">
+                <a:schemeClr val="accent1">
+                  <a:shade val="50000"/>
+                </a:schemeClr>
+              </a:lnRef>
+              <a:fillRef idx="1">
+                <a:schemeClr val="accent1"/>
+              </a:fillRef>
+              <a:effectRef idx="0">
+                <a:schemeClr val="accent1"/>
+              </a:effectRef>
+              <a:fontRef idx="minor">
+                <a:schemeClr val="lt1"/>
+              </a:fontRef>
+            </p:style>
+            <p:txBody>
+              <a:bodyPr rtlCol="0" anchor="ctr"/>
+              <a:lstStyle/>
+              <a:p>
+                <a:pPr algn="ctr"/>
+                <a:r>
+                  <a:rPr lang="zh-CN" altLang="en-US" sz="1400" dirty="0">
+                    <a:solidFill>
+                      <a:schemeClr val="tx1"/>
+                    </a:solidFill>
+                    <a:latin typeface="仿宋_GB2312" panose="02010609030101010101" pitchFamily="49" charset="-122"/>
+                    <a:ea typeface="仿宋_GB2312" panose="02010609030101010101" pitchFamily="49" charset="-122"/>
+                  </a:rPr>
+                  <a:t>分布式一致性算法</a:t>
+                </a:r>
+                <a:endParaRPr lang="zh-CN" altLang="en-US" dirty="0">
+                  <a:solidFill>
+                    <a:schemeClr val="tx1"/>
+                  </a:solidFill>
+                  <a:latin typeface="仿宋_GB2312" panose="02010609030101010101" pitchFamily="49" charset="-122"/>
+                  <a:ea typeface="仿宋_GB2312" panose="02010609030101010101" pitchFamily="49" charset="-122"/>
+                </a:endParaRPr>
+              </a:p>
+            </p:txBody>
+          </p:sp>
+          <p:sp>
+            <p:nvSpPr>
+              <p:cNvPr id="75" name="矩形 74">
+                <a:extLst>
+                  <a:ext uri="{FF2B5EF4-FFF2-40B4-BE49-F238E27FC236}">
+                    <a16:creationId xmlns:a16="http://schemas.microsoft.com/office/drawing/2014/main" id="{2C2BA8EB-F4DC-45CD-8B4A-E9C1246795BA}"/>
+                  </a:ext>
+                </a:extLst>
+              </p:cNvPr>
+              <p:cNvSpPr/>
+              <p:nvPr/>
+            </p:nvSpPr>
+            <p:spPr>
+              <a:xfrm>
+                <a:off x="731181" y="5015683"/>
+                <a:ext cx="936000" cy="469913"/>
+              </a:xfrm>
+              <a:prstGeom prst="rect">
+                <a:avLst/>
+              </a:prstGeom>
+              <a:noFill/>
+              <a:ln w="28575">
+                <a:solidFill>
+                  <a:schemeClr val="tx1"/>
+                </a:solidFill>
+              </a:ln>
+            </p:spPr>
+            <p:style>
+              <a:lnRef idx="2">
+                <a:schemeClr val="accent1">
+                  <a:shade val="50000"/>
+                </a:schemeClr>
+              </a:lnRef>
+              <a:fillRef idx="1">
+                <a:schemeClr val="accent1"/>
+              </a:fillRef>
+              <a:effectRef idx="0">
+                <a:schemeClr val="accent1"/>
+              </a:effectRef>
+              <a:fontRef idx="minor">
+                <a:schemeClr val="lt1"/>
+              </a:fontRef>
+            </p:style>
+            <p:txBody>
+              <a:bodyPr rtlCol="0" anchor="ctr"/>
+              <a:lstStyle/>
+              <a:p>
+                <a:pPr algn="ctr"/>
+                <a:r>
+                  <a:rPr lang="zh-CN" altLang="en-US" sz="1400" dirty="0">
+                    <a:solidFill>
+                      <a:schemeClr val="tx1"/>
+                    </a:solidFill>
+                    <a:latin typeface="仿宋_GB2312" panose="02010609030101010101" pitchFamily="49" charset="-122"/>
+                    <a:ea typeface="仿宋_GB2312" panose="02010609030101010101" pitchFamily="49" charset="-122"/>
+                  </a:rPr>
+                  <a:t>特征模型提取</a:t>
+                </a:r>
+              </a:p>
+            </p:txBody>
+          </p:sp>
+          <p:sp>
+            <p:nvSpPr>
+              <p:cNvPr id="76" name="矩形 75">
+                <a:extLst>
+                  <a:ext uri="{FF2B5EF4-FFF2-40B4-BE49-F238E27FC236}">
+                    <a16:creationId xmlns:a16="http://schemas.microsoft.com/office/drawing/2014/main" id="{C2B4FD45-B869-4829-8465-4E0A2263F16A}"/>
+                  </a:ext>
+                </a:extLst>
+              </p:cNvPr>
+              <p:cNvSpPr/>
+              <p:nvPr/>
+            </p:nvSpPr>
+            <p:spPr>
+              <a:xfrm>
+                <a:off x="2110502" y="3835807"/>
+                <a:ext cx="936000" cy="471501"/>
+              </a:xfrm>
+              <a:prstGeom prst="rect">
+                <a:avLst/>
+              </a:prstGeom>
+              <a:noFill/>
+              <a:ln w="28575">
+                <a:solidFill>
+                  <a:schemeClr val="tx1"/>
+                </a:solidFill>
+              </a:ln>
+            </p:spPr>
+            <p:style>
+              <a:lnRef idx="2">
+                <a:schemeClr val="accent1">
+                  <a:shade val="50000"/>
+                </a:schemeClr>
+              </a:lnRef>
+              <a:fillRef idx="1">
+                <a:schemeClr val="accent1"/>
+              </a:fillRef>
+              <a:effectRef idx="0">
+                <a:schemeClr val="accent1"/>
+              </a:effectRef>
+              <a:fontRef idx="minor">
+                <a:schemeClr val="lt1"/>
+              </a:fontRef>
+            </p:style>
+            <p:txBody>
+              <a:bodyPr rtlCol="0" anchor="ctr"/>
+              <a:lstStyle/>
+              <a:p>
+                <a:pPr algn="ctr"/>
+                <a:r>
+                  <a:rPr lang="zh-CN" altLang="en-US" sz="1400" dirty="0">
+                    <a:solidFill>
+                      <a:schemeClr val="tx1"/>
+                    </a:solidFill>
+                    <a:latin typeface="仿宋_GB2312" panose="02010609030101010101" pitchFamily="49" charset="-122"/>
+                    <a:ea typeface="仿宋_GB2312" panose="02010609030101010101" pitchFamily="49" charset="-122"/>
+                  </a:rPr>
+                  <a:t>可移植性差</a:t>
+                </a:r>
+              </a:p>
+            </p:txBody>
+          </p:sp>
+          <p:sp>
+            <p:nvSpPr>
+              <p:cNvPr id="77" name="矩形 76">
+                <a:extLst>
+                  <a:ext uri="{FF2B5EF4-FFF2-40B4-BE49-F238E27FC236}">
+                    <a16:creationId xmlns:a16="http://schemas.microsoft.com/office/drawing/2014/main" id="{E41DD9BF-83DC-4B12-99FE-09C5E8FA4E53}"/>
+                  </a:ext>
+                </a:extLst>
+              </p:cNvPr>
+              <p:cNvSpPr/>
+              <p:nvPr/>
+            </p:nvSpPr>
+            <p:spPr>
+              <a:xfrm>
+                <a:off x="2128254" y="5015683"/>
+                <a:ext cx="936000" cy="479722"/>
+              </a:xfrm>
+              <a:prstGeom prst="rect">
+                <a:avLst/>
+              </a:prstGeom>
+              <a:noFill/>
+              <a:ln w="28575">
+                <a:solidFill>
+                  <a:schemeClr val="bg2">
+                    <a:lumMod val="75000"/>
+                  </a:schemeClr>
+                </a:solidFill>
+              </a:ln>
+            </p:spPr>
+            <p:style>
+              <a:lnRef idx="2">
+                <a:schemeClr val="accent1">
+                  <a:shade val="50000"/>
+                </a:schemeClr>
+              </a:lnRef>
+              <a:fillRef idx="1">
+                <a:schemeClr val="accent1"/>
+              </a:fillRef>
+              <a:effectRef idx="0">
+                <a:schemeClr val="accent1"/>
+              </a:effectRef>
+              <a:fontRef idx="minor">
+                <a:schemeClr val="lt1"/>
+              </a:fontRef>
+            </p:style>
+            <p:txBody>
+              <a:bodyPr rtlCol="0" anchor="ctr"/>
+              <a:lstStyle/>
+              <a:p>
+                <a:pPr algn="ctr"/>
+                <a:endParaRPr lang="en-US" altLang="zh-CN" sz="1400" dirty="0">
+                  <a:solidFill>
+                    <a:schemeClr val="tx1"/>
+                  </a:solidFill>
+                  <a:latin typeface="仿宋_GB2312" panose="02010609030101010101" pitchFamily="49" charset="-122"/>
+                  <a:ea typeface="仿宋_GB2312" panose="02010609030101010101" pitchFamily="49" charset="-122"/>
+                </a:endParaRPr>
+              </a:p>
+            </p:txBody>
+          </p:sp>
+          <p:cxnSp>
+            <p:nvCxnSpPr>
+              <p:cNvPr id="78" name="连接符: 曲线 77">
+                <a:extLst>
+                  <a:ext uri="{FF2B5EF4-FFF2-40B4-BE49-F238E27FC236}">
+                    <a16:creationId xmlns:a16="http://schemas.microsoft.com/office/drawing/2014/main" id="{9AC99C99-CE51-4EA2-879E-59B5B63EA6D7}"/>
+                  </a:ext>
+                </a:extLst>
+              </p:cNvPr>
+              <p:cNvCxnSpPr>
+                <a:cxnSpLocks/>
+                <a:stCxn id="72" idx="2"/>
+                <a:endCxn id="76" idx="0"/>
+              </p:cNvCxnSpPr>
+              <p:nvPr/>
+            </p:nvCxnSpPr>
+            <p:spPr>
+              <a:xfrm rot="16200000" flipH="1">
+                <a:off x="2202456" y="3459761"/>
+                <a:ext cx="746517" cy="5574"/>
+              </a:xfrm>
+              <a:prstGeom prst="curvedConnector3">
+                <a:avLst>
+                  <a:gd name="adj1" fmla="val 50000"/>
+                </a:avLst>
+              </a:prstGeom>
+              <a:ln w="76200">
+                <a:solidFill>
+                  <a:schemeClr val="bg2">
+                    <a:lumMod val="75000"/>
+                  </a:schemeClr>
+                </a:solidFill>
+                <a:tailEnd type="triangle"/>
+              </a:ln>
+            </p:spPr>
+            <p:style>
+              <a:lnRef idx="1">
+                <a:schemeClr val="accent1"/>
+              </a:lnRef>
+              <a:fillRef idx="0">
+                <a:schemeClr val="accent1"/>
+              </a:fillRef>
+              <a:effectRef idx="0">
+                <a:schemeClr val="accent1"/>
+              </a:effectRef>
+              <a:fontRef idx="minor">
+                <a:schemeClr val="tx1"/>
+              </a:fontRef>
+            </p:style>
+          </p:cxnSp>
+          <p:cxnSp>
+            <p:nvCxnSpPr>
+              <p:cNvPr id="79" name="连接符: 曲线 78">
+                <a:extLst>
+                  <a:ext uri="{FF2B5EF4-FFF2-40B4-BE49-F238E27FC236}">
+                    <a16:creationId xmlns:a16="http://schemas.microsoft.com/office/drawing/2014/main" id="{04D0421D-A053-4917-B58E-1E2106788C31}"/>
+                  </a:ext>
+                </a:extLst>
+              </p:cNvPr>
+              <p:cNvCxnSpPr>
+                <a:cxnSpLocks/>
+                <a:endCxn id="77" idx="0"/>
+              </p:cNvCxnSpPr>
+              <p:nvPr/>
+            </p:nvCxnSpPr>
+            <p:spPr>
+              <a:xfrm rot="16200000" flipH="1">
+                <a:off x="2241359" y="4660788"/>
+                <a:ext cx="692038" cy="17752"/>
+              </a:xfrm>
+              <a:prstGeom prst="curvedConnector3">
+                <a:avLst/>
+              </a:prstGeom>
+              <a:ln w="76200">
+                <a:solidFill>
+                  <a:schemeClr val="bg2">
+                    <a:lumMod val="75000"/>
+                  </a:schemeClr>
+                </a:solidFill>
+                <a:tailEnd type="triangle"/>
+              </a:ln>
+            </p:spPr>
+            <p:style>
+              <a:lnRef idx="1">
+                <a:schemeClr val="accent1"/>
+              </a:lnRef>
+              <a:fillRef idx="0">
+                <a:schemeClr val="accent1"/>
+              </a:fillRef>
+              <a:effectRef idx="0">
+                <a:schemeClr val="accent1"/>
+              </a:effectRef>
+              <a:fontRef idx="minor">
+                <a:schemeClr val="tx1"/>
+              </a:fontRef>
+            </p:style>
+          </p:cxnSp>
+          <p:grpSp>
+            <p:nvGrpSpPr>
+              <p:cNvPr id="80" name="组合 79">
+                <a:extLst>
+                  <a:ext uri="{FF2B5EF4-FFF2-40B4-BE49-F238E27FC236}">
+                    <a16:creationId xmlns:a16="http://schemas.microsoft.com/office/drawing/2014/main" id="{7477E981-3935-4D8A-956B-CF10B5EB1E8B}"/>
+                  </a:ext>
+                </a:extLst>
+              </p:cNvPr>
+              <p:cNvGrpSpPr/>
+              <p:nvPr/>
+            </p:nvGrpSpPr>
+            <p:grpSpPr>
+              <a:xfrm>
+                <a:off x="1196175" y="3079641"/>
+                <a:ext cx="8252" cy="1936042"/>
+                <a:chOff x="1162997" y="3024076"/>
+                <a:chExt cx="8252" cy="2039587"/>
+              </a:xfrm>
+            </p:grpSpPr>
+            <p:cxnSp>
+              <p:nvCxnSpPr>
+                <p:cNvPr id="86" name="连接符: 曲线 85">
+                  <a:extLst>
+                    <a:ext uri="{FF2B5EF4-FFF2-40B4-BE49-F238E27FC236}">
+                      <a16:creationId xmlns:a16="http://schemas.microsoft.com/office/drawing/2014/main" id="{868C1A5A-E375-4174-B47F-4994F2D9704D}"/>
+                    </a:ext>
+                  </a:extLst>
+                </p:cNvPr>
+                <p:cNvCxnSpPr>
+                  <a:cxnSpLocks/>
+                  <a:stCxn id="73" idx="2"/>
+                  <a:endCxn id="74" idx="0"/>
+                </p:cNvCxnSpPr>
+                <p:nvPr/>
+              </p:nvCxnSpPr>
+              <p:spPr>
+                <a:xfrm rot="16200000" flipH="1">
+                  <a:off x="768819" y="3418254"/>
+                  <a:ext cx="796608" cy="8252"/>
+                </a:xfrm>
+                <a:prstGeom prst="curvedConnector3">
+                  <a:avLst/>
+                </a:prstGeom>
+                <a:ln w="76200">
+                  <a:solidFill>
+                    <a:schemeClr val="tx1"/>
+                  </a:solidFill>
+                  <a:headEnd type="triangle"/>
+                  <a:tailEnd type="none"/>
+                </a:ln>
+              </p:spPr>
+              <p:style>
+                <a:lnRef idx="1">
+                  <a:schemeClr val="accent1"/>
+                </a:lnRef>
+                <a:fillRef idx="0">
+                  <a:schemeClr val="accent1"/>
+                </a:fillRef>
+                <a:effectRef idx="0">
+                  <a:schemeClr val="accent1"/>
+                </a:effectRef>
+                <a:fontRef idx="minor">
+                  <a:schemeClr val="tx1"/>
+                </a:fontRef>
+              </p:style>
+            </p:cxnSp>
+            <p:cxnSp>
+              <p:nvCxnSpPr>
+                <p:cNvPr id="87" name="连接符: 曲线 86">
+                  <a:extLst>
+                    <a:ext uri="{FF2B5EF4-FFF2-40B4-BE49-F238E27FC236}">
+                      <a16:creationId xmlns:a16="http://schemas.microsoft.com/office/drawing/2014/main" id="{2CBC43EB-C38E-413F-B128-CF90944313A6}"/>
+                    </a:ext>
+                  </a:extLst>
+                </p:cNvPr>
+                <p:cNvCxnSpPr>
+                  <a:cxnSpLocks/>
+                  <a:stCxn id="75" idx="0"/>
+                  <a:endCxn id="74" idx="2"/>
+                </p:cNvCxnSpPr>
+                <p:nvPr/>
+              </p:nvCxnSpPr>
+              <p:spPr>
+                <a:xfrm rot="5400000" flipH="1" flipV="1">
+                  <a:off x="792287" y="4684702"/>
+                  <a:ext cx="752677" cy="5246"/>
+                </a:xfrm>
+                <a:prstGeom prst="curvedConnector3">
+                  <a:avLst/>
+                </a:prstGeom>
+                <a:ln w="76200">
+                  <a:solidFill>
+                    <a:schemeClr val="tx1"/>
+                  </a:solidFill>
+                  <a:tailEnd type="triangle"/>
+                </a:ln>
+              </p:spPr>
+              <p:style>
+                <a:lnRef idx="1">
+                  <a:schemeClr val="accent1"/>
+                </a:lnRef>
+                <a:fillRef idx="0">
+                  <a:schemeClr val="accent1"/>
+                </a:fillRef>
+                <a:effectRef idx="0">
+                  <a:schemeClr val="accent1"/>
+                </a:effectRef>
+                <a:fontRef idx="minor">
+                  <a:schemeClr val="tx1"/>
+                </a:fontRef>
+              </p:style>
+            </p:cxnSp>
+          </p:grpSp>
+          <p:cxnSp>
+            <p:nvCxnSpPr>
+              <p:cNvPr id="81" name="直接箭头连接符 80">
+                <a:extLst>
+                  <a:ext uri="{FF2B5EF4-FFF2-40B4-BE49-F238E27FC236}">
+                    <a16:creationId xmlns:a16="http://schemas.microsoft.com/office/drawing/2014/main" id="{267EB630-D7CE-4D4B-A704-2E5A228EDB7F}"/>
+                  </a:ext>
+                </a:extLst>
+              </p:cNvPr>
+              <p:cNvCxnSpPr>
+                <a:cxnSpLocks/>
+                <a:stCxn id="73" idx="0"/>
+              </p:cNvCxnSpPr>
+              <p:nvPr/>
+            </p:nvCxnSpPr>
+            <p:spPr>
+              <a:xfrm flipH="1" flipV="1">
+                <a:off x="1194760" y="2096888"/>
+                <a:ext cx="1415" cy="517342"/>
+              </a:xfrm>
+              <a:prstGeom prst="straightConnector1">
+                <a:avLst/>
+              </a:prstGeom>
+              <a:ln w="76200">
+                <a:solidFill>
+                  <a:schemeClr val="tx1"/>
+                </a:solidFill>
+                <a:tailEnd type="triangle"/>
+              </a:ln>
+            </p:spPr>
+            <p:style>
+              <a:lnRef idx="1">
+                <a:schemeClr val="accent1"/>
+              </a:lnRef>
+              <a:fillRef idx="0">
+                <a:schemeClr val="accent1"/>
+              </a:fillRef>
+              <a:effectRef idx="0">
+                <a:schemeClr val="accent1"/>
+              </a:effectRef>
+              <a:fontRef idx="minor">
+                <a:schemeClr val="tx1"/>
+              </a:fontRef>
+            </p:style>
+          </p:cxnSp>
+          <p:cxnSp>
+            <p:nvCxnSpPr>
+              <p:cNvPr id="82" name="直接箭头连接符 81">
+                <a:extLst>
+                  <a:ext uri="{FF2B5EF4-FFF2-40B4-BE49-F238E27FC236}">
+                    <a16:creationId xmlns:a16="http://schemas.microsoft.com/office/drawing/2014/main" id="{75C859CB-0359-4BAF-8A5A-926BB2B10D42}"/>
+                  </a:ext>
+                </a:extLst>
+              </p:cNvPr>
+              <p:cNvCxnSpPr>
+                <a:cxnSpLocks/>
+                <a:endCxn id="72" idx="0"/>
+              </p:cNvCxnSpPr>
+              <p:nvPr/>
+            </p:nvCxnSpPr>
+            <p:spPr>
+              <a:xfrm>
+                <a:off x="2572928" y="2095745"/>
+                <a:ext cx="0" cy="529764"/>
+              </a:xfrm>
+              <a:prstGeom prst="straightConnector1">
+                <a:avLst/>
+              </a:prstGeom>
+              <a:ln w="76200">
+                <a:solidFill>
+                  <a:schemeClr val="bg2">
+                    <a:lumMod val="75000"/>
+                  </a:schemeClr>
+                </a:solidFill>
+                <a:tailEnd type="triangle"/>
+              </a:ln>
+            </p:spPr>
+            <p:style>
+              <a:lnRef idx="1">
+                <a:schemeClr val="accent1"/>
+              </a:lnRef>
+              <a:fillRef idx="0">
+                <a:schemeClr val="accent1"/>
+              </a:fillRef>
+              <a:effectRef idx="0">
+                <a:schemeClr val="accent1"/>
+              </a:effectRef>
+              <a:fontRef idx="minor">
+                <a:schemeClr val="tx1"/>
+              </a:fontRef>
+            </p:style>
+          </p:cxnSp>
+          <p:sp>
+            <p:nvSpPr>
+              <p:cNvPr id="83" name="矩形 82">
+                <a:extLst>
+                  <a:ext uri="{FF2B5EF4-FFF2-40B4-BE49-F238E27FC236}">
+                    <a16:creationId xmlns:a16="http://schemas.microsoft.com/office/drawing/2014/main" id="{A57D066C-FF62-4FB2-A217-AEFF75644E78}"/>
+                  </a:ext>
+                </a:extLst>
+              </p:cNvPr>
+              <p:cNvSpPr/>
+              <p:nvPr/>
+            </p:nvSpPr>
+            <p:spPr>
+              <a:xfrm>
+                <a:off x="634681" y="1699329"/>
+                <a:ext cx="2473692" cy="383738"/>
+              </a:xfrm>
+              <a:prstGeom prst="rect">
+                <a:avLst/>
+              </a:prstGeom>
+              <a:solidFill>
+                <a:schemeClr val="bg1"/>
+              </a:solidFill>
+              <a:ln w="28575">
+                <a:solidFill>
+                  <a:schemeClr val="tx1"/>
+                </a:solidFill>
+              </a:ln>
+            </p:spPr>
+            <p:style>
+              <a:lnRef idx="2">
+                <a:schemeClr val="accent1">
+                  <a:shade val="50000"/>
+                </a:schemeClr>
+              </a:lnRef>
+              <a:fillRef idx="1">
+                <a:schemeClr val="accent1"/>
+              </a:fillRef>
+              <a:effectRef idx="0">
+                <a:schemeClr val="accent1"/>
+              </a:effectRef>
+              <a:fontRef idx="minor">
+                <a:schemeClr val="lt1"/>
+              </a:fontRef>
+            </p:style>
+            <p:txBody>
+              <a:bodyPr rtlCol="0" anchor="ctr"/>
+              <a:lstStyle/>
+              <a:p>
+                <a:pPr algn="ctr"/>
+                <a:r>
+                  <a:rPr lang="zh-CN" altLang="en-US" sz="1600" b="1" dirty="0">
+                    <a:solidFill>
+                      <a:schemeClr val="tx1"/>
+                    </a:solidFill>
+                    <a:latin typeface="黑体" panose="02010609060101010101" pitchFamily="49" charset="-122"/>
+                    <a:ea typeface="黑体" panose="02010609060101010101" pitchFamily="49" charset="-122"/>
+                  </a:rPr>
+                  <a:t>容器可重现性方案</a:t>
+                </a:r>
+              </a:p>
+            </p:txBody>
+          </p:sp>
+          <p:cxnSp>
+            <p:nvCxnSpPr>
+              <p:cNvPr id="84" name="直接箭头连接符 83">
+                <a:extLst>
+                  <a:ext uri="{FF2B5EF4-FFF2-40B4-BE49-F238E27FC236}">
+                    <a16:creationId xmlns:a16="http://schemas.microsoft.com/office/drawing/2014/main" id="{D94A7980-4DFA-46B4-A3D6-DAE07C50C990}"/>
+                  </a:ext>
+                </a:extLst>
+              </p:cNvPr>
+              <p:cNvCxnSpPr>
+                <a:cxnSpLocks/>
+              </p:cNvCxnSpPr>
+              <p:nvPr/>
+            </p:nvCxnSpPr>
+            <p:spPr>
+              <a:xfrm flipV="1">
+                <a:off x="1208733" y="5495403"/>
+                <a:ext cx="0" cy="562958"/>
+              </a:xfrm>
+              <a:prstGeom prst="straightConnector1">
+                <a:avLst/>
+              </a:prstGeom>
+              <a:ln w="76200">
+                <a:solidFill>
+                  <a:schemeClr val="tx1"/>
+                </a:solidFill>
+                <a:tailEnd type="triangle"/>
+              </a:ln>
+            </p:spPr>
+            <p:style>
+              <a:lnRef idx="1">
+                <a:schemeClr val="accent1"/>
+              </a:lnRef>
+              <a:fillRef idx="0">
+                <a:schemeClr val="accent1"/>
+              </a:fillRef>
+              <a:effectRef idx="0">
+                <a:schemeClr val="accent1"/>
+              </a:effectRef>
+              <a:fontRef idx="minor">
+                <a:schemeClr val="tx1"/>
+              </a:fontRef>
+            </p:style>
+          </p:cxnSp>
+          <p:sp>
+            <p:nvSpPr>
+              <p:cNvPr id="85" name="矩形 84">
+                <a:extLst>
+                  <a:ext uri="{FF2B5EF4-FFF2-40B4-BE49-F238E27FC236}">
+                    <a16:creationId xmlns:a16="http://schemas.microsoft.com/office/drawing/2014/main" id="{596E7417-EB28-4FBC-BE80-1E5F7CE05D10}"/>
+                  </a:ext>
+                </a:extLst>
+              </p:cNvPr>
+              <p:cNvSpPr/>
+              <p:nvPr/>
+            </p:nvSpPr>
+            <p:spPr>
+              <a:xfrm>
+                <a:off x="634681" y="6058362"/>
+                <a:ext cx="2473883" cy="383738"/>
+              </a:xfrm>
+              <a:prstGeom prst="rect">
+                <a:avLst/>
+              </a:prstGeom>
+              <a:solidFill>
+                <a:schemeClr val="bg1"/>
+              </a:solidFill>
+              <a:ln w="28575">
+                <a:solidFill>
+                  <a:schemeClr val="tx1"/>
+                </a:solidFill>
+              </a:ln>
+            </p:spPr>
+            <p:style>
+              <a:lnRef idx="2">
+                <a:schemeClr val="accent1">
+                  <a:shade val="50000"/>
+                </a:schemeClr>
+              </a:lnRef>
+              <a:fillRef idx="1">
+                <a:schemeClr val="accent1"/>
+              </a:fillRef>
+              <a:effectRef idx="0">
+                <a:schemeClr val="accent1"/>
+              </a:effectRef>
+              <a:fontRef idx="minor">
+                <a:schemeClr val="lt1"/>
+              </a:fontRef>
+            </p:style>
+            <p:txBody>
+              <a:bodyPr rtlCol="0" anchor="ctr"/>
+              <a:lstStyle/>
+              <a:p>
+                <a:pPr algn="ctr"/>
+                <a:r>
+                  <a:rPr lang="en-US" altLang="zh-CN" sz="1600" b="1" dirty="0">
+                    <a:solidFill>
+                      <a:schemeClr val="tx1"/>
+                    </a:solidFill>
+                    <a:latin typeface="黑体" panose="02010609060101010101" pitchFamily="49" charset="-122"/>
+                    <a:ea typeface="黑体" panose="02010609060101010101" pitchFamily="49" charset="-122"/>
+                  </a:rPr>
+                  <a:t>RISC-V</a:t>
+                </a:r>
+                <a:r>
+                  <a:rPr lang="zh-CN" altLang="en-US" sz="1600" b="1" dirty="0">
+                    <a:solidFill>
+                      <a:schemeClr val="tx1"/>
+                    </a:solidFill>
+                    <a:latin typeface="黑体" panose="02010609060101010101" pitchFamily="49" charset="-122"/>
+                    <a:ea typeface="黑体" panose="02010609060101010101" pitchFamily="49" charset="-122"/>
+                  </a:rPr>
+                  <a:t>架构</a:t>
+                </a:r>
+              </a:p>
+            </p:txBody>
+          </p:sp>
+        </p:grpSp>
+        <p:grpSp>
+          <p:nvGrpSpPr>
+            <p:cNvPr id="18" name="组合 17">
+              <a:extLst>
+                <a:ext uri="{FF2B5EF4-FFF2-40B4-BE49-F238E27FC236}">
+                  <a16:creationId xmlns:a16="http://schemas.microsoft.com/office/drawing/2014/main" id="{632FF756-9678-48FE-A12B-D3AD061AC46D}"/>
+                </a:ext>
+              </a:extLst>
+            </p:cNvPr>
+            <p:cNvGrpSpPr/>
+            <p:nvPr/>
+          </p:nvGrpSpPr>
+          <p:grpSpPr>
+            <a:xfrm>
+              <a:off x="100096" y="1622423"/>
+              <a:ext cx="504475" cy="4917260"/>
+              <a:chOff x="100096" y="1622423"/>
+              <a:chExt cx="504475" cy="4917260"/>
+            </a:xfrm>
+          </p:grpSpPr>
+          <p:grpSp>
+            <p:nvGrpSpPr>
+              <p:cNvPr id="62" name="组合 61">
+                <a:extLst>
+                  <a:ext uri="{FF2B5EF4-FFF2-40B4-BE49-F238E27FC236}">
+                    <a16:creationId xmlns:a16="http://schemas.microsoft.com/office/drawing/2014/main" id="{54C48555-E54E-4035-826E-0605419CAC1D}"/>
+                  </a:ext>
+                </a:extLst>
+              </p:cNvPr>
+              <p:cNvGrpSpPr/>
+              <p:nvPr/>
+            </p:nvGrpSpPr>
+            <p:grpSpPr>
+              <a:xfrm rot="16200000">
+                <a:off x="-826398" y="2765824"/>
+                <a:ext cx="2405317" cy="269255"/>
+                <a:chOff x="1495946" y="157164"/>
+                <a:chExt cx="884215" cy="269255"/>
+              </a:xfrm>
+              <a:solidFill>
+                <a:schemeClr val="tx1"/>
+              </a:solidFill>
+            </p:grpSpPr>
+            <p:sp>
+              <p:nvSpPr>
+                <p:cNvPr id="68" name="箭头: 右 67">
+                  <a:extLst>
+                    <a:ext uri="{FF2B5EF4-FFF2-40B4-BE49-F238E27FC236}">
+                      <a16:creationId xmlns:a16="http://schemas.microsoft.com/office/drawing/2014/main" id="{4C5387ED-41B6-4209-824E-CD62D93D9CC8}"/>
+                    </a:ext>
+                  </a:extLst>
+                </p:cNvPr>
+                <p:cNvSpPr/>
+                <p:nvPr/>
+              </p:nvSpPr>
+              <p:spPr>
+                <a:xfrm rot="10800000" flipV="1">
+                  <a:off x="1502569" y="157164"/>
+                  <a:ext cx="873919" cy="216693"/>
+                </a:xfrm>
+                <a:prstGeom prst="rightArrow">
+                  <a:avLst/>
+                </a:prstGeom>
+                <a:grpFill/>
+                <a:ln>
+                  <a:solidFill>
+                    <a:schemeClr val="tx1"/>
+                  </a:solidFill>
+                </a:ln>
+              </p:spPr>
+              <p:style>
+                <a:lnRef idx="2">
+                  <a:schemeClr val="accent1">
+                    <a:shade val="50000"/>
+                  </a:schemeClr>
+                </a:lnRef>
+                <a:fillRef idx="1">
+                  <a:schemeClr val="accent1"/>
+                </a:fillRef>
+                <a:effectRef idx="0">
+                  <a:schemeClr val="accent1"/>
+                </a:effectRef>
+                <a:fontRef idx="minor">
+                  <a:schemeClr val="lt1"/>
+                </a:fontRef>
+              </p:style>
+              <p:txBody>
+                <a:bodyPr rtlCol="0" anchor="ctr"/>
+                <a:lstStyle/>
+                <a:p>
+                  <a:pPr algn="ctr"/>
+                  <a:endParaRPr lang="zh-CN" altLang="en-US"/>
+                </a:p>
+              </p:txBody>
+            </p:sp>
+            <p:sp>
+              <p:nvSpPr>
+                <p:cNvPr id="69" name="矩形 68">
+                  <a:extLst>
+                    <a:ext uri="{FF2B5EF4-FFF2-40B4-BE49-F238E27FC236}">
+                      <a16:creationId xmlns:a16="http://schemas.microsoft.com/office/drawing/2014/main" id="{1DB4D554-42F3-41C1-8F4B-F29D7E4414C8}"/>
+                    </a:ext>
+                  </a:extLst>
+                </p:cNvPr>
+                <p:cNvSpPr/>
+                <p:nvPr/>
+              </p:nvSpPr>
+              <p:spPr>
+                <a:xfrm>
+                  <a:off x="1495946" y="269295"/>
+                  <a:ext cx="884215" cy="157124"/>
+                </a:xfrm>
+                <a:prstGeom prst="rect">
+                  <a:avLst/>
+                </a:prstGeom>
+                <a:solidFill>
+                  <a:schemeClr val="bg1">
+                    <a:lumMod val="85000"/>
+                  </a:schemeClr>
+                </a:solidFill>
+                <a:ln>
+                  <a:noFill/>
+                </a:ln>
+              </p:spPr>
+              <p:style>
+                <a:lnRef idx="2">
+                  <a:schemeClr val="accent1">
+                    <a:shade val="50000"/>
+                  </a:schemeClr>
+                </a:lnRef>
+                <a:fillRef idx="1">
+                  <a:schemeClr val="accent1"/>
+                </a:fillRef>
+                <a:effectRef idx="0">
+                  <a:schemeClr val="accent1"/>
+                </a:effectRef>
+                <a:fontRef idx="minor">
+                  <a:schemeClr val="lt1"/>
+                </a:fontRef>
+              </p:style>
+              <p:txBody>
+                <a:bodyPr rtlCol="0" anchor="ctr"/>
+                <a:lstStyle/>
+                <a:p>
+                  <a:pPr algn="ctr"/>
+                  <a:endParaRPr lang="zh-CN" altLang="en-US"/>
+                </a:p>
+              </p:txBody>
+            </p:sp>
+          </p:grpSp>
+          <p:sp>
+            <p:nvSpPr>
+              <p:cNvPr id="63" name="文本框 62">
+                <a:extLst>
+                  <a:ext uri="{FF2B5EF4-FFF2-40B4-BE49-F238E27FC236}">
+                    <a16:creationId xmlns:a16="http://schemas.microsoft.com/office/drawing/2014/main" id="{30681620-3662-455E-AEFA-4848D233755B}"/>
+                  </a:ext>
+                </a:extLst>
+              </p:cNvPr>
+              <p:cNvSpPr txBox="1"/>
+              <p:nvPr/>
+            </p:nvSpPr>
+            <p:spPr>
+              <a:xfrm>
+                <a:off x="326148" y="1622423"/>
+                <a:ext cx="277389" cy="2462213"/>
+              </a:xfrm>
+              <a:prstGeom prst="rect">
+                <a:avLst/>
+              </a:prstGeom>
+              <a:noFill/>
+            </p:spPr>
+            <p:txBody>
+              <a:bodyPr wrap="square" rtlCol="0">
+                <a:spAutoFit/>
+              </a:bodyPr>
+              <a:lstStyle/>
+              <a:p>
+                <a:pPr algn="ctr"/>
+                <a:r>
+                  <a:rPr lang="zh-CN" altLang="en-US" sz="1400" b="1" dirty="0">
+                    <a:latin typeface="黑体gb2312"/>
+                    <a:ea typeface="黑体" panose="02010609060101010101" pitchFamily="49" charset="-122"/>
+                  </a:rPr>
+                  <a:t>数据库软件定义计算系统</a:t>
+                </a:r>
+              </a:p>
+            </p:txBody>
+          </p:sp>
+          <p:grpSp>
+            <p:nvGrpSpPr>
+              <p:cNvPr id="64" name="组合 63">
+                <a:extLst>
+                  <a:ext uri="{FF2B5EF4-FFF2-40B4-BE49-F238E27FC236}">
+                    <a16:creationId xmlns:a16="http://schemas.microsoft.com/office/drawing/2014/main" id="{F1BD64DD-BD16-4440-AABF-BF072DD14965}"/>
+                  </a:ext>
+                </a:extLst>
+              </p:cNvPr>
+              <p:cNvGrpSpPr/>
+              <p:nvPr/>
+            </p:nvGrpSpPr>
+            <p:grpSpPr>
+              <a:xfrm rot="5400000">
+                <a:off x="-732067" y="5188500"/>
+                <a:ext cx="2405322" cy="267955"/>
+                <a:chOff x="1492271" y="157163"/>
+                <a:chExt cx="884217" cy="267955"/>
+              </a:xfrm>
+              <a:solidFill>
+                <a:schemeClr val="tx1"/>
+              </a:solidFill>
+            </p:grpSpPr>
+            <p:sp>
+              <p:nvSpPr>
+                <p:cNvPr id="66" name="箭头: 右 65">
+                  <a:extLst>
+                    <a:ext uri="{FF2B5EF4-FFF2-40B4-BE49-F238E27FC236}">
+                      <a16:creationId xmlns:a16="http://schemas.microsoft.com/office/drawing/2014/main" id="{F222F4A0-D216-42ED-B0E7-6A502CDF1041}"/>
+                    </a:ext>
+                  </a:extLst>
+                </p:cNvPr>
+                <p:cNvSpPr/>
+                <p:nvPr/>
+              </p:nvSpPr>
+              <p:spPr>
+                <a:xfrm rot="10800000" flipV="1">
+                  <a:off x="1502569" y="157163"/>
+                  <a:ext cx="873919" cy="216693"/>
+                </a:xfrm>
+                <a:prstGeom prst="rightArrow">
+                  <a:avLst/>
+                </a:prstGeom>
+                <a:grpFill/>
+                <a:ln>
+                  <a:solidFill>
+                    <a:schemeClr val="tx1"/>
+                  </a:solidFill>
+                </a:ln>
+              </p:spPr>
+              <p:style>
+                <a:lnRef idx="2">
+                  <a:schemeClr val="accent1">
+                    <a:shade val="50000"/>
+                  </a:schemeClr>
+                </a:lnRef>
+                <a:fillRef idx="1">
+                  <a:schemeClr val="accent1"/>
+                </a:fillRef>
+                <a:effectRef idx="0">
+                  <a:schemeClr val="accent1"/>
+                </a:effectRef>
+                <a:fontRef idx="minor">
+                  <a:schemeClr val="lt1"/>
+                </a:fontRef>
+              </p:style>
+              <p:txBody>
+                <a:bodyPr rtlCol="0" anchor="ctr"/>
+                <a:lstStyle/>
+                <a:p>
+                  <a:pPr algn="ctr"/>
+                  <a:endParaRPr lang="zh-CN" altLang="en-US"/>
+                </a:p>
+              </p:txBody>
+            </p:sp>
+            <p:sp>
+              <p:nvSpPr>
+                <p:cNvPr id="67" name="矩形 66">
+                  <a:extLst>
+                    <a:ext uri="{FF2B5EF4-FFF2-40B4-BE49-F238E27FC236}">
+                      <a16:creationId xmlns:a16="http://schemas.microsoft.com/office/drawing/2014/main" id="{9202E483-C554-46E8-96B8-8753429455AF}"/>
+                    </a:ext>
+                  </a:extLst>
+                </p:cNvPr>
+                <p:cNvSpPr/>
+                <p:nvPr/>
+              </p:nvSpPr>
+              <p:spPr>
+                <a:xfrm>
+                  <a:off x="1492271" y="267994"/>
+                  <a:ext cx="884215" cy="157124"/>
+                </a:xfrm>
+                <a:prstGeom prst="rect">
+                  <a:avLst/>
+                </a:prstGeom>
+                <a:solidFill>
+                  <a:schemeClr val="bg1">
+                    <a:lumMod val="85000"/>
+                  </a:schemeClr>
+                </a:solidFill>
+                <a:ln>
+                  <a:noFill/>
+                </a:ln>
+              </p:spPr>
+              <p:style>
+                <a:lnRef idx="2">
+                  <a:schemeClr val="accent1">
+                    <a:shade val="50000"/>
+                  </a:schemeClr>
+                </a:lnRef>
+                <a:fillRef idx="1">
+                  <a:schemeClr val="accent1"/>
+                </a:fillRef>
+                <a:effectRef idx="0">
+                  <a:schemeClr val="accent1"/>
+                </a:effectRef>
+                <a:fontRef idx="minor">
+                  <a:schemeClr val="lt1"/>
+                </a:fontRef>
+              </p:style>
+              <p:txBody>
+                <a:bodyPr rtlCol="0" anchor="ctr"/>
+                <a:lstStyle/>
+                <a:p>
+                  <a:pPr algn="ctr"/>
+                  <a:endParaRPr lang="zh-CN" altLang="en-US"/>
+                </a:p>
+              </p:txBody>
+            </p:sp>
+          </p:grpSp>
+          <p:sp>
+            <p:nvSpPr>
+              <p:cNvPr id="65" name="文本框 64">
+                <a:extLst>
+                  <a:ext uri="{FF2B5EF4-FFF2-40B4-BE49-F238E27FC236}">
+                    <a16:creationId xmlns:a16="http://schemas.microsoft.com/office/drawing/2014/main" id="{3FD1DA56-CE38-4BA1-BA1A-204E87881288}"/>
+                  </a:ext>
+                </a:extLst>
+              </p:cNvPr>
+              <p:cNvSpPr txBox="1"/>
+              <p:nvPr/>
+            </p:nvSpPr>
+            <p:spPr>
+              <a:xfrm>
+                <a:off x="100096" y="4077470"/>
+                <a:ext cx="500495" cy="2462213"/>
+              </a:xfrm>
+              <a:prstGeom prst="rect">
+                <a:avLst/>
+              </a:prstGeom>
+              <a:noFill/>
+            </p:spPr>
+            <p:txBody>
+              <a:bodyPr wrap="square" rtlCol="0">
+                <a:spAutoFit/>
+              </a:bodyPr>
+              <a:lstStyle/>
+              <a:p>
+                <a:pPr algn="ctr"/>
+                <a:r>
+                  <a:rPr lang="zh-CN" altLang="en-US" sz="1400" b="1" dirty="0">
+                    <a:latin typeface="黑体" panose="02010609060101010101" pitchFamily="49" charset="-122"/>
+                    <a:ea typeface="黑体" panose="02010609060101010101" pitchFamily="49" charset="-122"/>
+                  </a:rPr>
+                  <a:t>计算系统驱动数据库优化</a:t>
+                </a:r>
+              </a:p>
+            </p:txBody>
+          </p:sp>
+        </p:grpSp>
+        <p:cxnSp>
+          <p:nvCxnSpPr>
+            <p:cNvPr id="19" name="直接箭头连接符 18">
+              <a:extLst>
+                <a:ext uri="{FF2B5EF4-FFF2-40B4-BE49-F238E27FC236}">
+                  <a16:creationId xmlns:a16="http://schemas.microsoft.com/office/drawing/2014/main" id="{D4A91CFD-C261-4B21-8442-052B8FDA3AB9}"/>
+                </a:ext>
+              </a:extLst>
+            </p:cNvPr>
+            <p:cNvCxnSpPr>
+              <a:cxnSpLocks/>
+              <a:stCxn id="77" idx="2"/>
+            </p:cNvCxnSpPr>
+            <p:nvPr/>
+          </p:nvCxnSpPr>
+          <p:spPr>
+            <a:xfrm>
+              <a:off x="1157663" y="5495405"/>
+              <a:ext cx="0" cy="548520"/>
+            </a:xfrm>
+            <a:prstGeom prst="straightConnector1">
+              <a:avLst/>
+            </a:prstGeom>
+            <a:ln w="76200">
+              <a:solidFill>
+                <a:schemeClr val="bg2">
+                  <a:lumMod val="75000"/>
+                </a:schemeClr>
+              </a:solidFill>
+              <a:tailEnd type="triangle"/>
+            </a:ln>
+          </p:spPr>
+          <p:style>
+            <a:lnRef idx="1">
+              <a:schemeClr val="accent1"/>
+            </a:lnRef>
+            <a:fillRef idx="0">
+              <a:schemeClr val="accent1"/>
+            </a:fillRef>
+            <a:effectRef idx="0">
+              <a:schemeClr val="accent1"/>
+            </a:effectRef>
+            <a:fontRef idx="minor">
+              <a:schemeClr val="tx1"/>
+            </a:fontRef>
+          </p:style>
+        </p:cxnSp>
+        <p:grpSp>
+          <p:nvGrpSpPr>
+            <p:cNvPr id="20" name="组合 19">
+              <a:extLst>
+                <a:ext uri="{FF2B5EF4-FFF2-40B4-BE49-F238E27FC236}">
+                  <a16:creationId xmlns:a16="http://schemas.microsoft.com/office/drawing/2014/main" id="{3EA39854-A540-4C5C-BCF4-61DD8479D793}"/>
+                </a:ext>
+              </a:extLst>
+            </p:cNvPr>
+            <p:cNvGrpSpPr/>
+            <p:nvPr/>
+          </p:nvGrpSpPr>
+          <p:grpSpPr>
+            <a:xfrm>
+              <a:off x="3510405" y="1652174"/>
+              <a:ext cx="4780357" cy="1084784"/>
+              <a:chOff x="3510405" y="1652174"/>
+              <a:chExt cx="4780357" cy="1084784"/>
+            </a:xfrm>
+          </p:grpSpPr>
+          <p:grpSp>
+            <p:nvGrpSpPr>
+              <p:cNvPr id="53" name="组合 52">
+                <a:extLst>
+                  <a:ext uri="{FF2B5EF4-FFF2-40B4-BE49-F238E27FC236}">
+                    <a16:creationId xmlns:a16="http://schemas.microsoft.com/office/drawing/2014/main" id="{8F370F88-8590-4DAD-ACD0-596877E949D9}"/>
+                  </a:ext>
+                </a:extLst>
+              </p:cNvPr>
+              <p:cNvGrpSpPr/>
+              <p:nvPr/>
+            </p:nvGrpSpPr>
+            <p:grpSpPr>
+              <a:xfrm>
+                <a:off x="3510405" y="1652174"/>
+                <a:ext cx="4780357" cy="1084784"/>
+                <a:chOff x="3510405" y="1652174"/>
+                <a:chExt cx="4780357" cy="1084784"/>
+              </a:xfrm>
+            </p:grpSpPr>
+            <p:sp>
+              <p:nvSpPr>
+                <p:cNvPr id="56" name="矩形: 圆角 55">
+                  <a:extLst>
+                    <a:ext uri="{FF2B5EF4-FFF2-40B4-BE49-F238E27FC236}">
+                      <a16:creationId xmlns:a16="http://schemas.microsoft.com/office/drawing/2014/main" id="{FF24CA3F-33FB-4BEE-BAE1-4DD2C444B5B6}"/>
+                    </a:ext>
+                  </a:extLst>
+                </p:cNvPr>
+                <p:cNvSpPr/>
+                <p:nvPr/>
+              </p:nvSpPr>
+              <p:spPr>
+                <a:xfrm>
+                  <a:off x="3528106" y="1673226"/>
+                  <a:ext cx="4762656" cy="1063732"/>
+                </a:xfrm>
+                <a:prstGeom prst="roundRect">
+                  <a:avLst/>
+                </a:prstGeom>
+                <a:solidFill>
+                  <a:schemeClr val="bg1"/>
+                </a:solidFill>
+                <a:ln w="28575">
+                  <a:solidFill>
+                    <a:schemeClr val="bg1">
+                      <a:lumMod val="75000"/>
+                    </a:schemeClr>
+                  </a:solidFill>
+                  <a:prstDash val="sysDash"/>
+                </a:ln>
+              </p:spPr>
+              <p:style>
+                <a:lnRef idx="2">
+                  <a:schemeClr val="accent1">
+                    <a:shade val="50000"/>
+                  </a:schemeClr>
+                </a:lnRef>
+                <a:fillRef idx="1">
+                  <a:schemeClr val="accent1"/>
+                </a:fillRef>
+                <a:effectRef idx="0">
+                  <a:schemeClr val="accent1"/>
+                </a:effectRef>
+                <a:fontRef idx="minor">
+                  <a:schemeClr val="lt1"/>
+                </a:fontRef>
+              </p:style>
+              <p:txBody>
+                <a:bodyPr rtlCol="0" anchor="ctr"/>
+                <a:lstStyle/>
+                <a:p>
+                  <a:pPr algn="ctr"/>
+                  <a:endParaRPr lang="zh-CN" altLang="en-US" b="1" dirty="0">
+                    <a:solidFill>
+                      <a:schemeClr val="tx1"/>
+                    </a:solidFill>
+                    <a:latin typeface="微软雅黑" panose="020B0503020204020204" pitchFamily="34" charset="-122"/>
+                    <a:ea typeface="微软雅黑" panose="020B0503020204020204" pitchFamily="34" charset="-122"/>
+                  </a:endParaRPr>
+                </a:p>
+              </p:txBody>
+            </p:sp>
+            <p:sp>
+              <p:nvSpPr>
+                <p:cNvPr id="57" name="矩形 56">
+                  <a:extLst>
+                    <a:ext uri="{FF2B5EF4-FFF2-40B4-BE49-F238E27FC236}">
+                      <a16:creationId xmlns:a16="http://schemas.microsoft.com/office/drawing/2014/main" id="{B4C59F8F-EA39-4267-889C-BC765521D2CA}"/>
+                    </a:ext>
+                  </a:extLst>
+                </p:cNvPr>
+                <p:cNvSpPr/>
+                <p:nvPr/>
+              </p:nvSpPr>
+              <p:spPr>
+                <a:xfrm>
+                  <a:off x="3613961" y="2217007"/>
+                  <a:ext cx="1338145" cy="372046"/>
+                </a:xfrm>
+                <a:prstGeom prst="rect">
+                  <a:avLst/>
+                </a:prstGeom>
+                <a:solidFill>
+                  <a:schemeClr val="bg1"/>
+                </a:solidFill>
+                <a:ln w="28575">
+                  <a:solidFill>
+                    <a:schemeClr val="bg1">
+                      <a:lumMod val="75000"/>
+                    </a:schemeClr>
+                  </a:solidFill>
+                </a:ln>
+              </p:spPr>
+              <p:style>
+                <a:lnRef idx="2">
+                  <a:schemeClr val="accent1">
+                    <a:shade val="50000"/>
+                  </a:schemeClr>
+                </a:lnRef>
+                <a:fillRef idx="1">
+                  <a:schemeClr val="accent1"/>
+                </a:fillRef>
+                <a:effectRef idx="0">
+                  <a:schemeClr val="accent1"/>
+                </a:effectRef>
+                <a:fontRef idx="minor">
+                  <a:schemeClr val="lt1"/>
+                </a:fontRef>
+              </p:style>
+              <p:txBody>
+                <a:bodyPr rtlCol="0" anchor="ctr"/>
+                <a:lstStyle/>
+                <a:p>
+                  <a:pPr algn="ctr"/>
+                  <a:r>
+                    <a:rPr lang="zh-CN" altLang="en-US" sz="1400" dirty="0">
+                      <a:solidFill>
+                        <a:schemeClr val="tx1"/>
+                      </a:solidFill>
+                      <a:latin typeface="仿宋_GB2312" panose="02010609030101010101" pitchFamily="49" charset="-122"/>
+                      <a:ea typeface="仿宋_GB2312" panose="02010609030101010101" pitchFamily="49" charset="-122"/>
+                    </a:rPr>
+                    <a:t>关系代数建模</a:t>
+                  </a:r>
+                </a:p>
+              </p:txBody>
+            </p:sp>
+            <p:sp>
+              <p:nvSpPr>
+                <p:cNvPr id="58" name="矩形 57">
+                  <a:extLst>
+                    <a:ext uri="{FF2B5EF4-FFF2-40B4-BE49-F238E27FC236}">
+                      <a16:creationId xmlns:a16="http://schemas.microsoft.com/office/drawing/2014/main" id="{441272C5-260C-412D-B3E5-9742A0823FA2}"/>
+                    </a:ext>
+                  </a:extLst>
+                </p:cNvPr>
+                <p:cNvSpPr/>
+                <p:nvPr/>
+              </p:nvSpPr>
+              <p:spPr>
+                <a:xfrm>
+                  <a:off x="5174662" y="2213818"/>
+                  <a:ext cx="1338145" cy="372046"/>
+                </a:xfrm>
+                <a:prstGeom prst="rect">
+                  <a:avLst/>
+                </a:prstGeom>
+                <a:solidFill>
+                  <a:schemeClr val="bg1"/>
+                </a:solidFill>
+                <a:ln w="28575">
+                  <a:solidFill>
+                    <a:schemeClr val="bg1">
+                      <a:lumMod val="75000"/>
+                    </a:schemeClr>
+                  </a:solidFill>
+                </a:ln>
+              </p:spPr>
+              <p:style>
+                <a:lnRef idx="2">
+                  <a:schemeClr val="accent1">
+                    <a:shade val="50000"/>
+                  </a:schemeClr>
+                </a:lnRef>
+                <a:fillRef idx="1">
+                  <a:schemeClr val="accent1"/>
+                </a:fillRef>
+                <a:effectRef idx="0">
+                  <a:schemeClr val="accent1"/>
+                </a:effectRef>
+                <a:fontRef idx="minor">
+                  <a:schemeClr val="lt1"/>
+                </a:fontRef>
+              </p:style>
+              <p:txBody>
+                <a:bodyPr rtlCol="0" anchor="ctr"/>
+                <a:lstStyle/>
+                <a:p>
+                  <a:pPr algn="ctr"/>
+                  <a:r>
+                    <a:rPr lang="zh-CN" altLang="en-US" sz="1400" dirty="0">
+                      <a:solidFill>
+                        <a:schemeClr val="tx1"/>
+                      </a:solidFill>
+                      <a:latin typeface="仿宋_GB2312" panose="02010609030101010101" pitchFamily="49" charset="-122"/>
+                      <a:ea typeface="仿宋_GB2312" panose="02010609030101010101" pitchFamily="49" charset="-122"/>
+                    </a:rPr>
+                    <a:t>关系算子优化</a:t>
+                  </a:r>
+                </a:p>
+              </p:txBody>
+            </p:sp>
+            <p:sp>
+              <p:nvSpPr>
+                <p:cNvPr id="59" name="矩形 58">
+                  <a:extLst>
+                    <a:ext uri="{FF2B5EF4-FFF2-40B4-BE49-F238E27FC236}">
+                      <a16:creationId xmlns:a16="http://schemas.microsoft.com/office/drawing/2014/main" id="{B2B45AEC-5477-40FA-AB63-11D47CA93D0C}"/>
+                    </a:ext>
+                  </a:extLst>
+                </p:cNvPr>
+                <p:cNvSpPr/>
+                <p:nvPr/>
+              </p:nvSpPr>
+              <p:spPr>
+                <a:xfrm>
+                  <a:off x="6753066" y="2212603"/>
+                  <a:ext cx="1443801" cy="372046"/>
+                </a:xfrm>
+                <a:prstGeom prst="rect">
+                  <a:avLst/>
+                </a:prstGeom>
+                <a:solidFill>
+                  <a:schemeClr val="bg1"/>
+                </a:solidFill>
+                <a:ln w="28575">
+                  <a:solidFill>
+                    <a:schemeClr val="bg1">
+                      <a:lumMod val="75000"/>
+                    </a:schemeClr>
+                  </a:solidFill>
+                </a:ln>
+              </p:spPr>
+              <p:style>
+                <a:lnRef idx="2">
+                  <a:schemeClr val="accent1">
+                    <a:shade val="50000"/>
+                  </a:schemeClr>
+                </a:lnRef>
+                <a:fillRef idx="1">
+                  <a:schemeClr val="accent1"/>
+                </a:fillRef>
+                <a:effectRef idx="0">
+                  <a:schemeClr val="accent1"/>
+                </a:effectRef>
+                <a:fontRef idx="minor">
+                  <a:schemeClr val="lt1"/>
+                </a:fontRef>
+              </p:style>
+              <p:txBody>
+                <a:bodyPr rtlCol="0" anchor="ctr"/>
+                <a:lstStyle/>
+                <a:p>
+                  <a:pPr algn="ctr"/>
+                  <a:r>
+                    <a:rPr lang="zh-CN" altLang="en-US" sz="1400" dirty="0">
+                      <a:solidFill>
+                        <a:schemeClr val="tx1"/>
+                      </a:solidFill>
+                      <a:latin typeface="仿宋_GB2312" panose="02010609030101010101" pitchFamily="49" charset="-122"/>
+                      <a:ea typeface="仿宋_GB2312" panose="02010609030101010101" pitchFamily="49" charset="-122"/>
+                    </a:rPr>
+                    <a:t>索引查询优化</a:t>
+                  </a:r>
+                </a:p>
+              </p:txBody>
+            </p:sp>
+            <p:cxnSp>
+              <p:nvCxnSpPr>
+                <p:cNvPr id="60" name="直接连接符 59">
+                  <a:extLst>
+                    <a:ext uri="{FF2B5EF4-FFF2-40B4-BE49-F238E27FC236}">
+                      <a16:creationId xmlns:a16="http://schemas.microsoft.com/office/drawing/2014/main" id="{B8B3EE04-61AC-4702-8F58-8C02E812C4F6}"/>
+                    </a:ext>
+                  </a:extLst>
+                </p:cNvPr>
+                <p:cNvCxnSpPr>
+                  <a:cxnSpLocks/>
+                </p:cNvCxnSpPr>
+                <p:nvPr/>
+              </p:nvCxnSpPr>
+              <p:spPr>
+                <a:xfrm>
+                  <a:off x="4265332" y="2067785"/>
+                  <a:ext cx="1596105" cy="235"/>
+                </a:xfrm>
+                <a:prstGeom prst="line">
+                  <a:avLst/>
+                </a:prstGeom>
+                <a:solidFill>
+                  <a:schemeClr val="bg1"/>
+                </a:solidFill>
+                <a:ln w="38100">
+                  <a:solidFill>
+                    <a:schemeClr val="bg1">
+                      <a:lumMod val="75000"/>
+                    </a:schemeClr>
+                  </a:solidFill>
+                  <a:tailEnd type="none"/>
+                </a:ln>
+              </p:spPr>
+              <p:style>
+                <a:lnRef idx="1">
+                  <a:schemeClr val="accent1"/>
+                </a:lnRef>
+                <a:fillRef idx="0">
+                  <a:schemeClr val="accent1"/>
+                </a:fillRef>
+                <a:effectRef idx="0">
+                  <a:schemeClr val="accent1"/>
+                </a:effectRef>
+                <a:fontRef idx="minor">
+                  <a:schemeClr val="tx1"/>
+                </a:fontRef>
+              </p:style>
+            </p:cxnSp>
+            <p:sp>
+              <p:nvSpPr>
+                <p:cNvPr id="61" name="文本框 60">
+                  <a:extLst>
+                    <a:ext uri="{FF2B5EF4-FFF2-40B4-BE49-F238E27FC236}">
+                      <a16:creationId xmlns:a16="http://schemas.microsoft.com/office/drawing/2014/main" id="{8105D940-27E6-4CF3-936F-36C435DBA200}"/>
+                    </a:ext>
+                  </a:extLst>
+                </p:cNvPr>
+                <p:cNvSpPr txBox="1"/>
+                <p:nvPr/>
+              </p:nvSpPr>
+              <p:spPr>
+                <a:xfrm>
+                  <a:off x="3510405" y="1652174"/>
+                  <a:ext cx="2735439" cy="307777"/>
+                </a:xfrm>
+                <a:prstGeom prst="rect">
+                  <a:avLst/>
+                </a:prstGeom>
+                <a:solidFill>
+                  <a:schemeClr val="bg1">
+                    <a:lumMod val="75000"/>
+                  </a:schemeClr>
+                </a:solidFill>
+                <a:ln>
+                  <a:solidFill>
+                    <a:schemeClr val="bg1">
+                      <a:lumMod val="75000"/>
+                    </a:schemeClr>
+                  </a:solidFill>
+                </a:ln>
+              </p:spPr>
+              <p:txBody>
+                <a:bodyPr wrap="square">
+                  <a:spAutoFit/>
+                </a:bodyPr>
+                <a:lstStyle/>
+                <a:p>
+                  <a:r>
+                    <a:rPr lang="zh-CN" altLang="en-US" sz="1400" b="1" dirty="0">
+                      <a:latin typeface="黑体" panose="02010609060101010101" pitchFamily="49" charset="-122"/>
+                      <a:ea typeface="黑体" panose="02010609060101010101" pitchFamily="49" charset="-122"/>
+                    </a:rPr>
+                    <a:t>程序可重现方案设计</a:t>
+                  </a:r>
+                </a:p>
+              </p:txBody>
+            </p:sp>
+          </p:grpSp>
+          <p:cxnSp>
+            <p:nvCxnSpPr>
+              <p:cNvPr id="54" name="直接连接符 53">
+                <a:extLst>
+                  <a:ext uri="{FF2B5EF4-FFF2-40B4-BE49-F238E27FC236}">
+                    <a16:creationId xmlns:a16="http://schemas.microsoft.com/office/drawing/2014/main" id="{7BD22C64-E216-4F9B-97C7-E59F9187B030}"/>
+                  </a:ext>
+                </a:extLst>
+              </p:cNvPr>
+              <p:cNvCxnSpPr>
+                <a:cxnSpLocks/>
+                <a:endCxn id="57" idx="0"/>
+              </p:cNvCxnSpPr>
+              <p:nvPr/>
+            </p:nvCxnSpPr>
+            <p:spPr>
+              <a:xfrm>
+                <a:off x="4283033" y="2054324"/>
+                <a:ext cx="1" cy="162683"/>
+              </a:xfrm>
+              <a:prstGeom prst="line">
+                <a:avLst/>
+              </a:prstGeom>
+              <a:solidFill>
+                <a:schemeClr val="bg1"/>
+              </a:solidFill>
+              <a:ln w="38100">
+                <a:solidFill>
+                  <a:schemeClr val="bg1">
+                    <a:lumMod val="75000"/>
+                  </a:schemeClr>
+                </a:solidFill>
+                <a:tailEnd type="none"/>
+              </a:ln>
+            </p:spPr>
+            <p:style>
+              <a:lnRef idx="1">
+                <a:schemeClr val="accent1"/>
+              </a:lnRef>
+              <a:fillRef idx="0">
+                <a:schemeClr val="accent1"/>
+              </a:fillRef>
+              <a:effectRef idx="0">
+                <a:schemeClr val="accent1"/>
+              </a:effectRef>
+              <a:fontRef idx="minor">
+                <a:schemeClr val="tx1"/>
+              </a:fontRef>
+            </p:style>
+          </p:cxnSp>
+          <p:cxnSp>
+            <p:nvCxnSpPr>
+              <p:cNvPr id="55" name="直接连接符 54">
+                <a:extLst>
+                  <a:ext uri="{FF2B5EF4-FFF2-40B4-BE49-F238E27FC236}">
+                    <a16:creationId xmlns:a16="http://schemas.microsoft.com/office/drawing/2014/main" id="{DC39FA1F-EC64-46B5-B612-03728CA76709}"/>
+                  </a:ext>
+                </a:extLst>
+              </p:cNvPr>
+              <p:cNvCxnSpPr>
+                <a:cxnSpLocks/>
+                <a:endCxn id="58" idx="0"/>
+              </p:cNvCxnSpPr>
+              <p:nvPr/>
+            </p:nvCxnSpPr>
+            <p:spPr>
+              <a:xfrm>
+                <a:off x="5843735" y="2054324"/>
+                <a:ext cx="0" cy="159494"/>
+              </a:xfrm>
+              <a:prstGeom prst="line">
+                <a:avLst/>
+              </a:prstGeom>
+              <a:solidFill>
+                <a:schemeClr val="bg1"/>
+              </a:solidFill>
+              <a:ln w="38100">
+                <a:solidFill>
+                  <a:schemeClr val="bg1">
+                    <a:lumMod val="75000"/>
+                  </a:schemeClr>
+                </a:solidFill>
+                <a:tailEnd type="none"/>
+              </a:ln>
+            </p:spPr>
+            <p:style>
+              <a:lnRef idx="1">
+                <a:schemeClr val="accent1"/>
+              </a:lnRef>
+              <a:fillRef idx="0">
+                <a:schemeClr val="accent1"/>
+              </a:fillRef>
+              <a:effectRef idx="0">
+                <a:schemeClr val="accent1"/>
+              </a:effectRef>
+              <a:fontRef idx="minor">
+                <a:schemeClr val="tx1"/>
+              </a:fontRef>
+            </p:style>
+          </p:cxnSp>
+        </p:grpSp>
+        <p:cxnSp>
+          <p:nvCxnSpPr>
+            <p:cNvPr id="21" name="连接符: 肘形 20">
+              <a:extLst>
+                <a:ext uri="{FF2B5EF4-FFF2-40B4-BE49-F238E27FC236}">
+                  <a16:creationId xmlns:a16="http://schemas.microsoft.com/office/drawing/2014/main" id="{40D27282-74EF-4C64-A279-293021400BCA}"/>
+                </a:ext>
+              </a:extLst>
+            </p:cNvPr>
+            <p:cNvCxnSpPr>
+              <a:cxnSpLocks/>
+            </p:cNvCxnSpPr>
+            <p:nvPr/>
+          </p:nvCxnSpPr>
+          <p:spPr>
+            <a:xfrm>
+              <a:off x="5861436" y="2067934"/>
+              <a:ext cx="1613531" cy="135144"/>
+            </a:xfrm>
+            <a:prstGeom prst="bentConnector2">
+              <a:avLst/>
+            </a:prstGeom>
+            <a:ln w="38100">
+              <a:solidFill>
+                <a:schemeClr val="bg1">
+                  <a:lumMod val="75000"/>
+                </a:schemeClr>
+              </a:solidFill>
+              <a:tailEnd type="triangle" w="med" len="sm"/>
+            </a:ln>
+          </p:spPr>
+          <p:style>
+            <a:lnRef idx="1">
+              <a:schemeClr val="accent1"/>
+            </a:lnRef>
+            <a:fillRef idx="0">
+              <a:schemeClr val="accent1"/>
+            </a:fillRef>
+            <a:effectRef idx="0">
+              <a:schemeClr val="accent1"/>
+            </a:effectRef>
+            <a:fontRef idx="minor">
+              <a:schemeClr val="tx1"/>
+            </a:fontRef>
+          </p:style>
+        </p:cxnSp>
+        <p:sp>
+          <p:nvSpPr>
+            <p:cNvPr id="22" name="文本框 21">
+              <a:extLst>
+                <a:ext uri="{FF2B5EF4-FFF2-40B4-BE49-F238E27FC236}">
+                  <a16:creationId xmlns:a16="http://schemas.microsoft.com/office/drawing/2014/main" id="{142947D6-E35A-4B90-A749-3D10252AB1BA}"/>
+                </a:ext>
+              </a:extLst>
+            </p:cNvPr>
+            <p:cNvSpPr txBox="1"/>
+            <p:nvPr/>
+          </p:nvSpPr>
+          <p:spPr>
+            <a:xfrm>
+              <a:off x="7119709" y="4657063"/>
+              <a:ext cx="1271740" cy="276999"/>
+            </a:xfrm>
+            <a:prstGeom prst="rect">
+              <a:avLst/>
+            </a:prstGeom>
+            <a:noFill/>
+            <a:ln w="19050">
+              <a:solidFill>
+                <a:schemeClr val="tx1"/>
+              </a:solidFill>
+              <a:prstDash val="sysDot"/>
+            </a:ln>
+          </p:spPr>
+          <p:txBody>
+            <a:bodyPr wrap="square" rtlCol="0">
+              <a:spAutoFit/>
+            </a:bodyPr>
+            <a:lstStyle/>
+            <a:p>
+              <a:pPr algn="r"/>
+              <a:r>
+                <a:rPr lang="zh-CN" altLang="en-US" sz="1200" dirty="0">
+                  <a:latin typeface="仿宋_GB2312" panose="02010609030101010101" pitchFamily="49" charset="-122"/>
+                  <a:ea typeface="仿宋_GB2312" panose="02010609030101010101" pitchFamily="49" charset="-122"/>
+                </a:rPr>
+                <a:t>混合一致性设计</a:t>
+              </a:r>
+            </a:p>
+          </p:txBody>
+        </p:sp>
+        <p:cxnSp>
+          <p:nvCxnSpPr>
+            <p:cNvPr id="23" name="连接符: 肘形 22">
+              <a:extLst>
+                <a:ext uri="{FF2B5EF4-FFF2-40B4-BE49-F238E27FC236}">
+                  <a16:creationId xmlns:a16="http://schemas.microsoft.com/office/drawing/2014/main" id="{87DE138D-5F57-49FD-BD7C-4350F0EAF0D2}"/>
+                </a:ext>
+              </a:extLst>
+            </p:cNvPr>
+            <p:cNvCxnSpPr>
+              <a:cxnSpLocks/>
+              <a:endCxn id="103" idx="3"/>
+            </p:cNvCxnSpPr>
+            <p:nvPr/>
+          </p:nvCxnSpPr>
+          <p:spPr>
+            <a:xfrm rot="16200000" flipV="1">
+              <a:off x="7479572" y="4712380"/>
+              <a:ext cx="1749462" cy="162483"/>
+            </a:xfrm>
+            <a:prstGeom prst="bentConnector2">
+              <a:avLst/>
+            </a:prstGeom>
+            <a:ln w="28575">
+              <a:solidFill>
+                <a:schemeClr val="tx1"/>
+              </a:solidFill>
+              <a:tailEnd type="triangle"/>
+            </a:ln>
+          </p:spPr>
+          <p:style>
+            <a:lnRef idx="1">
+              <a:schemeClr val="accent1"/>
+            </a:lnRef>
+            <a:fillRef idx="0">
+              <a:schemeClr val="accent1"/>
+            </a:fillRef>
+            <a:effectRef idx="0">
+              <a:schemeClr val="accent1"/>
+            </a:effectRef>
+            <a:fontRef idx="minor">
+              <a:schemeClr val="tx1"/>
+            </a:fontRef>
+          </p:style>
+        </p:cxnSp>
+        <p:sp>
+          <p:nvSpPr>
+            <p:cNvPr id="24" name="文本框 23">
+              <a:extLst>
+                <a:ext uri="{FF2B5EF4-FFF2-40B4-BE49-F238E27FC236}">
+                  <a16:creationId xmlns:a16="http://schemas.microsoft.com/office/drawing/2014/main" id="{5810F560-DD18-4255-802B-510793FFC5E9}"/>
+                </a:ext>
+              </a:extLst>
+            </p:cNvPr>
+            <p:cNvSpPr txBox="1"/>
+            <p:nvPr/>
+          </p:nvSpPr>
+          <p:spPr>
+            <a:xfrm>
+              <a:off x="7728126" y="2954201"/>
+              <a:ext cx="800212" cy="276999"/>
+            </a:xfrm>
+            <a:prstGeom prst="rect">
+              <a:avLst/>
+            </a:prstGeom>
+            <a:noFill/>
+            <a:ln w="19050">
+              <a:solidFill>
+                <a:schemeClr val="tx1"/>
+              </a:solidFill>
+              <a:prstDash val="sysDot"/>
+            </a:ln>
+          </p:spPr>
+          <p:txBody>
+            <a:bodyPr wrap="square" rtlCol="0">
+              <a:spAutoFit/>
+            </a:bodyPr>
+            <a:lstStyle/>
+            <a:p>
+              <a:pPr algn="r"/>
+              <a:r>
+                <a:rPr lang="zh-CN" altLang="en-US" sz="1200" dirty="0">
+                  <a:latin typeface="仿宋_GB2312" panose="02010609030101010101" pitchFamily="49" charset="-122"/>
+                  <a:ea typeface="仿宋_GB2312" panose="02010609030101010101" pitchFamily="49" charset="-122"/>
+                </a:rPr>
+                <a:t>重构优化</a:t>
+              </a:r>
+            </a:p>
+          </p:txBody>
+        </p:sp>
+        <p:grpSp>
+          <p:nvGrpSpPr>
+            <p:cNvPr id="25" name="组合 24">
+              <a:extLst>
+                <a:ext uri="{FF2B5EF4-FFF2-40B4-BE49-F238E27FC236}">
+                  <a16:creationId xmlns:a16="http://schemas.microsoft.com/office/drawing/2014/main" id="{E926FA14-4D70-4099-87F4-A4D6F233B74C}"/>
+                </a:ext>
+              </a:extLst>
+            </p:cNvPr>
+            <p:cNvGrpSpPr/>
+            <p:nvPr/>
+          </p:nvGrpSpPr>
+          <p:grpSpPr>
+            <a:xfrm>
+              <a:off x="8815604" y="2799651"/>
+              <a:ext cx="3163610" cy="2238478"/>
+              <a:chOff x="6849123" y="3275142"/>
+              <a:chExt cx="2969671" cy="1920217"/>
+            </a:xfrm>
+          </p:grpSpPr>
+          <p:sp>
+            <p:nvSpPr>
+              <p:cNvPr id="51" name="矩形: 圆角 50">
+                <a:extLst>
+                  <a:ext uri="{FF2B5EF4-FFF2-40B4-BE49-F238E27FC236}">
+                    <a16:creationId xmlns:a16="http://schemas.microsoft.com/office/drawing/2014/main" id="{D921015A-475C-44A4-A343-E79042C85BBF}"/>
+                  </a:ext>
+                </a:extLst>
+              </p:cNvPr>
+              <p:cNvSpPr/>
+              <p:nvPr/>
+            </p:nvSpPr>
+            <p:spPr>
+              <a:xfrm>
+                <a:off x="6859457" y="3283156"/>
+                <a:ext cx="2945733" cy="1912203"/>
+              </a:xfrm>
+              <a:prstGeom prst="roundRect">
+                <a:avLst>
+                  <a:gd name="adj" fmla="val 9246"/>
+                </a:avLst>
+              </a:prstGeom>
+              <a:solidFill>
+                <a:schemeClr val="bg1"/>
+              </a:solidFill>
+              <a:ln w="28575">
+                <a:solidFill>
+                  <a:schemeClr val="tx1"/>
+                </a:solidFill>
+                <a:prstDash val="solid"/>
+              </a:ln>
+            </p:spPr>
+            <p:style>
+              <a:lnRef idx="2">
+                <a:schemeClr val="accent1">
+                  <a:shade val="50000"/>
+                </a:schemeClr>
+              </a:lnRef>
+              <a:fillRef idx="1">
+                <a:schemeClr val="accent1"/>
+              </a:fillRef>
+              <a:effectRef idx="0">
+                <a:schemeClr val="accent1"/>
+              </a:effectRef>
+              <a:fontRef idx="minor">
+                <a:schemeClr val="lt1"/>
+              </a:fontRef>
+            </p:style>
+            <p:txBody>
+              <a:bodyPr rtlCol="0" anchor="ctr"/>
+              <a:lstStyle/>
+              <a:p>
+                <a:pPr algn="ctr"/>
+                <a:endParaRPr lang="zh-CN" altLang="en-US" b="1" dirty="0">
+                  <a:solidFill>
+                    <a:schemeClr val="tx1"/>
+                  </a:solidFill>
+                  <a:latin typeface="微软雅黑" panose="020B0503020204020204" pitchFamily="34" charset="-122"/>
+                  <a:ea typeface="微软雅黑" panose="020B0503020204020204" pitchFamily="34" charset="-122"/>
+                </a:endParaRPr>
+              </a:p>
+            </p:txBody>
+          </p:sp>
+          <p:sp>
+            <p:nvSpPr>
+              <p:cNvPr id="52" name="文本框 51">
+                <a:extLst>
+                  <a:ext uri="{FF2B5EF4-FFF2-40B4-BE49-F238E27FC236}">
+                    <a16:creationId xmlns:a16="http://schemas.microsoft.com/office/drawing/2014/main" id="{D2218ECA-804B-4E2E-8457-ED1A8D98B4FD}"/>
+                  </a:ext>
+                </a:extLst>
+              </p:cNvPr>
+              <p:cNvSpPr txBox="1"/>
+              <p:nvPr/>
+            </p:nvSpPr>
+            <p:spPr>
+              <a:xfrm>
+                <a:off x="6849123" y="3275142"/>
+                <a:ext cx="2969671" cy="264018"/>
+              </a:xfrm>
+              <a:prstGeom prst="rect">
+                <a:avLst/>
+              </a:prstGeom>
+              <a:solidFill>
+                <a:schemeClr val="tx1"/>
+              </a:solidFill>
+              <a:ln>
+                <a:solidFill>
+                  <a:schemeClr val="tx1"/>
+                </a:solidFill>
+              </a:ln>
+            </p:spPr>
+            <p:txBody>
+              <a:bodyPr wrap="square">
+                <a:spAutoFit/>
+              </a:bodyPr>
+              <a:lstStyle/>
+              <a:p>
+                <a:pPr algn="ctr"/>
+                <a:r>
+                  <a:rPr lang="zh-CN" altLang="en-US" sz="1400" b="1" dirty="0">
+                    <a:solidFill>
+                      <a:schemeClr val="bg1"/>
+                    </a:solidFill>
+                    <a:latin typeface="黑体" panose="02010609060101010101" pitchFamily="49" charset="-122"/>
+                    <a:ea typeface="黑体" panose="02010609060101010101" pitchFamily="49" charset="-122"/>
+                  </a:rPr>
+                  <a:t>产业信息化、智能化转型</a:t>
+                </a:r>
+              </a:p>
+            </p:txBody>
+          </p:sp>
+        </p:grpSp>
+        <p:sp>
+          <p:nvSpPr>
+            <p:cNvPr id="26" name="文本框 25">
+              <a:extLst>
+                <a:ext uri="{FF2B5EF4-FFF2-40B4-BE49-F238E27FC236}">
+                  <a16:creationId xmlns:a16="http://schemas.microsoft.com/office/drawing/2014/main" id="{3019086F-3EC7-4BC2-8627-0FA44AC19393}"/>
+                </a:ext>
+              </a:extLst>
+            </p:cNvPr>
+            <p:cNvSpPr txBox="1"/>
+            <p:nvPr/>
+          </p:nvSpPr>
+          <p:spPr>
+            <a:xfrm>
+              <a:off x="10509387" y="3261447"/>
+              <a:ext cx="1328850" cy="276999"/>
+            </a:xfrm>
+            <a:prstGeom prst="rect">
+              <a:avLst/>
+            </a:prstGeom>
+            <a:noFill/>
+          </p:spPr>
+          <p:txBody>
+            <a:bodyPr wrap="square">
+              <a:spAutoFit/>
+            </a:bodyPr>
+            <a:lstStyle/>
+            <a:p>
+              <a:pPr marL="141750"/>
+              <a:r>
+                <a:rPr lang="zh-CN" altLang="en-US" sz="1200" dirty="0">
+                  <a:latin typeface="仿宋_GB2312" panose="02010609030101010101" pitchFamily="49" charset="-122"/>
+                  <a:ea typeface="仿宋_GB2312" panose="02010609030101010101" pitchFamily="49" charset="-122"/>
+                </a:rPr>
+                <a:t>产生经济效益</a:t>
+              </a:r>
+              <a:endParaRPr lang="en-US" altLang="zh-CN" sz="1200" dirty="0">
+                <a:latin typeface="仿宋_GB2312" panose="02010609030101010101" pitchFamily="49" charset="-122"/>
+                <a:ea typeface="仿宋_GB2312" panose="02010609030101010101" pitchFamily="49" charset="-122"/>
+              </a:endParaRPr>
+            </a:p>
+          </p:txBody>
+        </p:sp>
+        <p:grpSp>
+          <p:nvGrpSpPr>
+            <p:cNvPr id="27" name="组合 26">
+              <a:extLst>
+                <a:ext uri="{FF2B5EF4-FFF2-40B4-BE49-F238E27FC236}">
+                  <a16:creationId xmlns:a16="http://schemas.microsoft.com/office/drawing/2014/main" id="{B3F782C4-FDE8-49DA-9BCD-5AE46BBCE035}"/>
+                </a:ext>
+              </a:extLst>
+            </p:cNvPr>
+            <p:cNvGrpSpPr/>
+            <p:nvPr/>
+          </p:nvGrpSpPr>
+          <p:grpSpPr>
+            <a:xfrm>
+              <a:off x="8958183" y="3563505"/>
+              <a:ext cx="2939405" cy="276999"/>
+              <a:chOff x="8959559" y="3451535"/>
+              <a:chExt cx="2939405" cy="276999"/>
+            </a:xfrm>
+          </p:grpSpPr>
+          <p:cxnSp>
+            <p:nvCxnSpPr>
+              <p:cNvPr id="49" name="直接连接符 48">
+                <a:extLst>
+                  <a:ext uri="{FF2B5EF4-FFF2-40B4-BE49-F238E27FC236}">
+                    <a16:creationId xmlns:a16="http://schemas.microsoft.com/office/drawing/2014/main" id="{B881BD0F-498E-4336-9B24-55628B6EE8ED}"/>
+                  </a:ext>
+                </a:extLst>
+              </p:cNvPr>
+              <p:cNvCxnSpPr>
+                <a:cxnSpLocks/>
+              </p:cNvCxnSpPr>
+              <p:nvPr/>
+            </p:nvCxnSpPr>
+            <p:spPr>
+              <a:xfrm>
+                <a:off x="10554683" y="3728534"/>
+                <a:ext cx="1344281" cy="0"/>
+              </a:xfrm>
+              <a:prstGeom prst="line">
+                <a:avLst/>
+              </a:prstGeom>
+              <a:ln w="19050">
+                <a:solidFill>
+                  <a:schemeClr val="tx1"/>
+                </a:solidFill>
+                <a:prstDash val="solid"/>
+                <a:tailEnd type="none"/>
+              </a:ln>
+            </p:spPr>
+            <p:style>
+              <a:lnRef idx="1">
+                <a:schemeClr val="accent1"/>
+              </a:lnRef>
+              <a:fillRef idx="0">
+                <a:schemeClr val="accent1"/>
+              </a:fillRef>
+              <a:effectRef idx="0">
+                <a:schemeClr val="accent1"/>
+              </a:effectRef>
+              <a:fontRef idx="minor">
+                <a:schemeClr val="tx1"/>
+              </a:fontRef>
+            </p:style>
+          </p:cxnSp>
+          <p:sp>
+            <p:nvSpPr>
+              <p:cNvPr id="50" name="文本框 49">
+                <a:extLst>
+                  <a:ext uri="{FF2B5EF4-FFF2-40B4-BE49-F238E27FC236}">
+                    <a16:creationId xmlns:a16="http://schemas.microsoft.com/office/drawing/2014/main" id="{334F4232-6A3D-4EC3-A072-DCA84EC8D89F}"/>
+                  </a:ext>
+                </a:extLst>
+              </p:cNvPr>
+              <p:cNvSpPr txBox="1"/>
+              <p:nvPr/>
+            </p:nvSpPr>
+            <p:spPr>
+              <a:xfrm>
+                <a:off x="8959559" y="3451535"/>
+                <a:ext cx="1598428" cy="276999"/>
+              </a:xfrm>
+              <a:prstGeom prst="rect">
+                <a:avLst/>
+              </a:prstGeom>
+              <a:noFill/>
+              <a:ln w="19050">
+                <a:solidFill>
+                  <a:schemeClr val="tx1"/>
+                </a:solidFill>
+                <a:prstDash val="solid"/>
+              </a:ln>
+            </p:spPr>
+            <p:txBody>
+              <a:bodyPr wrap="square" rtlCol="0">
+                <a:spAutoFit/>
+              </a:bodyPr>
+              <a:lstStyle/>
+              <a:p>
+                <a:pPr algn="ctr"/>
+                <a:r>
+                  <a:rPr lang="zh-CN" altLang="en-US" sz="1200" dirty="0">
+                    <a:latin typeface="仿宋_GB2312" panose="02010609030101010101" pitchFamily="49" charset="-122"/>
+                    <a:ea typeface="仿宋_GB2312" panose="02010609030101010101" pitchFamily="49" charset="-122"/>
+                  </a:rPr>
+                  <a:t>江西省有色金属产业</a:t>
+                </a:r>
+              </a:p>
+            </p:txBody>
+          </p:sp>
+        </p:grpSp>
+        <p:grpSp>
+          <p:nvGrpSpPr>
+            <p:cNvPr id="28" name="组合 27">
+              <a:extLst>
+                <a:ext uri="{FF2B5EF4-FFF2-40B4-BE49-F238E27FC236}">
+                  <a16:creationId xmlns:a16="http://schemas.microsoft.com/office/drawing/2014/main" id="{449D43A4-7D4A-4B2B-BF37-881A85B73BA4}"/>
+                </a:ext>
+              </a:extLst>
+            </p:cNvPr>
+            <p:cNvGrpSpPr/>
+            <p:nvPr/>
+          </p:nvGrpSpPr>
+          <p:grpSpPr>
+            <a:xfrm>
+              <a:off x="8958183" y="3910575"/>
+              <a:ext cx="2939405" cy="276999"/>
+              <a:chOff x="8959559" y="3451535"/>
+              <a:chExt cx="2939405" cy="276999"/>
+            </a:xfrm>
+          </p:grpSpPr>
+          <p:cxnSp>
+            <p:nvCxnSpPr>
+              <p:cNvPr id="47" name="直接连接符 46">
+                <a:extLst>
+                  <a:ext uri="{FF2B5EF4-FFF2-40B4-BE49-F238E27FC236}">
+                    <a16:creationId xmlns:a16="http://schemas.microsoft.com/office/drawing/2014/main" id="{7BBCE3C6-FA7B-4C6E-8A17-F32DB057D937}"/>
+                  </a:ext>
+                </a:extLst>
+              </p:cNvPr>
+              <p:cNvCxnSpPr>
+                <a:cxnSpLocks/>
+              </p:cNvCxnSpPr>
+              <p:nvPr/>
+            </p:nvCxnSpPr>
+            <p:spPr>
+              <a:xfrm>
+                <a:off x="10554683" y="3728534"/>
+                <a:ext cx="1344281" cy="0"/>
+              </a:xfrm>
+              <a:prstGeom prst="line">
+                <a:avLst/>
+              </a:prstGeom>
+              <a:ln w="19050">
+                <a:solidFill>
+                  <a:schemeClr val="tx1"/>
+                </a:solidFill>
+                <a:prstDash val="solid"/>
+                <a:tailEnd type="none"/>
+              </a:ln>
+            </p:spPr>
+            <p:style>
+              <a:lnRef idx="1">
+                <a:schemeClr val="accent1"/>
+              </a:lnRef>
+              <a:fillRef idx="0">
+                <a:schemeClr val="accent1"/>
+              </a:fillRef>
+              <a:effectRef idx="0">
+                <a:schemeClr val="accent1"/>
+              </a:effectRef>
+              <a:fontRef idx="minor">
+                <a:schemeClr val="tx1"/>
+              </a:fontRef>
+            </p:style>
+          </p:cxnSp>
+          <p:sp>
+            <p:nvSpPr>
+              <p:cNvPr id="48" name="文本框 47">
+                <a:extLst>
+                  <a:ext uri="{FF2B5EF4-FFF2-40B4-BE49-F238E27FC236}">
+                    <a16:creationId xmlns:a16="http://schemas.microsoft.com/office/drawing/2014/main" id="{19F8F714-212D-4FF9-A767-3CB637B35F7D}"/>
+                  </a:ext>
+                </a:extLst>
+              </p:cNvPr>
+              <p:cNvSpPr txBox="1"/>
+              <p:nvPr/>
+            </p:nvSpPr>
+            <p:spPr>
+              <a:xfrm>
+                <a:off x="8959559" y="3451535"/>
+                <a:ext cx="1598428" cy="276999"/>
+              </a:xfrm>
+              <a:prstGeom prst="rect">
+                <a:avLst/>
+              </a:prstGeom>
+              <a:noFill/>
+              <a:ln w="19050">
+                <a:solidFill>
+                  <a:schemeClr val="tx1"/>
+                </a:solidFill>
+                <a:prstDash val="solid"/>
+              </a:ln>
+            </p:spPr>
+            <p:txBody>
+              <a:bodyPr wrap="square" rtlCol="0">
+                <a:spAutoFit/>
+              </a:bodyPr>
+              <a:lstStyle/>
+              <a:p>
+                <a:pPr algn="ctr"/>
+                <a:r>
+                  <a:rPr lang="zh-CN" altLang="en-US" sz="1200" dirty="0">
+                    <a:latin typeface="仿宋_GB2312" panose="02010609030101010101" pitchFamily="49" charset="-122"/>
+                    <a:ea typeface="仿宋_GB2312" panose="02010609030101010101" pitchFamily="49" charset="-122"/>
+                  </a:rPr>
+                  <a:t>数字医疗业务领域</a:t>
+                </a:r>
+              </a:p>
+            </p:txBody>
+          </p:sp>
+        </p:grpSp>
+        <p:grpSp>
+          <p:nvGrpSpPr>
+            <p:cNvPr id="29" name="组合 28">
+              <a:extLst>
+                <a:ext uri="{FF2B5EF4-FFF2-40B4-BE49-F238E27FC236}">
+                  <a16:creationId xmlns:a16="http://schemas.microsoft.com/office/drawing/2014/main" id="{915B79FA-50EB-4987-864D-5EDBD4427DAE}"/>
+                </a:ext>
+              </a:extLst>
+            </p:cNvPr>
+            <p:cNvGrpSpPr/>
+            <p:nvPr/>
+          </p:nvGrpSpPr>
+          <p:grpSpPr>
+            <a:xfrm>
+              <a:off x="8958183" y="4257646"/>
+              <a:ext cx="2939405" cy="276999"/>
+              <a:chOff x="8959559" y="3451535"/>
+              <a:chExt cx="2939405" cy="276999"/>
+            </a:xfrm>
+          </p:grpSpPr>
+          <p:cxnSp>
+            <p:nvCxnSpPr>
+              <p:cNvPr id="45" name="直接连接符 44">
+                <a:extLst>
+                  <a:ext uri="{FF2B5EF4-FFF2-40B4-BE49-F238E27FC236}">
+                    <a16:creationId xmlns:a16="http://schemas.microsoft.com/office/drawing/2014/main" id="{E2431938-0A13-480A-9C8E-77565B1F5E1C}"/>
+                  </a:ext>
+                </a:extLst>
+              </p:cNvPr>
+              <p:cNvCxnSpPr>
+                <a:cxnSpLocks/>
+              </p:cNvCxnSpPr>
+              <p:nvPr/>
+            </p:nvCxnSpPr>
+            <p:spPr>
+              <a:xfrm>
+                <a:off x="10554683" y="3728534"/>
+                <a:ext cx="1344281" cy="0"/>
+              </a:xfrm>
+              <a:prstGeom prst="line">
+                <a:avLst/>
+              </a:prstGeom>
+              <a:ln w="19050">
+                <a:solidFill>
+                  <a:schemeClr val="tx1"/>
+                </a:solidFill>
+                <a:prstDash val="solid"/>
+                <a:tailEnd type="none"/>
+              </a:ln>
+            </p:spPr>
+            <p:style>
+              <a:lnRef idx="1">
+                <a:schemeClr val="accent1"/>
+              </a:lnRef>
+              <a:fillRef idx="0">
+                <a:schemeClr val="accent1"/>
+              </a:fillRef>
+              <a:effectRef idx="0">
+                <a:schemeClr val="accent1"/>
+              </a:effectRef>
+              <a:fontRef idx="minor">
+                <a:schemeClr val="tx1"/>
+              </a:fontRef>
+            </p:style>
+          </p:cxnSp>
+          <p:sp>
+            <p:nvSpPr>
+              <p:cNvPr id="46" name="文本框 45">
+                <a:extLst>
+                  <a:ext uri="{FF2B5EF4-FFF2-40B4-BE49-F238E27FC236}">
+                    <a16:creationId xmlns:a16="http://schemas.microsoft.com/office/drawing/2014/main" id="{69DF8DB8-9F4D-461B-8C71-3C35C072372C}"/>
+                  </a:ext>
+                </a:extLst>
+              </p:cNvPr>
+              <p:cNvSpPr txBox="1"/>
+              <p:nvPr/>
+            </p:nvSpPr>
+            <p:spPr>
+              <a:xfrm>
+                <a:off x="8959559" y="3451535"/>
+                <a:ext cx="1598428" cy="276999"/>
+              </a:xfrm>
+              <a:prstGeom prst="rect">
+                <a:avLst/>
+              </a:prstGeom>
+              <a:noFill/>
+              <a:ln w="19050">
+                <a:solidFill>
+                  <a:schemeClr val="tx1"/>
+                </a:solidFill>
+                <a:prstDash val="solid"/>
+              </a:ln>
+            </p:spPr>
+            <p:txBody>
+              <a:bodyPr wrap="square" rtlCol="0">
+                <a:spAutoFit/>
+              </a:bodyPr>
+              <a:lstStyle/>
+              <a:p>
+                <a:pPr algn="ctr"/>
+                <a:r>
+                  <a:rPr lang="zh-CN" altLang="en-US" sz="1200" dirty="0">
+                    <a:latin typeface="仿宋_GB2312" panose="02010609030101010101" pitchFamily="49" charset="-122"/>
+                    <a:ea typeface="仿宋_GB2312" panose="02010609030101010101" pitchFamily="49" charset="-122"/>
+                  </a:rPr>
+                  <a:t>政府云服务平台</a:t>
+                </a:r>
+              </a:p>
+            </p:txBody>
+          </p:sp>
+        </p:grpSp>
+        <p:grpSp>
+          <p:nvGrpSpPr>
+            <p:cNvPr id="30" name="组合 29">
+              <a:extLst>
+                <a:ext uri="{FF2B5EF4-FFF2-40B4-BE49-F238E27FC236}">
+                  <a16:creationId xmlns:a16="http://schemas.microsoft.com/office/drawing/2014/main" id="{BB62BCDF-D644-4EE9-9098-A26EFF0B0B9E}"/>
+                </a:ext>
+              </a:extLst>
+            </p:cNvPr>
+            <p:cNvGrpSpPr/>
+            <p:nvPr/>
+          </p:nvGrpSpPr>
+          <p:grpSpPr>
+            <a:xfrm>
+              <a:off x="8958183" y="4604716"/>
+              <a:ext cx="2939405" cy="276999"/>
+              <a:chOff x="8959559" y="3451535"/>
+              <a:chExt cx="2939405" cy="276999"/>
+            </a:xfrm>
+          </p:grpSpPr>
+          <p:cxnSp>
+            <p:nvCxnSpPr>
+              <p:cNvPr id="43" name="直接连接符 42">
+                <a:extLst>
+                  <a:ext uri="{FF2B5EF4-FFF2-40B4-BE49-F238E27FC236}">
+                    <a16:creationId xmlns:a16="http://schemas.microsoft.com/office/drawing/2014/main" id="{40E8F8BD-8DE7-4EDE-B6AC-2C3B04C94E29}"/>
+                  </a:ext>
+                </a:extLst>
+              </p:cNvPr>
+              <p:cNvCxnSpPr>
+                <a:cxnSpLocks/>
+              </p:cNvCxnSpPr>
+              <p:nvPr/>
+            </p:nvCxnSpPr>
+            <p:spPr>
+              <a:xfrm>
+                <a:off x="10554683" y="3728534"/>
+                <a:ext cx="1344281" cy="0"/>
+              </a:xfrm>
+              <a:prstGeom prst="line">
+                <a:avLst/>
+              </a:prstGeom>
+              <a:ln w="19050">
+                <a:solidFill>
+                  <a:schemeClr val="tx1"/>
+                </a:solidFill>
+                <a:prstDash val="solid"/>
+                <a:tailEnd type="none"/>
+              </a:ln>
+            </p:spPr>
+            <p:style>
+              <a:lnRef idx="1">
+                <a:schemeClr val="accent1"/>
+              </a:lnRef>
+              <a:fillRef idx="0">
+                <a:schemeClr val="accent1"/>
+              </a:fillRef>
+              <a:effectRef idx="0">
+                <a:schemeClr val="accent1"/>
+              </a:effectRef>
+              <a:fontRef idx="minor">
+                <a:schemeClr val="tx1"/>
+              </a:fontRef>
+            </p:style>
+          </p:cxnSp>
+          <p:sp>
+            <p:nvSpPr>
+              <p:cNvPr id="44" name="文本框 43">
+                <a:extLst>
+                  <a:ext uri="{FF2B5EF4-FFF2-40B4-BE49-F238E27FC236}">
+                    <a16:creationId xmlns:a16="http://schemas.microsoft.com/office/drawing/2014/main" id="{67BE7D89-9E9C-427A-8A61-9DC4D2E96343}"/>
+                  </a:ext>
+                </a:extLst>
+              </p:cNvPr>
+              <p:cNvSpPr txBox="1"/>
+              <p:nvPr/>
+            </p:nvSpPr>
+            <p:spPr>
+              <a:xfrm>
+                <a:off x="8959559" y="3451535"/>
+                <a:ext cx="1598428" cy="276999"/>
+              </a:xfrm>
+              <a:prstGeom prst="rect">
+                <a:avLst/>
+              </a:prstGeom>
+              <a:noFill/>
+              <a:ln w="19050">
+                <a:solidFill>
+                  <a:schemeClr val="tx1"/>
+                </a:solidFill>
+                <a:prstDash val="solid"/>
+              </a:ln>
+            </p:spPr>
+            <p:txBody>
+              <a:bodyPr wrap="square" rtlCol="0">
+                <a:spAutoFit/>
+              </a:bodyPr>
+              <a:lstStyle/>
+              <a:p>
+                <a:pPr algn="ctr"/>
+                <a:r>
+                  <a:rPr lang="zh-CN" altLang="en-US" sz="1200" dirty="0">
+                    <a:latin typeface="仿宋_GB2312" panose="02010609030101010101" pitchFamily="49" charset="-122"/>
+                    <a:ea typeface="仿宋_GB2312" panose="02010609030101010101" pitchFamily="49" charset="-122"/>
+                  </a:rPr>
+                  <a:t>企业信息化平台</a:t>
+                </a:r>
+              </a:p>
+            </p:txBody>
+          </p:sp>
+        </p:grpSp>
+        <p:sp>
+          <p:nvSpPr>
+            <p:cNvPr id="31" name="文本框 30">
+              <a:extLst>
+                <a:ext uri="{FF2B5EF4-FFF2-40B4-BE49-F238E27FC236}">
+                  <a16:creationId xmlns:a16="http://schemas.microsoft.com/office/drawing/2014/main" id="{19B214A7-92F6-4735-BF1F-DF72F6546AE2}"/>
+                </a:ext>
+              </a:extLst>
+            </p:cNvPr>
+            <p:cNvSpPr txBox="1"/>
+            <p:nvPr/>
+          </p:nvSpPr>
+          <p:spPr>
+            <a:xfrm>
+              <a:off x="10460788" y="3541855"/>
+              <a:ext cx="1328850" cy="276999"/>
+            </a:xfrm>
+            <a:prstGeom prst="rect">
+              <a:avLst/>
+            </a:prstGeom>
+            <a:noFill/>
+          </p:spPr>
+          <p:txBody>
+            <a:bodyPr wrap="square">
+              <a:spAutoFit/>
+            </a:bodyPr>
+            <a:lstStyle/>
+            <a:p>
+              <a:pPr marL="141750"/>
+              <a:r>
+                <a:rPr lang="en-US" altLang="zh-CN" sz="1200" dirty="0">
+                  <a:solidFill>
+                    <a:srgbClr val="C00000"/>
+                  </a:solidFill>
+                  <a:latin typeface="仿宋_GB2312" panose="02010609030101010101" pitchFamily="49" charset="-122"/>
+                  <a:ea typeface="仿宋_GB2312" panose="02010609030101010101" pitchFamily="49" charset="-122"/>
+                </a:rPr>
+                <a:t>200</a:t>
+              </a:r>
+              <a:r>
+                <a:rPr lang="zh-CN" altLang="en-US" sz="1200" dirty="0">
+                  <a:solidFill>
+                    <a:srgbClr val="C00000"/>
+                  </a:solidFill>
+                  <a:latin typeface="仿宋_GB2312" panose="02010609030101010101" pitchFamily="49" charset="-122"/>
+                  <a:ea typeface="仿宋_GB2312" panose="02010609030101010101" pitchFamily="49" charset="-122"/>
+                </a:rPr>
+                <a:t>万元</a:t>
+              </a:r>
+              <a:endParaRPr lang="en-US" altLang="zh-CN" sz="1200" dirty="0">
+                <a:solidFill>
+                  <a:srgbClr val="C00000"/>
+                </a:solidFill>
+                <a:latin typeface="仿宋_GB2312" panose="02010609030101010101" pitchFamily="49" charset="-122"/>
+                <a:ea typeface="仿宋_GB2312" panose="02010609030101010101" pitchFamily="49" charset="-122"/>
+              </a:endParaRPr>
+            </a:p>
+          </p:txBody>
+        </p:sp>
+        <p:sp>
+          <p:nvSpPr>
+            <p:cNvPr id="32" name="文本框 31">
+              <a:extLst>
+                <a:ext uri="{FF2B5EF4-FFF2-40B4-BE49-F238E27FC236}">
+                  <a16:creationId xmlns:a16="http://schemas.microsoft.com/office/drawing/2014/main" id="{4245F3AD-F9FB-43BE-9F85-B0C66BB3D180}"/>
+                </a:ext>
+              </a:extLst>
+            </p:cNvPr>
+            <p:cNvSpPr txBox="1"/>
+            <p:nvPr/>
+          </p:nvSpPr>
+          <p:spPr>
+            <a:xfrm>
+              <a:off x="10479081" y="3864010"/>
+              <a:ext cx="1328850" cy="276999"/>
+            </a:xfrm>
+            <a:prstGeom prst="rect">
+              <a:avLst/>
+            </a:prstGeom>
+            <a:noFill/>
+          </p:spPr>
+          <p:txBody>
+            <a:bodyPr wrap="square">
+              <a:spAutoFit/>
+            </a:bodyPr>
+            <a:lstStyle/>
+            <a:p>
+              <a:pPr marL="141750"/>
+              <a:r>
+                <a:rPr lang="en-US" altLang="zh-CN" sz="1200" dirty="0">
+                  <a:solidFill>
+                    <a:srgbClr val="C00000"/>
+                  </a:solidFill>
+                  <a:latin typeface="仿宋_GB2312" panose="02010609030101010101" pitchFamily="49" charset="-122"/>
+                  <a:ea typeface="仿宋_GB2312" panose="02010609030101010101" pitchFamily="49" charset="-122"/>
+                </a:rPr>
+                <a:t>300</a:t>
+              </a:r>
+              <a:r>
+                <a:rPr lang="zh-CN" altLang="en-US" sz="1200" dirty="0">
+                  <a:solidFill>
+                    <a:srgbClr val="C00000"/>
+                  </a:solidFill>
+                  <a:latin typeface="仿宋_GB2312" panose="02010609030101010101" pitchFamily="49" charset="-122"/>
+                  <a:ea typeface="仿宋_GB2312" panose="02010609030101010101" pitchFamily="49" charset="-122"/>
+                </a:rPr>
+                <a:t>万元</a:t>
+              </a:r>
+              <a:endParaRPr lang="en-US" altLang="zh-CN" sz="1200" dirty="0">
+                <a:solidFill>
+                  <a:srgbClr val="C00000"/>
+                </a:solidFill>
+                <a:latin typeface="仿宋_GB2312" panose="02010609030101010101" pitchFamily="49" charset="-122"/>
+                <a:ea typeface="仿宋_GB2312" panose="02010609030101010101" pitchFamily="49" charset="-122"/>
+              </a:endParaRPr>
+            </a:p>
+          </p:txBody>
+        </p:sp>
+        <p:sp>
+          <p:nvSpPr>
+            <p:cNvPr id="33" name="文本框 32">
+              <a:extLst>
+                <a:ext uri="{FF2B5EF4-FFF2-40B4-BE49-F238E27FC236}">
+                  <a16:creationId xmlns:a16="http://schemas.microsoft.com/office/drawing/2014/main" id="{0F02DD3A-ADC2-45B0-B67D-A08E44D3D2AE}"/>
+                </a:ext>
+              </a:extLst>
+            </p:cNvPr>
+            <p:cNvSpPr txBox="1"/>
+            <p:nvPr/>
+          </p:nvSpPr>
+          <p:spPr>
+            <a:xfrm>
+              <a:off x="10479080" y="4234362"/>
+              <a:ext cx="1549987" cy="276999"/>
+            </a:xfrm>
+            <a:prstGeom prst="rect">
+              <a:avLst/>
+            </a:prstGeom>
+            <a:noFill/>
+          </p:spPr>
+          <p:txBody>
+            <a:bodyPr wrap="square">
+              <a:spAutoFit/>
+            </a:bodyPr>
+            <a:lstStyle/>
+            <a:p>
+              <a:pPr marL="141750"/>
+              <a:r>
+                <a:rPr lang="en-US" altLang="zh-CN" sz="1200" dirty="0">
+                  <a:solidFill>
+                    <a:srgbClr val="C00000"/>
+                  </a:solidFill>
+                  <a:latin typeface="仿宋_GB2312" panose="02010609030101010101" pitchFamily="49" charset="-122"/>
+                  <a:ea typeface="仿宋_GB2312" panose="02010609030101010101" pitchFamily="49" charset="-122"/>
+                </a:rPr>
+                <a:t>3</a:t>
+              </a:r>
+              <a:r>
+                <a:rPr lang="zh-CN" altLang="en-US" sz="1200" dirty="0">
+                  <a:solidFill>
+                    <a:srgbClr val="C00000"/>
+                  </a:solidFill>
+                  <a:latin typeface="仿宋_GB2312" panose="02010609030101010101" pitchFamily="49" charset="-122"/>
+                  <a:ea typeface="仿宋_GB2312" panose="02010609030101010101" pitchFamily="49" charset="-122"/>
+                </a:rPr>
+                <a:t>项</a:t>
+              </a:r>
+              <a:r>
+                <a:rPr lang="zh-CN" altLang="en-US" sz="1200" dirty="0">
+                  <a:latin typeface="仿宋_GB2312" panose="02010609030101010101" pitchFamily="49" charset="-122"/>
+                  <a:ea typeface="仿宋_GB2312" panose="02010609030101010101" pitchFamily="49" charset="-122"/>
+                </a:rPr>
+                <a:t>政府服务平台</a:t>
+              </a:r>
+              <a:endParaRPr lang="en-US" altLang="zh-CN" sz="1200" dirty="0">
+                <a:latin typeface="仿宋_GB2312" panose="02010609030101010101" pitchFamily="49" charset="-122"/>
+                <a:ea typeface="仿宋_GB2312" panose="02010609030101010101" pitchFamily="49" charset="-122"/>
+              </a:endParaRPr>
+            </a:p>
+          </p:txBody>
+        </p:sp>
+        <p:sp>
+          <p:nvSpPr>
+            <p:cNvPr id="34" name="文本框 33">
+              <a:extLst>
+                <a:ext uri="{FF2B5EF4-FFF2-40B4-BE49-F238E27FC236}">
+                  <a16:creationId xmlns:a16="http://schemas.microsoft.com/office/drawing/2014/main" id="{057597AF-E842-483B-93BC-FEDD86F63BE2}"/>
+                </a:ext>
+              </a:extLst>
+            </p:cNvPr>
+            <p:cNvSpPr txBox="1"/>
+            <p:nvPr/>
+          </p:nvSpPr>
+          <p:spPr>
+            <a:xfrm>
+              <a:off x="10496648" y="4597898"/>
+              <a:ext cx="1328850" cy="276999"/>
+            </a:xfrm>
+            <a:prstGeom prst="rect">
+              <a:avLst/>
+            </a:prstGeom>
+            <a:noFill/>
+          </p:spPr>
+          <p:txBody>
+            <a:bodyPr wrap="square">
+              <a:spAutoFit/>
+            </a:bodyPr>
+            <a:lstStyle/>
+            <a:p>
+              <a:pPr marL="141750"/>
+              <a:r>
+                <a:rPr lang="en-US" altLang="zh-CN" sz="1200" dirty="0">
+                  <a:solidFill>
+                    <a:srgbClr val="C00000"/>
+                  </a:solidFill>
+                  <a:latin typeface="仿宋_GB2312" panose="02010609030101010101" pitchFamily="49" charset="-122"/>
+                  <a:ea typeface="仿宋_GB2312" panose="02010609030101010101" pitchFamily="49" charset="-122"/>
+                </a:rPr>
+                <a:t>743</a:t>
+              </a:r>
+              <a:r>
+                <a:rPr lang="zh-CN" altLang="en-US" sz="1200" dirty="0">
+                  <a:solidFill>
+                    <a:srgbClr val="C00000"/>
+                  </a:solidFill>
+                  <a:latin typeface="仿宋_GB2312" panose="02010609030101010101" pitchFamily="49" charset="-122"/>
+                  <a:ea typeface="仿宋_GB2312" panose="02010609030101010101" pitchFamily="49" charset="-122"/>
+                </a:rPr>
+                <a:t>万元</a:t>
+              </a:r>
+              <a:endParaRPr lang="en-US" altLang="zh-CN" sz="1200" dirty="0">
+                <a:solidFill>
+                  <a:srgbClr val="C00000"/>
+                </a:solidFill>
+                <a:latin typeface="仿宋_GB2312" panose="02010609030101010101" pitchFamily="49" charset="-122"/>
+                <a:ea typeface="仿宋_GB2312" panose="02010609030101010101" pitchFamily="49" charset="-122"/>
+              </a:endParaRPr>
+            </a:p>
+          </p:txBody>
+        </p:sp>
+        <p:cxnSp>
+          <p:nvCxnSpPr>
+            <p:cNvPr id="35" name="连接符: 肘形 34">
+              <a:extLst>
+                <a:ext uri="{FF2B5EF4-FFF2-40B4-BE49-F238E27FC236}">
+                  <a16:creationId xmlns:a16="http://schemas.microsoft.com/office/drawing/2014/main" id="{D8F193A2-1891-4BE7-9628-1FEC4BDA3FFF}"/>
+                </a:ext>
+              </a:extLst>
+            </p:cNvPr>
+            <p:cNvCxnSpPr>
+              <a:cxnSpLocks/>
+              <a:endCxn id="96" idx="1"/>
+            </p:cNvCxnSpPr>
+            <p:nvPr/>
+          </p:nvCxnSpPr>
+          <p:spPr>
+            <a:xfrm rot="16200000" flipH="1">
+              <a:off x="2582277" y="4677465"/>
+              <a:ext cx="1749464" cy="232312"/>
+            </a:xfrm>
+            <a:prstGeom prst="bentConnector2">
+              <a:avLst/>
+            </a:prstGeom>
+            <a:ln w="28575">
+              <a:solidFill>
+                <a:schemeClr val="bg1">
+                  <a:lumMod val="75000"/>
+                </a:schemeClr>
+              </a:solidFill>
+              <a:tailEnd type="triangle"/>
+            </a:ln>
+          </p:spPr>
+          <p:style>
+            <a:lnRef idx="1">
+              <a:schemeClr val="accent1"/>
+            </a:lnRef>
+            <a:fillRef idx="0">
+              <a:schemeClr val="accent1"/>
+            </a:fillRef>
+            <a:effectRef idx="0">
+              <a:schemeClr val="accent1"/>
+            </a:effectRef>
+            <a:fontRef idx="minor">
+              <a:schemeClr val="tx1"/>
+            </a:fontRef>
+          </p:style>
+        </p:cxnSp>
+        <p:cxnSp>
+          <p:nvCxnSpPr>
+            <p:cNvPr id="36" name="连接符: 肘形 35">
+              <a:extLst>
+                <a:ext uri="{FF2B5EF4-FFF2-40B4-BE49-F238E27FC236}">
+                  <a16:creationId xmlns:a16="http://schemas.microsoft.com/office/drawing/2014/main" id="{146926FC-9CDD-4960-995E-3D5467D5B569}"/>
+                </a:ext>
+              </a:extLst>
+            </p:cNvPr>
+            <p:cNvCxnSpPr>
+              <a:cxnSpLocks/>
+              <a:stCxn id="103" idx="2"/>
+              <a:endCxn id="96" idx="1"/>
+            </p:cNvCxnSpPr>
+            <p:nvPr/>
+          </p:nvCxnSpPr>
+          <p:spPr>
+            <a:xfrm rot="5400000">
+              <a:off x="4123651" y="3900271"/>
+              <a:ext cx="1217596" cy="2318568"/>
+            </a:xfrm>
+            <a:prstGeom prst="bentConnector4">
+              <a:avLst>
+                <a:gd name="adj1" fmla="val 8993"/>
+                <a:gd name="adj2" fmla="val 109860"/>
+              </a:avLst>
+            </a:prstGeom>
+            <a:ln w="28575">
+              <a:solidFill>
+                <a:schemeClr val="bg1">
+                  <a:lumMod val="50000"/>
+                </a:schemeClr>
+              </a:solidFill>
+              <a:tailEnd type="triangle"/>
+            </a:ln>
+          </p:spPr>
+          <p:style>
+            <a:lnRef idx="1">
+              <a:schemeClr val="accent1"/>
+            </a:lnRef>
+            <a:fillRef idx="0">
+              <a:schemeClr val="accent1"/>
+            </a:fillRef>
+            <a:effectRef idx="0">
+              <a:schemeClr val="accent1"/>
+            </a:effectRef>
+            <a:fontRef idx="minor">
+              <a:schemeClr val="tx1"/>
+            </a:fontRef>
+          </p:style>
+        </p:cxnSp>
+        <p:sp>
+          <p:nvSpPr>
+            <p:cNvPr id="37" name="文本框 36">
+              <a:extLst>
+                <a:ext uri="{FF2B5EF4-FFF2-40B4-BE49-F238E27FC236}">
+                  <a16:creationId xmlns:a16="http://schemas.microsoft.com/office/drawing/2014/main" id="{DCB65B39-CDCD-4F1B-85C2-90E611458654}"/>
+                </a:ext>
+              </a:extLst>
+            </p:cNvPr>
+            <p:cNvSpPr txBox="1"/>
+            <p:nvPr/>
+          </p:nvSpPr>
+          <p:spPr>
+            <a:xfrm>
+              <a:off x="3383888" y="4767055"/>
+              <a:ext cx="824332" cy="276999"/>
+            </a:xfrm>
+            <a:prstGeom prst="rect">
+              <a:avLst/>
+            </a:prstGeom>
+            <a:noFill/>
+            <a:ln w="19050">
+              <a:solidFill>
+                <a:schemeClr val="bg1">
+                  <a:lumMod val="75000"/>
+                </a:schemeClr>
+              </a:solidFill>
+              <a:prstDash val="sysDot"/>
+            </a:ln>
+          </p:spPr>
+          <p:txBody>
+            <a:bodyPr wrap="square" rtlCol="0">
+              <a:spAutoFit/>
+            </a:bodyPr>
+            <a:lstStyle/>
+            <a:p>
+              <a:pPr algn="ctr"/>
+              <a:r>
+                <a:rPr lang="zh-CN" altLang="en-US" sz="1200" dirty="0">
+                  <a:latin typeface="仿宋_GB2312" panose="02010609030101010101" pitchFamily="49" charset="-122"/>
+                  <a:ea typeface="仿宋_GB2312" panose="02010609030101010101" pitchFamily="49" charset="-122"/>
+                </a:rPr>
+                <a:t>量化评价</a:t>
+              </a:r>
+            </a:p>
+          </p:txBody>
+        </p:sp>
+        <p:sp>
+          <p:nvSpPr>
+            <p:cNvPr id="38" name="箭头: V 形 37">
+              <a:extLst>
+                <a:ext uri="{FF2B5EF4-FFF2-40B4-BE49-F238E27FC236}">
+                  <a16:creationId xmlns:a16="http://schemas.microsoft.com/office/drawing/2014/main" id="{69E6E75C-66D5-4352-A5FA-93F214495961}"/>
+                </a:ext>
+              </a:extLst>
+            </p:cNvPr>
+            <p:cNvSpPr/>
+            <p:nvPr/>
+          </p:nvSpPr>
+          <p:spPr>
+            <a:xfrm>
+              <a:off x="275912" y="1176016"/>
+              <a:ext cx="3142761" cy="408264"/>
+            </a:xfrm>
+            <a:prstGeom prst="chevron">
+              <a:avLst/>
+            </a:prstGeom>
+            <a:solidFill>
+              <a:schemeClr val="tx1">
+                <a:lumMod val="95000"/>
+                <a:lumOff val="5000"/>
+              </a:schemeClr>
+            </a:solidFill>
+            <a:ln>
+              <a:noFill/>
+            </a:ln>
+          </p:spPr>
+          <p:style>
+            <a:lnRef idx="2">
+              <a:schemeClr val="accent1">
+                <a:shade val="50000"/>
+              </a:schemeClr>
+            </a:lnRef>
+            <a:fillRef idx="1">
+              <a:schemeClr val="accent1"/>
+            </a:fillRef>
+            <a:effectRef idx="0">
+              <a:schemeClr val="accent1"/>
+            </a:effectRef>
+            <a:fontRef idx="minor">
+              <a:schemeClr val="lt1"/>
+            </a:fontRef>
+          </p:style>
+          <p:txBody>
+            <a:bodyPr rtlCol="0" anchor="ctr"/>
+            <a:lstStyle/>
+            <a:p>
+              <a:pPr algn="ctr"/>
+              <a:endParaRPr lang="zh-CN" altLang="en-US">
+                <a:solidFill>
+                  <a:schemeClr val="tx1"/>
+                </a:solidFill>
+              </a:endParaRPr>
+            </a:p>
+          </p:txBody>
+        </p:sp>
+        <p:sp>
+          <p:nvSpPr>
+            <p:cNvPr id="39" name="箭头: V 形 38">
+              <a:extLst>
+                <a:ext uri="{FF2B5EF4-FFF2-40B4-BE49-F238E27FC236}">
+                  <a16:creationId xmlns:a16="http://schemas.microsoft.com/office/drawing/2014/main" id="{023C8478-CEA6-479E-ABE2-E7FA2EFC81EE}"/>
+                </a:ext>
+              </a:extLst>
+            </p:cNvPr>
+            <p:cNvSpPr/>
+            <p:nvPr/>
+          </p:nvSpPr>
+          <p:spPr>
+            <a:xfrm>
+              <a:off x="3340853" y="1180528"/>
+              <a:ext cx="5236410" cy="408264"/>
+            </a:xfrm>
+            <a:prstGeom prst="chevron">
+              <a:avLst/>
+            </a:prstGeom>
+            <a:noFill/>
+            <a:ln w="28575">
+              <a:solidFill>
+                <a:schemeClr val="tx1"/>
+              </a:solidFill>
+            </a:ln>
+          </p:spPr>
+          <p:style>
+            <a:lnRef idx="2">
+              <a:schemeClr val="accent1">
+                <a:shade val="50000"/>
+              </a:schemeClr>
+            </a:lnRef>
+            <a:fillRef idx="1">
+              <a:schemeClr val="accent1"/>
+            </a:fillRef>
+            <a:effectRef idx="0">
+              <a:schemeClr val="accent1"/>
+            </a:effectRef>
+            <a:fontRef idx="minor">
+              <a:schemeClr val="lt1"/>
+            </a:fontRef>
+          </p:style>
+          <p:txBody>
+            <a:bodyPr rtlCol="0" anchor="ctr"/>
+            <a:lstStyle/>
+            <a:p>
+              <a:pPr algn="ctr"/>
+              <a:endParaRPr lang="zh-CN" altLang="en-US">
+                <a:solidFill>
+                  <a:schemeClr val="tx1"/>
+                </a:solidFill>
+              </a:endParaRPr>
+            </a:p>
+          </p:txBody>
+        </p:sp>
+        <p:sp>
+          <p:nvSpPr>
+            <p:cNvPr id="40" name="文本框 39">
+              <a:extLst>
+                <a:ext uri="{FF2B5EF4-FFF2-40B4-BE49-F238E27FC236}">
+                  <a16:creationId xmlns:a16="http://schemas.microsoft.com/office/drawing/2014/main" id="{94F88DE9-8249-4732-9420-42E087702D8F}"/>
+                </a:ext>
+              </a:extLst>
+            </p:cNvPr>
+            <p:cNvSpPr txBox="1"/>
+            <p:nvPr/>
+          </p:nvSpPr>
+          <p:spPr>
+            <a:xfrm>
+              <a:off x="209755" y="1214749"/>
+              <a:ext cx="3012734" cy="338554"/>
+            </a:xfrm>
+            <a:prstGeom prst="rect">
+              <a:avLst/>
+            </a:prstGeom>
+            <a:noFill/>
+          </p:spPr>
+          <p:txBody>
+            <a:bodyPr wrap="square">
+              <a:spAutoFit/>
+            </a:bodyPr>
+            <a:lstStyle/>
+            <a:p>
+              <a:pPr algn="ctr"/>
+              <a:r>
+                <a:rPr lang="zh-CN" altLang="en-US" sz="1600" b="1" dirty="0">
+                  <a:solidFill>
+                    <a:schemeClr val="bg1"/>
+                  </a:solidFill>
+                  <a:latin typeface="黑体" panose="02010609060101010101" pitchFamily="49" charset="-122"/>
+                  <a:ea typeface="黑体" panose="02010609060101010101" pitchFamily="49" charset="-122"/>
+                </a:rPr>
+                <a:t>主要问题</a:t>
+              </a:r>
+            </a:p>
+          </p:txBody>
+        </p:sp>
+        <p:sp>
+          <p:nvSpPr>
+            <p:cNvPr id="41" name="箭头: V 形 40">
+              <a:extLst>
+                <a:ext uri="{FF2B5EF4-FFF2-40B4-BE49-F238E27FC236}">
+                  <a16:creationId xmlns:a16="http://schemas.microsoft.com/office/drawing/2014/main" id="{0222D365-3F51-411C-BC96-E28D8D39354E}"/>
+                </a:ext>
+              </a:extLst>
+            </p:cNvPr>
+            <p:cNvSpPr/>
+            <p:nvPr/>
+          </p:nvSpPr>
+          <p:spPr>
+            <a:xfrm>
+              <a:off x="8500913" y="1176016"/>
+              <a:ext cx="3499279" cy="408264"/>
+            </a:xfrm>
+            <a:prstGeom prst="chevron">
+              <a:avLst/>
+            </a:prstGeom>
+            <a:solidFill>
+              <a:schemeClr val="tx1">
+                <a:lumMod val="95000"/>
+                <a:lumOff val="5000"/>
+              </a:schemeClr>
+            </a:solidFill>
+            <a:ln>
+              <a:noFill/>
+            </a:ln>
+          </p:spPr>
+          <p:style>
+            <a:lnRef idx="2">
+              <a:schemeClr val="accent1">
+                <a:shade val="50000"/>
+              </a:schemeClr>
+            </a:lnRef>
+            <a:fillRef idx="1">
+              <a:schemeClr val="accent1"/>
+            </a:fillRef>
+            <a:effectRef idx="0">
+              <a:schemeClr val="accent1"/>
+            </a:effectRef>
+            <a:fontRef idx="minor">
+              <a:schemeClr val="lt1"/>
+            </a:fontRef>
+          </p:style>
+          <p:txBody>
+            <a:bodyPr rtlCol="0" anchor="ctr"/>
+            <a:lstStyle/>
+            <a:p>
+              <a:pPr algn="ctr"/>
+              <a:endParaRPr lang="zh-CN" altLang="en-US">
+                <a:solidFill>
+                  <a:schemeClr val="tx1"/>
+                </a:solidFill>
+              </a:endParaRPr>
+            </a:p>
+          </p:txBody>
+        </p:sp>
+        <p:sp>
+          <p:nvSpPr>
+            <p:cNvPr id="42" name="文本框 41">
+              <a:extLst>
+                <a:ext uri="{FF2B5EF4-FFF2-40B4-BE49-F238E27FC236}">
+                  <a16:creationId xmlns:a16="http://schemas.microsoft.com/office/drawing/2014/main" id="{9A5A5E39-A8F0-4211-B5A3-094A7C30C872}"/>
+                </a:ext>
+              </a:extLst>
+            </p:cNvPr>
+            <p:cNvSpPr txBox="1"/>
+            <p:nvPr/>
+          </p:nvSpPr>
+          <p:spPr>
+            <a:xfrm>
+              <a:off x="8875300" y="1204575"/>
+              <a:ext cx="3012734" cy="338554"/>
+            </a:xfrm>
+            <a:prstGeom prst="rect">
+              <a:avLst/>
+            </a:prstGeom>
+            <a:noFill/>
+          </p:spPr>
+          <p:txBody>
+            <a:bodyPr wrap="square">
+              <a:spAutoFit/>
+            </a:bodyPr>
+            <a:lstStyle/>
+            <a:p>
+              <a:pPr algn="ctr"/>
+              <a:r>
+                <a:rPr lang="zh-CN" altLang="en-US" sz="1600" b="1" dirty="0">
+                  <a:solidFill>
+                    <a:schemeClr val="bg1"/>
+                  </a:solidFill>
+                  <a:latin typeface="黑体" panose="02010609060101010101" pitchFamily="49" charset="-122"/>
+                  <a:ea typeface="黑体" panose="02010609060101010101" pitchFamily="49" charset="-122"/>
+                </a:rPr>
+                <a:t>性能评估</a:t>
+              </a:r>
+            </a:p>
+          </p:txBody>
+        </p:sp>
+      </p:grpSp>
     </p:spTree>
     <p:extLst>
       <p:ext uri="{BB962C8B-B14F-4D97-AF65-F5344CB8AC3E}">
         <p14:creationId xmlns:p14="http://schemas.microsoft.com/office/powerpoint/2010/main" val="129807373"/>
+      </p:ext>
+    </p:extLst>
+  </p:cSld>
+  <p:clrMapOvr>
+    <a:masterClrMapping/>
+  </p:clrMapOvr>
+</p:sld>
+</file>
+
+<file path=ppt/slides/slide2.xml><?xml version="1.0" encoding="utf-8"?>
+<p:sld xmlns:a="http://schemas.openxmlformats.org/drawingml/2006/main" xmlns:r="http://schemas.openxmlformats.org/officeDocument/2006/relationships" xmlns:p="http://schemas.openxmlformats.org/presentationml/2006/main">
+  <p:cSld>
+    <p:spTree>
+      <p:nvGrpSpPr>
+        <p:cNvPr id="1" name=""/>
+        <p:cNvGrpSpPr/>
+        <p:nvPr/>
+      </p:nvGrpSpPr>
+      <p:grpSpPr>
+        <a:xfrm>
+          <a:off x="0" y="0"/>
+          <a:ext cx="0" cy="0"/>
+          <a:chOff x="0" y="0"/>
+          <a:chExt cx="0" cy="0"/>
+        </a:xfrm>
+      </p:grpSpPr>
+      <p:sp>
+        <p:nvSpPr>
+          <p:cNvPr id="4" name="矩形 3">
+            <a:extLst>
+              <a:ext uri="{FF2B5EF4-FFF2-40B4-BE49-F238E27FC236}">
+                <a16:creationId xmlns:a16="http://schemas.microsoft.com/office/drawing/2014/main" id="{AA4D5EA2-A3FF-4AA5-B25B-E5D8B50DA666}"/>
+              </a:ext>
+            </a:extLst>
+          </p:cNvPr>
+          <p:cNvSpPr/>
+          <p:nvPr/>
+        </p:nvSpPr>
+        <p:spPr>
+          <a:xfrm>
+            <a:off x="213846" y="431266"/>
+            <a:ext cx="11861005" cy="6144790"/>
+          </a:xfrm>
+          <a:prstGeom prst="rect">
+            <a:avLst/>
+          </a:prstGeom>
+          <a:noFill/>
+          <a:ln w="28575">
+            <a:solidFill>
+              <a:schemeClr val="tx1"/>
+            </a:solidFill>
+          </a:ln>
+        </p:spPr>
+        <p:style>
+          <a:lnRef idx="2">
+            <a:schemeClr val="accent1">
+              <a:shade val="50000"/>
+            </a:schemeClr>
+          </a:lnRef>
+          <a:fillRef idx="1">
+            <a:schemeClr val="accent1"/>
+          </a:fillRef>
+          <a:effectRef idx="0">
+            <a:schemeClr val="accent1"/>
+          </a:effectRef>
+          <a:fontRef idx="minor">
+            <a:schemeClr val="lt1"/>
+          </a:fontRef>
+        </p:style>
+        <p:txBody>
+          <a:bodyPr rtlCol="0" anchor="ctr"/>
+          <a:lstStyle/>
+          <a:p>
+            <a:pPr algn="ctr"/>
+            <a:endParaRPr lang="zh-CN" altLang="en-US" b="1" dirty="0">
+              <a:solidFill>
+                <a:schemeClr val="tx1"/>
+              </a:solidFill>
+              <a:latin typeface="微软雅黑" panose="020B0503020204020204" pitchFamily="34" charset="-122"/>
+              <a:ea typeface="微软雅黑" panose="020B0503020204020204" pitchFamily="34" charset="-122"/>
+            </a:endParaRPr>
+          </a:p>
+        </p:txBody>
+      </p:sp>
+      <p:sp>
+        <p:nvSpPr>
+          <p:cNvPr id="5" name="文本框 4">
+            <a:extLst>
+              <a:ext uri="{FF2B5EF4-FFF2-40B4-BE49-F238E27FC236}">
+                <a16:creationId xmlns:a16="http://schemas.microsoft.com/office/drawing/2014/main" id="{B4748967-799E-47F9-BBCE-41B8E76B703A}"/>
+              </a:ext>
+            </a:extLst>
+          </p:cNvPr>
+          <p:cNvSpPr txBox="1"/>
+          <p:nvPr/>
+        </p:nvSpPr>
+        <p:spPr>
+          <a:xfrm>
+            <a:off x="213847" y="573569"/>
+            <a:ext cx="11861005" cy="400110"/>
+          </a:xfrm>
+          <a:prstGeom prst="rect">
+            <a:avLst/>
+          </a:prstGeom>
+          <a:noFill/>
+        </p:spPr>
+        <p:txBody>
+          <a:bodyPr wrap="square">
+            <a:spAutoFit/>
+          </a:bodyPr>
+          <a:lstStyle/>
+          <a:p>
+            <a:pPr algn="ctr"/>
+            <a:r>
+              <a:rPr lang="zh-CN" altLang="en-US" sz="2000" b="1" dirty="0">
+                <a:latin typeface="黑体" panose="02010609060101010101" pitchFamily="49" charset="-122"/>
+                <a:ea typeface="黑体" panose="02010609060101010101" pitchFamily="49" charset="-122"/>
+              </a:rPr>
+              <a:t>问题：</a:t>
+            </a:r>
+            <a:r>
+              <a:rPr lang="en-US" altLang="zh-CN" sz="2000" b="1" dirty="0">
+                <a:solidFill>
+                  <a:srgbClr val="B60005"/>
+                </a:solidFill>
+                <a:latin typeface="黑体" panose="02010609060101010101" pitchFamily="49" charset="-122"/>
+                <a:ea typeface="黑体" panose="02010609060101010101" pitchFamily="49" charset="-122"/>
+              </a:rPr>
+              <a:t>RISC-V</a:t>
+            </a:r>
+            <a:r>
+              <a:rPr lang="zh-CN" altLang="en-US" sz="2000" b="1" dirty="0">
+                <a:solidFill>
+                  <a:srgbClr val="B60005"/>
+                </a:solidFill>
+                <a:latin typeface="黑体" panose="02010609060101010101" pitchFamily="49" charset="-122"/>
+                <a:ea typeface="黑体" panose="02010609060101010101" pitchFamily="49" charset="-122"/>
+              </a:rPr>
+              <a:t>架构上程序执行的可重现性问题</a:t>
+            </a:r>
+          </a:p>
+        </p:txBody>
+      </p:sp>
+    </p:spTree>
+    <p:extLst>
+      <p:ext uri="{BB962C8B-B14F-4D97-AF65-F5344CB8AC3E}">
+        <p14:creationId xmlns:p14="http://schemas.microsoft.com/office/powerpoint/2010/main" val="3621244182"/>
       </p:ext>
     </p:extLst>
   </p:cSld>
